--- a/WhatToDoInFrontBackAndDB_usability_performance_security/naturalpeople_webuserlogins_approles_dbusers_dbroles_owndbitems.pptx
+++ b/WhatToDoInFrontBackAndDB_usability_performance_security/naturalpeople_webuserlogins_approles_dbusers_dbroles_owndbitems.pptx
@@ -8,7 +8,8 @@
     <p:sldId id="259" r:id="rId2"/>
     <p:sldId id="256" r:id="rId3"/>
     <p:sldId id="257" r:id="rId4"/>
-    <p:sldId id="258" r:id="rId5"/>
+    <p:sldId id="260" r:id="rId5"/>
+    <p:sldId id="258" r:id="rId6"/>
   </p:sldIdLst>
   <p:sldSz cx="12192000" cy="6858000"/>
   <p:notesSz cx="6858000" cy="9144000"/>
@@ -264,7 +265,7 @@
           <a:p>
             <a:fld id="{AB466767-0EC2-4146-A188-74EE8EB24694}" type="datetimeFigureOut">
               <a:rPr lang="fi-FI" smtClean="0"/>
-              <a:t>23.9.2022</a:t>
+              <a:t>27.2.2024</a:t>
             </a:fld>
             <a:endParaRPr lang="fi-FI"/>
           </a:p>
@@ -464,7 +465,7 @@
           <a:p>
             <a:fld id="{AB466767-0EC2-4146-A188-74EE8EB24694}" type="datetimeFigureOut">
               <a:rPr lang="fi-FI" smtClean="0"/>
-              <a:t>23.9.2022</a:t>
+              <a:t>27.2.2024</a:t>
             </a:fld>
             <a:endParaRPr lang="fi-FI"/>
           </a:p>
@@ -674,7 +675,7 @@
           <a:p>
             <a:fld id="{AB466767-0EC2-4146-A188-74EE8EB24694}" type="datetimeFigureOut">
               <a:rPr lang="fi-FI" smtClean="0"/>
-              <a:t>23.9.2022</a:t>
+              <a:t>27.2.2024</a:t>
             </a:fld>
             <a:endParaRPr lang="fi-FI"/>
           </a:p>
@@ -874,7 +875,7 @@
           <a:p>
             <a:fld id="{AB466767-0EC2-4146-A188-74EE8EB24694}" type="datetimeFigureOut">
               <a:rPr lang="fi-FI" smtClean="0"/>
-              <a:t>23.9.2022</a:t>
+              <a:t>27.2.2024</a:t>
             </a:fld>
             <a:endParaRPr lang="fi-FI"/>
           </a:p>
@@ -1150,7 +1151,7 @@
           <a:p>
             <a:fld id="{AB466767-0EC2-4146-A188-74EE8EB24694}" type="datetimeFigureOut">
               <a:rPr lang="fi-FI" smtClean="0"/>
-              <a:t>23.9.2022</a:t>
+              <a:t>27.2.2024</a:t>
             </a:fld>
             <a:endParaRPr lang="fi-FI"/>
           </a:p>
@@ -1418,7 +1419,7 @@
           <a:p>
             <a:fld id="{AB466767-0EC2-4146-A188-74EE8EB24694}" type="datetimeFigureOut">
               <a:rPr lang="fi-FI" smtClean="0"/>
-              <a:t>23.9.2022</a:t>
+              <a:t>27.2.2024</a:t>
             </a:fld>
             <a:endParaRPr lang="fi-FI"/>
           </a:p>
@@ -1833,7 +1834,7 @@
           <a:p>
             <a:fld id="{AB466767-0EC2-4146-A188-74EE8EB24694}" type="datetimeFigureOut">
               <a:rPr lang="fi-FI" smtClean="0"/>
-              <a:t>23.9.2022</a:t>
+              <a:t>27.2.2024</a:t>
             </a:fld>
             <a:endParaRPr lang="fi-FI"/>
           </a:p>
@@ -1975,7 +1976,7 @@
           <a:p>
             <a:fld id="{AB466767-0EC2-4146-A188-74EE8EB24694}" type="datetimeFigureOut">
               <a:rPr lang="fi-FI" smtClean="0"/>
-              <a:t>23.9.2022</a:t>
+              <a:t>27.2.2024</a:t>
             </a:fld>
             <a:endParaRPr lang="fi-FI"/>
           </a:p>
@@ -2088,7 +2089,7 @@
           <a:p>
             <a:fld id="{AB466767-0EC2-4146-A188-74EE8EB24694}" type="datetimeFigureOut">
               <a:rPr lang="fi-FI" smtClean="0"/>
-              <a:t>23.9.2022</a:t>
+              <a:t>27.2.2024</a:t>
             </a:fld>
             <a:endParaRPr lang="fi-FI"/>
           </a:p>
@@ -2401,7 +2402,7 @@
           <a:p>
             <a:fld id="{AB466767-0EC2-4146-A188-74EE8EB24694}" type="datetimeFigureOut">
               <a:rPr lang="fi-FI" smtClean="0"/>
-              <a:t>23.9.2022</a:t>
+              <a:t>27.2.2024</a:t>
             </a:fld>
             <a:endParaRPr lang="fi-FI"/>
           </a:p>
@@ -2690,7 +2691,7 @@
           <a:p>
             <a:fld id="{AB466767-0EC2-4146-A188-74EE8EB24694}" type="datetimeFigureOut">
               <a:rPr lang="fi-FI" smtClean="0"/>
-              <a:t>23.9.2022</a:t>
+              <a:t>27.2.2024</a:t>
             </a:fld>
             <a:endParaRPr lang="fi-FI"/>
           </a:p>
@@ -2933,7 +2934,7 @@
           <a:p>
             <a:fld id="{AB466767-0EC2-4146-A188-74EE8EB24694}" type="datetimeFigureOut">
               <a:rPr lang="fi-FI" smtClean="0"/>
-              <a:t>23.9.2022</a:t>
+              <a:t>27.2.2024</a:t>
             </a:fld>
             <a:endParaRPr lang="fi-FI"/>
           </a:p>
@@ -3535,8 +3536,8 @@
         </p:nvSpPr>
         <p:spPr>
           <a:xfrm>
-            <a:off x="10954024" y="6627168"/>
-            <a:ext cx="1293568" cy="230832"/>
+            <a:off x="10575121" y="6627168"/>
+            <a:ext cx="1616879" cy="230832"/>
           </a:xfrm>
           <a:prstGeom prst="rect">
             <a:avLst/>
@@ -3556,7 +3557,7 @@
                   </a:schemeClr>
                 </a:solidFill>
               </a:rPr>
-              <a:t>©2022 Juhani Välimäki</a:t>
+              <a:t>©2022-2024 Juhani Välimäki</a:t>
             </a:r>
             <a:endParaRPr lang="fi-FI" sz="900" dirty="0"/>
           </a:p>
@@ -9203,10 +9204,10 @@
       </p:cxnSp>
       <p:sp>
         <p:nvSpPr>
-          <p:cNvPr id="186" name="Rectangle 185">
-            <a:extLst>
-              <a:ext uri="{FF2B5EF4-FFF2-40B4-BE49-F238E27FC236}">
-                <a16:creationId xmlns:a16="http://schemas.microsoft.com/office/drawing/2014/main" id="{30B16085-921C-4226-A4C8-7DAECDC605CB}"/>
+          <p:cNvPr id="2" name="Rectangle 1">
+            <a:extLst>
+              <a:ext uri="{FF2B5EF4-FFF2-40B4-BE49-F238E27FC236}">
+                <a16:creationId xmlns:a16="http://schemas.microsoft.com/office/drawing/2014/main" id="{074FAAE8-7C93-0EF4-E02E-FDA8BB9D3726}"/>
               </a:ext>
             </a:extLst>
           </p:cNvPr>
@@ -9215,8 +9216,8 @@
         </p:nvSpPr>
         <p:spPr>
           <a:xfrm>
-            <a:off x="10954024" y="6627168"/>
-            <a:ext cx="1293568" cy="230832"/>
+            <a:off x="10575121" y="6627168"/>
+            <a:ext cx="1616879" cy="230832"/>
           </a:xfrm>
           <a:prstGeom prst="rect">
             <a:avLst/>
@@ -9236,7 +9237,7 @@
                   </a:schemeClr>
                 </a:solidFill>
               </a:rPr>
-              <a:t>©2022 Juhani Välimäki</a:t>
+              <a:t>©2022-2024 Juhani Välimäki</a:t>
             </a:r>
             <a:endParaRPr lang="fi-FI" sz="900" dirty="0"/>
           </a:p>
@@ -14575,47 +14576,6 @@
           </a:fontRef>
         </p:style>
       </p:cxnSp>
-      <p:sp>
-        <p:nvSpPr>
-          <p:cNvPr id="186" name="Rectangle 185">
-            <a:extLst>
-              <a:ext uri="{FF2B5EF4-FFF2-40B4-BE49-F238E27FC236}">
-                <a16:creationId xmlns:a16="http://schemas.microsoft.com/office/drawing/2014/main" id="{30B16085-921C-4226-A4C8-7DAECDC605CB}"/>
-              </a:ext>
-            </a:extLst>
-          </p:cNvPr>
-          <p:cNvSpPr/>
-          <p:nvPr/>
-        </p:nvSpPr>
-        <p:spPr>
-          <a:xfrm>
-            <a:off x="10954024" y="6627168"/>
-            <a:ext cx="1293568" cy="230832"/>
-          </a:xfrm>
-          <a:prstGeom prst="rect">
-            <a:avLst/>
-          </a:prstGeom>
-        </p:spPr>
-        <p:txBody>
-          <a:bodyPr wrap="square">
-            <a:spAutoFit/>
-          </a:bodyPr>
-          <a:lstStyle/>
-          <a:p>
-            <a:r>
-              <a:rPr lang="fi-FI" sz="900" dirty="0">
-                <a:solidFill>
-                  <a:schemeClr val="accent1">
-                    <a:lumMod val="75000"/>
-                  </a:schemeClr>
-                </a:solidFill>
-              </a:rPr>
-              <a:t>©2022 Juhani Välimäki</a:t>
-            </a:r>
-            <a:endParaRPr lang="fi-FI" sz="900" dirty="0"/>
-          </a:p>
-        </p:txBody>
-      </p:sp>
       <p:cxnSp>
         <p:nvCxnSpPr>
           <p:cNvPr id="80" name="Straight Arrow Connector 79">
@@ -14860,6 +14820,47 @@
                 <a:srgbClr val="00B050"/>
               </a:solidFill>
             </a:endParaRPr>
+          </a:p>
+        </p:txBody>
+      </p:sp>
+      <p:sp>
+        <p:nvSpPr>
+          <p:cNvPr id="2" name="Rectangle 1">
+            <a:extLst>
+              <a:ext uri="{FF2B5EF4-FFF2-40B4-BE49-F238E27FC236}">
+                <a16:creationId xmlns:a16="http://schemas.microsoft.com/office/drawing/2014/main" id="{57A1D2E9-D1CB-5C9D-5971-EFE8A7A0470D}"/>
+              </a:ext>
+            </a:extLst>
+          </p:cNvPr>
+          <p:cNvSpPr/>
+          <p:nvPr/>
+        </p:nvSpPr>
+        <p:spPr>
+          <a:xfrm>
+            <a:off x="10575121" y="6627168"/>
+            <a:ext cx="1616879" cy="230832"/>
+          </a:xfrm>
+          <a:prstGeom prst="rect">
+            <a:avLst/>
+          </a:prstGeom>
+        </p:spPr>
+        <p:txBody>
+          <a:bodyPr wrap="square">
+            <a:spAutoFit/>
+          </a:bodyPr>
+          <a:lstStyle/>
+          <a:p>
+            <a:r>
+              <a:rPr lang="fi-FI" sz="900" dirty="0">
+                <a:solidFill>
+                  <a:schemeClr val="accent1">
+                    <a:lumMod val="75000"/>
+                  </a:schemeClr>
+                </a:solidFill>
+              </a:rPr>
+              <a:t>©2022-2024 Juhani Välimäki</a:t>
+            </a:r>
+            <a:endParaRPr lang="fi-FI" sz="900" dirty="0"/>
           </a:p>
         </p:txBody>
       </p:sp>
@@ -14893,6 +14894,5314 @@
           <a:chExt cx="0" cy="0"/>
         </a:xfrm>
       </p:grpSpPr>
+      <p:pic>
+        <p:nvPicPr>
+          <p:cNvPr id="5" name="Graphic 4" descr="Office worker">
+            <a:extLst>
+              <a:ext uri="{FF2B5EF4-FFF2-40B4-BE49-F238E27FC236}">
+                <a16:creationId xmlns:a16="http://schemas.microsoft.com/office/drawing/2014/main" id="{34A66367-FDF3-4470-BA98-30A472CD26F2}"/>
+              </a:ext>
+            </a:extLst>
+          </p:cNvPr>
+          <p:cNvPicPr>
+            <a:picLocks noChangeAspect="1"/>
+          </p:cNvPicPr>
+          <p:nvPr/>
+        </p:nvPicPr>
+        <p:blipFill>
+          <a:blip r:embed="rId2">
+            <a:extLst>
+              <a:ext uri="{28A0092B-C50C-407E-A947-70E740481C1C}">
+                <a14:useLocalDpi xmlns:a14="http://schemas.microsoft.com/office/drawing/2010/main" val="0"/>
+              </a:ext>
+              <a:ext uri="{96DAC541-7B7A-43D3-8B79-37D633B846F1}">
+                <asvg:svgBlip xmlns:asvg="http://schemas.microsoft.com/office/drawing/2016/SVG/main" r:embed="rId3"/>
+              </a:ext>
+            </a:extLst>
+          </a:blip>
+          <a:stretch>
+            <a:fillRect/>
+          </a:stretch>
+        </p:blipFill>
+        <p:spPr>
+          <a:xfrm>
+            <a:off x="443389" y="1836532"/>
+            <a:ext cx="538468" cy="538468"/>
+          </a:xfrm>
+          <a:prstGeom prst="rect">
+            <a:avLst/>
+          </a:prstGeom>
+        </p:spPr>
+      </p:pic>
+      <p:pic>
+        <p:nvPicPr>
+          <p:cNvPr id="7" name="Graphic 6" descr="Construction worker">
+            <a:extLst>
+              <a:ext uri="{FF2B5EF4-FFF2-40B4-BE49-F238E27FC236}">
+                <a16:creationId xmlns:a16="http://schemas.microsoft.com/office/drawing/2014/main" id="{3045F39E-F82F-484F-BF5A-71DB112852A0}"/>
+              </a:ext>
+            </a:extLst>
+          </p:cNvPr>
+          <p:cNvPicPr>
+            <a:picLocks noChangeAspect="1"/>
+          </p:cNvPicPr>
+          <p:nvPr/>
+        </p:nvPicPr>
+        <p:blipFill>
+          <a:blip r:embed="rId4">
+            <a:extLst>
+              <a:ext uri="{28A0092B-C50C-407E-A947-70E740481C1C}">
+                <a14:useLocalDpi xmlns:a14="http://schemas.microsoft.com/office/drawing/2010/main" val="0"/>
+              </a:ext>
+              <a:ext uri="{96DAC541-7B7A-43D3-8B79-37D633B846F1}">
+                <asvg:svgBlip xmlns:asvg="http://schemas.microsoft.com/office/drawing/2016/SVG/main" r:embed="rId5"/>
+              </a:ext>
+            </a:extLst>
+          </a:blip>
+          <a:stretch>
+            <a:fillRect/>
+          </a:stretch>
+        </p:blipFill>
+        <p:spPr>
+          <a:xfrm>
+            <a:off x="463737" y="4076419"/>
+            <a:ext cx="497591" cy="497591"/>
+          </a:xfrm>
+          <a:prstGeom prst="rect">
+            <a:avLst/>
+          </a:prstGeom>
+        </p:spPr>
+      </p:pic>
+      <p:sp>
+        <p:nvSpPr>
+          <p:cNvPr id="12" name="Rectangle 11">
+            <a:extLst>
+              <a:ext uri="{FF2B5EF4-FFF2-40B4-BE49-F238E27FC236}">
+                <a16:creationId xmlns:a16="http://schemas.microsoft.com/office/drawing/2014/main" id="{4D0C7279-90F8-422E-A0A7-D43CBC5A468D}"/>
+              </a:ext>
+            </a:extLst>
+          </p:cNvPr>
+          <p:cNvSpPr/>
+          <p:nvPr/>
+        </p:nvSpPr>
+        <p:spPr>
+          <a:xfrm>
+            <a:off x="1908414" y="1721158"/>
+            <a:ext cx="2138930" cy="3221849"/>
+          </a:xfrm>
+          <a:prstGeom prst="rect">
+            <a:avLst/>
+          </a:prstGeom>
+          <a:noFill/>
+        </p:spPr>
+        <p:style>
+          <a:lnRef idx="2">
+            <a:schemeClr val="accent1">
+              <a:shade val="50000"/>
+            </a:schemeClr>
+          </a:lnRef>
+          <a:fillRef idx="1">
+            <a:schemeClr val="accent1"/>
+          </a:fillRef>
+          <a:effectRef idx="0">
+            <a:schemeClr val="accent1"/>
+          </a:effectRef>
+          <a:fontRef idx="minor">
+            <a:schemeClr val="lt1"/>
+          </a:fontRef>
+        </p:style>
+        <p:txBody>
+          <a:bodyPr rtlCol="0" anchor="t" anchorCtr="0"/>
+          <a:lstStyle/>
+          <a:p>
+            <a:pPr algn="ctr"/>
+            <a:r>
+              <a:rPr lang="fi-FI" dirty="0" err="1">
+                <a:solidFill>
+                  <a:schemeClr val="accent1">
+                    <a:lumMod val="75000"/>
+                  </a:schemeClr>
+                </a:solidFill>
+              </a:rPr>
+              <a:t>Frontend</a:t>
+            </a:r>
+            <a:endParaRPr lang="fi-FI" dirty="0">
+              <a:solidFill>
+                <a:schemeClr val="accent1">
+                  <a:lumMod val="75000"/>
+                </a:schemeClr>
+              </a:solidFill>
+            </a:endParaRPr>
+          </a:p>
+        </p:txBody>
+      </p:sp>
+      <p:sp>
+        <p:nvSpPr>
+          <p:cNvPr id="13" name="Rectangle 12">
+            <a:extLst>
+              <a:ext uri="{FF2B5EF4-FFF2-40B4-BE49-F238E27FC236}">
+                <a16:creationId xmlns:a16="http://schemas.microsoft.com/office/drawing/2014/main" id="{488890CF-99DE-4B43-8F34-5F9852C05A53}"/>
+              </a:ext>
+            </a:extLst>
+          </p:cNvPr>
+          <p:cNvSpPr/>
+          <p:nvPr/>
+        </p:nvSpPr>
+        <p:spPr>
+          <a:xfrm>
+            <a:off x="5009213" y="1698673"/>
+            <a:ext cx="2079885" cy="3244334"/>
+          </a:xfrm>
+          <a:prstGeom prst="rect">
+            <a:avLst/>
+          </a:prstGeom>
+          <a:noFill/>
+        </p:spPr>
+        <p:style>
+          <a:lnRef idx="2">
+            <a:schemeClr val="accent1">
+              <a:shade val="50000"/>
+            </a:schemeClr>
+          </a:lnRef>
+          <a:fillRef idx="1">
+            <a:schemeClr val="accent1"/>
+          </a:fillRef>
+          <a:effectRef idx="0">
+            <a:schemeClr val="accent1"/>
+          </a:effectRef>
+          <a:fontRef idx="minor">
+            <a:schemeClr val="lt1"/>
+          </a:fontRef>
+        </p:style>
+        <p:txBody>
+          <a:bodyPr rtlCol="0" anchor="t" anchorCtr="0"/>
+          <a:lstStyle/>
+          <a:p>
+            <a:pPr algn="ctr"/>
+            <a:r>
+              <a:rPr lang="fi-FI" dirty="0" err="1">
+                <a:solidFill>
+                  <a:schemeClr val="accent1">
+                    <a:lumMod val="75000"/>
+                  </a:schemeClr>
+                </a:solidFill>
+              </a:rPr>
+              <a:t>Backend</a:t>
+            </a:r>
+            <a:endParaRPr lang="fi-FI" dirty="0">
+              <a:solidFill>
+                <a:schemeClr val="accent1">
+                  <a:lumMod val="75000"/>
+                </a:schemeClr>
+              </a:solidFill>
+            </a:endParaRPr>
+          </a:p>
+        </p:txBody>
+      </p:sp>
+      <p:sp>
+        <p:nvSpPr>
+          <p:cNvPr id="14" name="Rectangle 13">
+            <a:extLst>
+              <a:ext uri="{FF2B5EF4-FFF2-40B4-BE49-F238E27FC236}">
+                <a16:creationId xmlns:a16="http://schemas.microsoft.com/office/drawing/2014/main" id="{B8E9F8C4-83E1-4665-A2F9-4C3166075382}"/>
+              </a:ext>
+            </a:extLst>
+          </p:cNvPr>
+          <p:cNvSpPr/>
+          <p:nvPr/>
+        </p:nvSpPr>
+        <p:spPr>
+          <a:xfrm>
+            <a:off x="8113427" y="1343143"/>
+            <a:ext cx="3728804" cy="4626689"/>
+          </a:xfrm>
+          <a:prstGeom prst="rect">
+            <a:avLst/>
+          </a:prstGeom>
+          <a:noFill/>
+        </p:spPr>
+        <p:style>
+          <a:lnRef idx="2">
+            <a:schemeClr val="accent1">
+              <a:shade val="50000"/>
+            </a:schemeClr>
+          </a:lnRef>
+          <a:fillRef idx="1">
+            <a:schemeClr val="accent1"/>
+          </a:fillRef>
+          <a:effectRef idx="0">
+            <a:schemeClr val="accent1"/>
+          </a:effectRef>
+          <a:fontRef idx="minor">
+            <a:schemeClr val="lt1"/>
+          </a:fontRef>
+        </p:style>
+        <p:txBody>
+          <a:bodyPr rtlCol="0" anchor="t" anchorCtr="0"/>
+          <a:lstStyle/>
+          <a:p>
+            <a:pPr algn="ctr"/>
+            <a:r>
+              <a:rPr lang="fi-FI" dirty="0" err="1">
+                <a:solidFill>
+                  <a:schemeClr val="accent1">
+                    <a:lumMod val="75000"/>
+                  </a:schemeClr>
+                </a:solidFill>
+              </a:rPr>
+              <a:t>Database</a:t>
+            </a:r>
+            <a:r>
+              <a:rPr lang="fi-FI" dirty="0">
+                <a:solidFill>
+                  <a:schemeClr val="accent1">
+                    <a:lumMod val="75000"/>
+                  </a:schemeClr>
+                </a:solidFill>
+              </a:rPr>
+              <a:t> </a:t>
+            </a:r>
+            <a:r>
+              <a:rPr lang="fi-FI" dirty="0" err="1">
+                <a:solidFill>
+                  <a:schemeClr val="accent1">
+                    <a:lumMod val="75000"/>
+                  </a:schemeClr>
+                </a:solidFill>
+              </a:rPr>
+              <a:t>server</a:t>
+            </a:r>
+            <a:r>
+              <a:rPr lang="fi-FI" dirty="0">
+                <a:solidFill>
+                  <a:schemeClr val="accent1">
+                    <a:lumMod val="75000"/>
+                  </a:schemeClr>
+                </a:solidFill>
+              </a:rPr>
+              <a:t> and </a:t>
+            </a:r>
+            <a:r>
+              <a:rPr lang="fi-FI" dirty="0" err="1">
+                <a:solidFill>
+                  <a:schemeClr val="accent1">
+                    <a:lumMod val="75000"/>
+                  </a:schemeClr>
+                </a:solidFill>
+              </a:rPr>
+              <a:t>database</a:t>
+            </a:r>
+            <a:endParaRPr lang="fi-FI" dirty="0">
+              <a:solidFill>
+                <a:schemeClr val="accent1">
+                  <a:lumMod val="75000"/>
+                </a:schemeClr>
+              </a:solidFill>
+            </a:endParaRPr>
+          </a:p>
+        </p:txBody>
+      </p:sp>
+      <p:sp>
+        <p:nvSpPr>
+          <p:cNvPr id="15" name="Rectangle 14">
+            <a:extLst>
+              <a:ext uri="{FF2B5EF4-FFF2-40B4-BE49-F238E27FC236}">
+                <a16:creationId xmlns:a16="http://schemas.microsoft.com/office/drawing/2014/main" id="{24F9D098-615A-4E3F-BF71-10982A99A38A}"/>
+              </a:ext>
+            </a:extLst>
+          </p:cNvPr>
+          <p:cNvSpPr/>
+          <p:nvPr/>
+        </p:nvSpPr>
+        <p:spPr>
+          <a:xfrm>
+            <a:off x="257937" y="2272128"/>
+            <a:ext cx="1556188" cy="1200329"/>
+          </a:xfrm>
+          <a:prstGeom prst="rect">
+            <a:avLst/>
+          </a:prstGeom>
+        </p:spPr>
+        <p:txBody>
+          <a:bodyPr wrap="square">
+            <a:spAutoFit/>
+          </a:bodyPr>
+          <a:lstStyle/>
+          <a:p>
+            <a:r>
+              <a:rPr lang="fi-FI" dirty="0" err="1">
+                <a:solidFill>
+                  <a:schemeClr val="accent1">
+                    <a:lumMod val="75000"/>
+                  </a:schemeClr>
+                </a:solidFill>
+              </a:rPr>
+              <a:t>mikkok</a:t>
+            </a:r>
+            <a:br>
+              <a:rPr lang="fi-FI" dirty="0">
+                <a:solidFill>
+                  <a:schemeClr val="accent1">
+                    <a:lumMod val="75000"/>
+                  </a:schemeClr>
+                </a:solidFill>
+              </a:rPr>
+            </a:br>
+            <a:r>
+              <a:rPr lang="fi-FI" dirty="0">
+                <a:solidFill>
+                  <a:schemeClr val="accent1">
+                    <a:lumMod val="75000"/>
+                  </a:schemeClr>
+                </a:solidFill>
+              </a:rPr>
+              <a:t>(</a:t>
+            </a:r>
+            <a:r>
+              <a:rPr lang="fi-FI" dirty="0" err="1">
+                <a:solidFill>
+                  <a:schemeClr val="accent1">
+                    <a:lumMod val="75000"/>
+                  </a:schemeClr>
+                </a:solidFill>
+              </a:rPr>
+              <a:t>roles</a:t>
+            </a:r>
+            <a:r>
+              <a:rPr lang="fi-FI" dirty="0">
+                <a:solidFill>
+                  <a:schemeClr val="accent1">
+                    <a:lumMod val="75000"/>
+                  </a:schemeClr>
+                </a:solidFill>
+              </a:rPr>
+              <a:t>: </a:t>
+            </a:r>
+            <a:r>
+              <a:rPr lang="fi-FI" dirty="0" err="1">
+                <a:solidFill>
+                  <a:schemeClr val="accent1">
+                    <a:lumMod val="75000"/>
+                  </a:schemeClr>
+                </a:solidFill>
+              </a:rPr>
+              <a:t>admin</a:t>
+            </a:r>
+            <a:r>
+              <a:rPr lang="fi-FI" dirty="0">
+                <a:solidFill>
+                  <a:schemeClr val="accent1">
+                    <a:lumMod val="75000"/>
+                  </a:schemeClr>
+                </a:solidFill>
+              </a:rPr>
+              <a:t>, </a:t>
+            </a:r>
+          </a:p>
+          <a:p>
+            <a:r>
+              <a:rPr lang="fi-FI" dirty="0" err="1">
+                <a:solidFill>
+                  <a:schemeClr val="accent1">
+                    <a:lumMod val="75000"/>
+                  </a:schemeClr>
+                </a:solidFill>
+              </a:rPr>
+              <a:t>planner</a:t>
+            </a:r>
+            <a:r>
+              <a:rPr lang="fi-FI" dirty="0">
+                <a:solidFill>
+                  <a:schemeClr val="accent1">
+                    <a:lumMod val="75000"/>
+                  </a:schemeClr>
+                </a:solidFill>
+              </a:rPr>
+              <a:t>)</a:t>
+            </a:r>
+          </a:p>
+          <a:p>
+            <a:endParaRPr lang="fi-FI" dirty="0"/>
+          </a:p>
+        </p:txBody>
+      </p:sp>
+      <p:sp>
+        <p:nvSpPr>
+          <p:cNvPr id="16" name="Rectangle 15">
+            <a:extLst>
+              <a:ext uri="{FF2B5EF4-FFF2-40B4-BE49-F238E27FC236}">
+                <a16:creationId xmlns:a16="http://schemas.microsoft.com/office/drawing/2014/main" id="{487FC911-9C4A-4EF6-A7F8-FF310B885BEF}"/>
+              </a:ext>
+            </a:extLst>
+          </p:cNvPr>
+          <p:cNvSpPr/>
+          <p:nvPr/>
+        </p:nvSpPr>
+        <p:spPr>
+          <a:xfrm>
+            <a:off x="250127" y="4487371"/>
+            <a:ext cx="1556188" cy="923330"/>
+          </a:xfrm>
+          <a:prstGeom prst="rect">
+            <a:avLst/>
+          </a:prstGeom>
+        </p:spPr>
+        <p:txBody>
+          <a:bodyPr wrap="square">
+            <a:spAutoFit/>
+          </a:bodyPr>
+          <a:lstStyle/>
+          <a:p>
+            <a:r>
+              <a:rPr lang="fi-FI" dirty="0">
+                <a:solidFill>
+                  <a:schemeClr val="accent1">
+                    <a:lumMod val="75000"/>
+                  </a:schemeClr>
+                </a:solidFill>
+              </a:rPr>
+              <a:t>matti86</a:t>
+            </a:r>
+            <a:br>
+              <a:rPr lang="fi-FI" dirty="0">
+                <a:solidFill>
+                  <a:schemeClr val="accent1">
+                    <a:lumMod val="75000"/>
+                  </a:schemeClr>
+                </a:solidFill>
+              </a:rPr>
+            </a:br>
+            <a:r>
+              <a:rPr lang="fi-FI" dirty="0">
+                <a:solidFill>
+                  <a:schemeClr val="accent1">
+                    <a:lumMod val="75000"/>
+                  </a:schemeClr>
+                </a:solidFill>
+              </a:rPr>
+              <a:t>(</a:t>
+            </a:r>
+            <a:r>
+              <a:rPr lang="fi-FI" dirty="0" err="1">
+                <a:solidFill>
+                  <a:schemeClr val="accent1">
+                    <a:lumMod val="75000"/>
+                  </a:schemeClr>
+                </a:solidFill>
+              </a:rPr>
+              <a:t>roles</a:t>
+            </a:r>
+            <a:r>
+              <a:rPr lang="fi-FI" dirty="0">
+                <a:solidFill>
+                  <a:schemeClr val="accent1">
+                    <a:lumMod val="75000"/>
+                  </a:schemeClr>
+                </a:solidFill>
+              </a:rPr>
+              <a:t>: </a:t>
+            </a:r>
+            <a:r>
+              <a:rPr lang="fi-FI" dirty="0" err="1">
+                <a:solidFill>
+                  <a:schemeClr val="accent1">
+                    <a:lumMod val="75000"/>
+                  </a:schemeClr>
+                </a:solidFill>
+              </a:rPr>
+              <a:t>planner</a:t>
+            </a:r>
+            <a:r>
+              <a:rPr lang="fi-FI" dirty="0">
+                <a:solidFill>
+                  <a:schemeClr val="accent1">
+                    <a:lumMod val="75000"/>
+                  </a:schemeClr>
+                </a:solidFill>
+              </a:rPr>
+              <a:t>)</a:t>
+            </a:r>
+          </a:p>
+        </p:txBody>
+      </p:sp>
+      <p:sp>
+        <p:nvSpPr>
+          <p:cNvPr id="18" name="Rectangle 17">
+            <a:extLst>
+              <a:ext uri="{FF2B5EF4-FFF2-40B4-BE49-F238E27FC236}">
+                <a16:creationId xmlns:a16="http://schemas.microsoft.com/office/drawing/2014/main" id="{C2D13E2B-6C97-42CE-A424-49D9812CC998}"/>
+              </a:ext>
+            </a:extLst>
+          </p:cNvPr>
+          <p:cNvSpPr/>
+          <p:nvPr/>
+        </p:nvSpPr>
+        <p:spPr>
+          <a:xfrm>
+            <a:off x="792958" y="439035"/>
+            <a:ext cx="2601546" cy="369332"/>
+          </a:xfrm>
+          <a:prstGeom prst="rect">
+            <a:avLst/>
+          </a:prstGeom>
+        </p:spPr>
+        <p:txBody>
+          <a:bodyPr wrap="none">
+            <a:spAutoFit/>
+          </a:bodyPr>
+          <a:lstStyle/>
+          <a:p>
+            <a:pPr algn="ctr"/>
+            <a:r>
+              <a:rPr lang="fi-FI" dirty="0">
+                <a:solidFill>
+                  <a:schemeClr val="accent1">
+                    <a:lumMod val="75000"/>
+                  </a:schemeClr>
+                </a:solidFill>
+              </a:rPr>
+              <a:t>One </a:t>
+            </a:r>
+            <a:r>
+              <a:rPr lang="fi-FI" dirty="0" err="1">
+                <a:solidFill>
+                  <a:schemeClr val="accent1">
+                    <a:lumMod val="75000"/>
+                  </a:schemeClr>
+                </a:solidFill>
+              </a:rPr>
+              <a:t>example</a:t>
+            </a:r>
+            <a:r>
+              <a:rPr lang="fi-FI" dirty="0">
+                <a:solidFill>
+                  <a:schemeClr val="accent1">
+                    <a:lumMod val="75000"/>
+                  </a:schemeClr>
+                </a:solidFill>
+              </a:rPr>
+              <a:t> </a:t>
+            </a:r>
+            <a:r>
+              <a:rPr lang="fi-FI" dirty="0" err="1">
+                <a:solidFill>
+                  <a:schemeClr val="accent1">
+                    <a:lumMod val="75000"/>
+                  </a:schemeClr>
+                </a:solidFill>
+              </a:rPr>
+              <a:t>project</a:t>
+            </a:r>
+            <a:r>
+              <a:rPr lang="fi-FI" dirty="0">
+                <a:solidFill>
+                  <a:schemeClr val="accent1">
+                    <a:lumMod val="75000"/>
+                  </a:schemeClr>
+                </a:solidFill>
+              </a:rPr>
+              <a:t> case</a:t>
+            </a:r>
+          </a:p>
+        </p:txBody>
+      </p:sp>
+      <p:graphicFrame>
+        <p:nvGraphicFramePr>
+          <p:cNvPr id="19" name="Table 18">
+            <a:extLst>
+              <a:ext uri="{FF2B5EF4-FFF2-40B4-BE49-F238E27FC236}">
+                <a16:creationId xmlns:a16="http://schemas.microsoft.com/office/drawing/2014/main" id="{656B9878-3206-4906-877C-3232E6776CFF}"/>
+              </a:ext>
+            </a:extLst>
+          </p:cNvPr>
+          <p:cNvGraphicFramePr>
+            <a:graphicFrameLocks noGrp="1"/>
+          </p:cNvGraphicFramePr>
+          <p:nvPr>
+            <p:extLst>
+              <p:ext uri="{D42A27DB-BD31-4B8C-83A1-F6EECF244321}">
+                <p14:modId xmlns:p14="http://schemas.microsoft.com/office/powerpoint/2010/main" val="583248830"/>
+              </p:ext>
+            </p:extLst>
+          </p:nvPr>
+        </p:nvGraphicFramePr>
+        <p:xfrm>
+          <a:off x="5662533" y="65120"/>
+          <a:ext cx="5094422" cy="640080"/>
+        </p:xfrm>
+        <a:graphic>
+          <a:graphicData uri="http://schemas.openxmlformats.org/drawingml/2006/table">
+            <a:tbl>
+              <a:tblPr firstRow="1" bandRow="1">
+                <a:tableStyleId>{5940675A-B579-460E-94D1-54222C63F5DA}</a:tableStyleId>
+              </a:tblPr>
+              <a:tblGrid>
+                <a:gridCol w="589235">
+                  <a:extLst>
+                    <a:ext uri="{9D8B030D-6E8A-4147-A177-3AD203B41FA5}">
+                      <a16:colId xmlns:a16="http://schemas.microsoft.com/office/drawing/2014/main" val="2390664011"/>
+                    </a:ext>
+                  </a:extLst>
+                </a:gridCol>
+                <a:gridCol w="1080263">
+                  <a:extLst>
+                    <a:ext uri="{9D8B030D-6E8A-4147-A177-3AD203B41FA5}">
+                      <a16:colId xmlns:a16="http://schemas.microsoft.com/office/drawing/2014/main" val="2860169357"/>
+                    </a:ext>
+                  </a:extLst>
+                </a:gridCol>
+                <a:gridCol w="575763">
+                  <a:extLst>
+                    <a:ext uri="{9D8B030D-6E8A-4147-A177-3AD203B41FA5}">
+                      <a16:colId xmlns:a16="http://schemas.microsoft.com/office/drawing/2014/main" val="3382898931"/>
+                    </a:ext>
+                  </a:extLst>
+                </a:gridCol>
+                <a:gridCol w="710328">
+                  <a:extLst>
+                    <a:ext uri="{9D8B030D-6E8A-4147-A177-3AD203B41FA5}">
+                      <a16:colId xmlns:a16="http://schemas.microsoft.com/office/drawing/2014/main" val="486045570"/>
+                    </a:ext>
+                  </a:extLst>
+                </a:gridCol>
+                <a:gridCol w="2138833">
+                  <a:extLst>
+                    <a:ext uri="{9D8B030D-6E8A-4147-A177-3AD203B41FA5}">
+                      <a16:colId xmlns:a16="http://schemas.microsoft.com/office/drawing/2014/main" val="4235470484"/>
+                    </a:ext>
+                  </a:extLst>
+                </a:gridCol>
+              </a:tblGrid>
+              <a:tr h="126579">
+                <a:tc>
+                  <a:txBody>
+                    <a:bodyPr/>
+                    <a:lstStyle/>
+                    <a:p>
+                      <a:r>
+                        <a:rPr lang="fi-FI" sz="800" b="1" dirty="0" err="1"/>
+                        <a:t>user</a:t>
+                      </a:r>
+                      <a:endParaRPr lang="fi-FI" sz="800" b="1" dirty="0"/>
+                    </a:p>
+                  </a:txBody>
+                  <a:tcPr/>
+                </a:tc>
+                <a:tc>
+                  <a:txBody>
+                    <a:bodyPr/>
+                    <a:lstStyle/>
+                    <a:p>
+                      <a:r>
+                        <a:rPr lang="fi-FI" sz="800" b="1" dirty="0" err="1"/>
+                        <a:t>email</a:t>
+                      </a:r>
+                      <a:r>
+                        <a:rPr lang="fi-FI" sz="800" b="1" dirty="0"/>
+                        <a:t> </a:t>
+                      </a:r>
+                    </a:p>
+                  </a:txBody>
+                  <a:tcPr/>
+                </a:tc>
+                <a:tc>
+                  <a:txBody>
+                    <a:bodyPr/>
+                    <a:lstStyle/>
+                    <a:p>
+                      <a:r>
+                        <a:rPr lang="fi-FI" sz="800" b="1" dirty="0" err="1"/>
+                        <a:t>isAdmin</a:t>
+                      </a:r>
+                      <a:endParaRPr lang="fi-FI" sz="800" b="1" dirty="0"/>
+                    </a:p>
+                  </a:txBody>
+                  <a:tcPr/>
+                </a:tc>
+                <a:tc>
+                  <a:txBody>
+                    <a:bodyPr/>
+                    <a:lstStyle/>
+                    <a:p>
+                      <a:r>
+                        <a:rPr lang="fi-FI" sz="800" b="1" dirty="0" err="1"/>
+                        <a:t>isPlanner</a:t>
+                      </a:r>
+                      <a:endParaRPr lang="fi-FI" sz="800" b="1" dirty="0"/>
+                    </a:p>
+                  </a:txBody>
+                  <a:tcPr/>
+                </a:tc>
+                <a:tc>
+                  <a:txBody>
+                    <a:bodyPr/>
+                    <a:lstStyle/>
+                    <a:p>
+                      <a:r>
+                        <a:rPr lang="fi-FI" sz="800" b="1" dirty="0" err="1"/>
+                        <a:t>password</a:t>
+                      </a:r>
+                      <a:r>
+                        <a:rPr lang="fi-FI" sz="800" b="1" u="sng" dirty="0" err="1"/>
+                        <a:t>Hash</a:t>
+                      </a:r>
+                      <a:r>
+                        <a:rPr lang="fi-FI" sz="800" b="0" u="none" dirty="0"/>
+                        <a:t> (</a:t>
+                      </a:r>
+                      <a:r>
+                        <a:rPr lang="fi-FI" sz="800" b="0" u="none" dirty="0" err="1"/>
+                        <a:t>passwords</a:t>
+                      </a:r>
+                      <a:r>
+                        <a:rPr lang="fi-FI" sz="800" b="0" u="none" dirty="0"/>
+                        <a:t> </a:t>
+                      </a:r>
+                      <a:r>
+                        <a:rPr lang="fi-FI" sz="800" b="0" u="sng" dirty="0" err="1"/>
+                        <a:t>never</a:t>
+                      </a:r>
+                      <a:r>
+                        <a:rPr lang="fi-FI" sz="800" b="0" u="none" dirty="0"/>
+                        <a:t> </a:t>
+                      </a:r>
+                      <a:r>
+                        <a:rPr lang="fi-FI" sz="800" b="0" u="none" dirty="0" err="1"/>
+                        <a:t>stored</a:t>
+                      </a:r>
+                      <a:r>
+                        <a:rPr lang="fi-FI" sz="800" b="0" u="none" dirty="0"/>
+                        <a:t>)</a:t>
+                      </a:r>
+                    </a:p>
+                  </a:txBody>
+                  <a:tcPr/>
+                </a:tc>
+                <a:extLst>
+                  <a:ext uri="{0D108BD9-81ED-4DB2-BD59-A6C34878D82A}">
+                    <a16:rowId xmlns:a16="http://schemas.microsoft.com/office/drawing/2014/main" val="193527178"/>
+                  </a:ext>
+                </a:extLst>
+              </a:tr>
+              <a:tr h="198910">
+                <a:tc>
+                  <a:txBody>
+                    <a:bodyPr/>
+                    <a:lstStyle/>
+                    <a:p>
+                      <a:r>
+                        <a:rPr lang="fi-FI" sz="800" dirty="0" err="1"/>
+                        <a:t>mikkok</a:t>
+                      </a:r>
+                      <a:endParaRPr lang="fi-FI" sz="800" dirty="0"/>
+                    </a:p>
+                  </a:txBody>
+                  <a:tcPr/>
+                </a:tc>
+                <a:tc>
+                  <a:txBody>
+                    <a:bodyPr/>
+                    <a:lstStyle/>
+                    <a:p>
+                      <a:r>
+                        <a:rPr lang="fi-FI" sz="800" dirty="0"/>
+                        <a:t>mikko.käki@abb.fi</a:t>
+                      </a:r>
+                    </a:p>
+                  </a:txBody>
+                  <a:tcPr/>
+                </a:tc>
+                <a:tc>
+                  <a:txBody>
+                    <a:bodyPr/>
+                    <a:lstStyle/>
+                    <a:p>
+                      <a:r>
+                        <a:rPr lang="fi-FI" sz="800" dirty="0"/>
+                        <a:t>1</a:t>
+                      </a:r>
+                    </a:p>
+                  </a:txBody>
+                  <a:tcPr/>
+                </a:tc>
+                <a:tc>
+                  <a:txBody>
+                    <a:bodyPr/>
+                    <a:lstStyle/>
+                    <a:p>
+                      <a:r>
+                        <a:rPr lang="fi-FI" sz="800" dirty="0"/>
+                        <a:t>1</a:t>
+                      </a:r>
+                    </a:p>
+                  </a:txBody>
+                  <a:tcPr/>
+                </a:tc>
+                <a:tc>
+                  <a:txBody>
+                    <a:bodyPr/>
+                    <a:lstStyle/>
+                    <a:p>
+                      <a:r>
+                        <a:rPr lang="fi-FI" sz="800" dirty="0"/>
+                        <a:t>DSA2SDFIK3SFS4ADFLA93SDFL…</a:t>
+                      </a:r>
+                    </a:p>
+                  </a:txBody>
+                  <a:tcPr/>
+                </a:tc>
+                <a:extLst>
+                  <a:ext uri="{0D108BD9-81ED-4DB2-BD59-A6C34878D82A}">
+                    <a16:rowId xmlns:a16="http://schemas.microsoft.com/office/drawing/2014/main" val="3408023490"/>
+                  </a:ext>
+                </a:extLst>
+              </a:tr>
+              <a:tr h="198910">
+                <a:tc>
+                  <a:txBody>
+                    <a:bodyPr/>
+                    <a:lstStyle/>
+                    <a:p>
+                      <a:r>
+                        <a:rPr lang="fi-FI" sz="800" dirty="0"/>
+                        <a:t>matti86</a:t>
+                      </a:r>
+                    </a:p>
+                  </a:txBody>
+                  <a:tcPr/>
+                </a:tc>
+                <a:tc>
+                  <a:txBody>
+                    <a:bodyPr/>
+                    <a:lstStyle/>
+                    <a:p>
+                      <a:r>
+                        <a:rPr lang="fi-FI" sz="800" dirty="0"/>
+                        <a:t>masa@jopo.fi</a:t>
+                      </a:r>
+                    </a:p>
+                  </a:txBody>
+                  <a:tcPr/>
+                </a:tc>
+                <a:tc>
+                  <a:txBody>
+                    <a:bodyPr/>
+                    <a:lstStyle/>
+                    <a:p>
+                      <a:r>
+                        <a:rPr lang="fi-FI" sz="800" dirty="0"/>
+                        <a:t>0</a:t>
+                      </a:r>
+                    </a:p>
+                  </a:txBody>
+                  <a:tcPr/>
+                </a:tc>
+                <a:tc>
+                  <a:txBody>
+                    <a:bodyPr/>
+                    <a:lstStyle/>
+                    <a:p>
+                      <a:r>
+                        <a:rPr lang="fi-FI" sz="800" dirty="0"/>
+                        <a:t>1</a:t>
+                      </a:r>
+                    </a:p>
+                  </a:txBody>
+                  <a:tcPr/>
+                </a:tc>
+                <a:tc>
+                  <a:txBody>
+                    <a:bodyPr/>
+                    <a:lstStyle/>
+                    <a:p>
+                      <a:r>
+                        <a:rPr lang="fi-FI" sz="800" dirty="0"/>
+                        <a:t>UAPOD1WJF02AWELADFJ2AW…</a:t>
+                      </a:r>
+                    </a:p>
+                  </a:txBody>
+                  <a:tcPr/>
+                </a:tc>
+                <a:extLst>
+                  <a:ext uri="{0D108BD9-81ED-4DB2-BD59-A6C34878D82A}">
+                    <a16:rowId xmlns:a16="http://schemas.microsoft.com/office/drawing/2014/main" val="877780958"/>
+                  </a:ext>
+                </a:extLst>
+              </a:tr>
+            </a:tbl>
+          </a:graphicData>
+        </a:graphic>
+      </p:graphicFrame>
+      <p:cxnSp>
+        <p:nvCxnSpPr>
+          <p:cNvPr id="21" name="Straight Connector 20">
+            <a:extLst>
+              <a:ext uri="{FF2B5EF4-FFF2-40B4-BE49-F238E27FC236}">
+                <a16:creationId xmlns:a16="http://schemas.microsoft.com/office/drawing/2014/main" id="{8E859667-F702-4909-81E6-96FD6704D55A}"/>
+              </a:ext>
+            </a:extLst>
+          </p:cNvPr>
+          <p:cNvCxnSpPr>
+            <a:cxnSpLocks/>
+            <a:stCxn id="19" idx="2"/>
+            <a:endCxn id="170" idx="0"/>
+          </p:cNvCxnSpPr>
+          <p:nvPr/>
+        </p:nvCxnSpPr>
+        <p:spPr>
+          <a:xfrm>
+            <a:off x="8209744" y="705200"/>
+            <a:ext cx="2393432" cy="2220044"/>
+          </a:xfrm>
+          <a:prstGeom prst="line">
+            <a:avLst/>
+          </a:prstGeom>
+          <a:ln w="12700">
+            <a:solidFill>
+              <a:schemeClr val="tx1"/>
+            </a:solidFill>
+          </a:ln>
+        </p:spPr>
+        <p:style>
+          <a:lnRef idx="1">
+            <a:schemeClr val="accent1"/>
+          </a:lnRef>
+          <a:fillRef idx="0">
+            <a:schemeClr val="accent1"/>
+          </a:fillRef>
+          <a:effectRef idx="0">
+            <a:schemeClr val="accent1"/>
+          </a:effectRef>
+          <a:fontRef idx="minor">
+            <a:schemeClr val="tx1"/>
+          </a:fontRef>
+        </p:style>
+      </p:cxnSp>
+      <p:sp>
+        <p:nvSpPr>
+          <p:cNvPr id="22" name="Rectangle 21">
+            <a:extLst>
+              <a:ext uri="{FF2B5EF4-FFF2-40B4-BE49-F238E27FC236}">
+                <a16:creationId xmlns:a16="http://schemas.microsoft.com/office/drawing/2014/main" id="{1FAF1789-8FF9-486C-BD29-0B3A0FD11F56}"/>
+              </a:ext>
+            </a:extLst>
+          </p:cNvPr>
+          <p:cNvSpPr/>
+          <p:nvPr/>
+        </p:nvSpPr>
+        <p:spPr>
+          <a:xfrm>
+            <a:off x="7518235" y="3045621"/>
+            <a:ext cx="1091357" cy="340188"/>
+          </a:xfrm>
+          <a:prstGeom prst="rect">
+            <a:avLst/>
+          </a:prstGeom>
+          <a:solidFill>
+            <a:schemeClr val="bg1"/>
+          </a:solidFill>
+          <a:ln>
+            <a:solidFill>
+              <a:schemeClr val="accent1">
+                <a:shade val="50000"/>
+              </a:schemeClr>
+            </a:solidFill>
+          </a:ln>
+        </p:spPr>
+        <p:style>
+          <a:lnRef idx="2">
+            <a:schemeClr val="accent1">
+              <a:shade val="50000"/>
+            </a:schemeClr>
+          </a:lnRef>
+          <a:fillRef idx="1">
+            <a:schemeClr val="accent1"/>
+          </a:fillRef>
+          <a:effectRef idx="0">
+            <a:schemeClr val="accent1"/>
+          </a:effectRef>
+          <a:fontRef idx="minor">
+            <a:schemeClr val="lt1"/>
+          </a:fontRef>
+        </p:style>
+        <p:txBody>
+          <a:bodyPr rtlCol="0" anchor="t" anchorCtr="0"/>
+          <a:lstStyle/>
+          <a:p>
+            <a:pPr algn="ctr"/>
+            <a:r>
+              <a:rPr lang="fi-FI" sz="900" dirty="0">
+                <a:solidFill>
+                  <a:schemeClr val="accent1">
+                    <a:lumMod val="75000"/>
+                  </a:schemeClr>
+                </a:solidFill>
+              </a:rPr>
+              <a:t>DB </a:t>
+            </a:r>
+            <a:r>
+              <a:rPr lang="fi-FI" sz="900" dirty="0" err="1">
+                <a:solidFill>
+                  <a:schemeClr val="accent1">
+                    <a:lumMod val="75000"/>
+                  </a:schemeClr>
+                </a:solidFill>
+              </a:rPr>
+              <a:t>login</a:t>
+            </a:r>
+            <a:r>
+              <a:rPr lang="fi-FI" sz="900" dirty="0">
+                <a:solidFill>
+                  <a:schemeClr val="accent1">
+                    <a:lumMod val="75000"/>
+                  </a:schemeClr>
+                </a:solidFill>
+              </a:rPr>
+              <a:t>:</a:t>
+            </a:r>
+            <a:br>
+              <a:rPr lang="fi-FI" sz="900" dirty="0">
+                <a:solidFill>
+                  <a:schemeClr val="accent1">
+                    <a:lumMod val="75000"/>
+                  </a:schemeClr>
+                </a:solidFill>
+              </a:rPr>
+            </a:br>
+            <a:r>
+              <a:rPr lang="fi-FI" sz="900" b="1" dirty="0">
+                <a:solidFill>
+                  <a:srgbClr val="00B050"/>
+                </a:solidFill>
+              </a:rPr>
+              <a:t>jyser3</a:t>
+            </a:r>
+          </a:p>
+          <a:p>
+            <a:pPr algn="ctr"/>
+            <a:endParaRPr lang="fi-FI" dirty="0">
+              <a:solidFill>
+                <a:schemeClr val="accent1">
+                  <a:lumMod val="75000"/>
+                </a:schemeClr>
+              </a:solidFill>
+            </a:endParaRPr>
+          </a:p>
+        </p:txBody>
+      </p:sp>
+      <p:sp>
+        <p:nvSpPr>
+          <p:cNvPr id="24" name="Rectangle 23">
+            <a:extLst>
+              <a:ext uri="{FF2B5EF4-FFF2-40B4-BE49-F238E27FC236}">
+                <a16:creationId xmlns:a16="http://schemas.microsoft.com/office/drawing/2014/main" id="{D179E976-0F79-4DB1-B765-E8285C112EF5}"/>
+              </a:ext>
+            </a:extLst>
+          </p:cNvPr>
+          <p:cNvSpPr/>
+          <p:nvPr/>
+        </p:nvSpPr>
+        <p:spPr>
+          <a:xfrm>
+            <a:off x="7505287" y="5392498"/>
+            <a:ext cx="1091357" cy="340188"/>
+          </a:xfrm>
+          <a:prstGeom prst="rect">
+            <a:avLst/>
+          </a:prstGeom>
+          <a:solidFill>
+            <a:schemeClr val="bg1"/>
+          </a:solidFill>
+          <a:ln>
+            <a:solidFill>
+              <a:schemeClr val="accent1">
+                <a:shade val="50000"/>
+              </a:schemeClr>
+            </a:solidFill>
+          </a:ln>
+        </p:spPr>
+        <p:style>
+          <a:lnRef idx="2">
+            <a:schemeClr val="accent1">
+              <a:shade val="50000"/>
+            </a:schemeClr>
+          </a:lnRef>
+          <a:fillRef idx="1">
+            <a:schemeClr val="accent1"/>
+          </a:fillRef>
+          <a:effectRef idx="0">
+            <a:schemeClr val="accent1"/>
+          </a:effectRef>
+          <a:fontRef idx="minor">
+            <a:schemeClr val="lt1"/>
+          </a:fontRef>
+        </p:style>
+        <p:txBody>
+          <a:bodyPr rtlCol="0" anchor="t" anchorCtr="0"/>
+          <a:lstStyle/>
+          <a:p>
+            <a:pPr algn="ctr"/>
+            <a:r>
+              <a:rPr lang="fi-FI" sz="900" dirty="0">
+                <a:solidFill>
+                  <a:schemeClr val="accent1">
+                    <a:lumMod val="75000"/>
+                  </a:schemeClr>
+                </a:solidFill>
+              </a:rPr>
+              <a:t>DB </a:t>
+            </a:r>
+            <a:r>
+              <a:rPr lang="fi-FI" sz="900" dirty="0" err="1">
+                <a:solidFill>
+                  <a:schemeClr val="accent1">
+                    <a:lumMod val="75000"/>
+                  </a:schemeClr>
+                </a:solidFill>
+              </a:rPr>
+              <a:t>login</a:t>
+            </a:r>
+            <a:r>
+              <a:rPr lang="fi-FI" sz="900" dirty="0">
+                <a:solidFill>
+                  <a:schemeClr val="accent1">
+                    <a:lumMod val="75000"/>
+                  </a:schemeClr>
+                </a:solidFill>
+              </a:rPr>
+              <a:t>:</a:t>
+            </a:r>
+            <a:br>
+              <a:rPr lang="fi-FI" sz="900" dirty="0">
+                <a:solidFill>
+                  <a:schemeClr val="accent1">
+                    <a:lumMod val="75000"/>
+                  </a:schemeClr>
+                </a:solidFill>
+              </a:rPr>
+            </a:br>
+            <a:r>
+              <a:rPr lang="fi-FI" sz="900" dirty="0" err="1">
+                <a:solidFill>
+                  <a:schemeClr val="accent1">
+                    <a:lumMod val="75000"/>
+                  </a:schemeClr>
+                </a:solidFill>
+              </a:rPr>
+              <a:t>root</a:t>
+            </a:r>
+            <a:endParaRPr lang="fi-FI" sz="900" dirty="0">
+              <a:solidFill>
+                <a:schemeClr val="accent1">
+                  <a:lumMod val="75000"/>
+                </a:schemeClr>
+              </a:solidFill>
+            </a:endParaRPr>
+          </a:p>
+          <a:p>
+            <a:pPr algn="ctr"/>
+            <a:endParaRPr lang="fi-FI" dirty="0">
+              <a:solidFill>
+                <a:schemeClr val="accent1">
+                  <a:lumMod val="75000"/>
+                </a:schemeClr>
+              </a:solidFill>
+            </a:endParaRPr>
+          </a:p>
+        </p:txBody>
+      </p:sp>
+      <p:sp>
+        <p:nvSpPr>
+          <p:cNvPr id="25" name="Rectangle 24">
+            <a:extLst>
+              <a:ext uri="{FF2B5EF4-FFF2-40B4-BE49-F238E27FC236}">
+                <a16:creationId xmlns:a16="http://schemas.microsoft.com/office/drawing/2014/main" id="{1667E5FE-407F-426F-B725-73B2D70FF709}"/>
+              </a:ext>
+            </a:extLst>
+          </p:cNvPr>
+          <p:cNvSpPr/>
+          <p:nvPr/>
+        </p:nvSpPr>
+        <p:spPr>
+          <a:xfrm>
+            <a:off x="2012825" y="2548117"/>
+            <a:ext cx="461691" cy="446169"/>
+          </a:xfrm>
+          <a:prstGeom prst="rect">
+            <a:avLst/>
+          </a:prstGeom>
+          <a:noFill/>
+        </p:spPr>
+        <p:style>
+          <a:lnRef idx="2">
+            <a:schemeClr val="accent1">
+              <a:shade val="50000"/>
+            </a:schemeClr>
+          </a:lnRef>
+          <a:fillRef idx="1">
+            <a:schemeClr val="accent1"/>
+          </a:fillRef>
+          <a:effectRef idx="0">
+            <a:schemeClr val="accent1"/>
+          </a:effectRef>
+          <a:fontRef idx="minor">
+            <a:schemeClr val="lt1"/>
+          </a:fontRef>
+        </p:style>
+        <p:txBody>
+          <a:bodyPr rtlCol="0" anchor="t" anchorCtr="0"/>
+          <a:lstStyle/>
+          <a:p>
+            <a:pPr algn="ctr"/>
+            <a:r>
+              <a:rPr lang="fi-FI" sz="900" dirty="0" err="1">
+                <a:solidFill>
+                  <a:schemeClr val="accent1">
+                    <a:lumMod val="75000"/>
+                  </a:schemeClr>
+                </a:solidFill>
+              </a:rPr>
+              <a:t>Login</a:t>
+            </a:r>
+            <a:r>
+              <a:rPr lang="fi-FI" sz="900" dirty="0">
+                <a:solidFill>
+                  <a:schemeClr val="accent1">
+                    <a:lumMod val="75000"/>
+                  </a:schemeClr>
+                </a:solidFill>
+              </a:rPr>
+              <a:t> </a:t>
+            </a:r>
+            <a:r>
+              <a:rPr lang="fi-FI" sz="900" dirty="0" err="1">
+                <a:solidFill>
+                  <a:schemeClr val="accent1">
+                    <a:lumMod val="75000"/>
+                  </a:schemeClr>
+                </a:solidFill>
+              </a:rPr>
+              <a:t>view</a:t>
+            </a:r>
+            <a:endParaRPr lang="fi-FI" sz="900" dirty="0">
+              <a:solidFill>
+                <a:schemeClr val="accent1">
+                  <a:lumMod val="75000"/>
+                </a:schemeClr>
+              </a:solidFill>
+            </a:endParaRPr>
+          </a:p>
+        </p:txBody>
+      </p:sp>
+      <p:cxnSp>
+        <p:nvCxnSpPr>
+          <p:cNvPr id="26" name="Straight Connector 25">
+            <a:extLst>
+              <a:ext uri="{FF2B5EF4-FFF2-40B4-BE49-F238E27FC236}">
+                <a16:creationId xmlns:a16="http://schemas.microsoft.com/office/drawing/2014/main" id="{3EDB1741-8682-4315-9B8C-44B9A5A4CB92}"/>
+              </a:ext>
+            </a:extLst>
+          </p:cNvPr>
+          <p:cNvCxnSpPr>
+            <a:cxnSpLocks/>
+            <a:endCxn id="5" idx="3"/>
+          </p:cNvCxnSpPr>
+          <p:nvPr/>
+        </p:nvCxnSpPr>
+        <p:spPr>
+          <a:xfrm flipH="1" flipV="1">
+            <a:off x="981857" y="2105766"/>
+            <a:ext cx="1030606" cy="532639"/>
+          </a:xfrm>
+          <a:prstGeom prst="line">
+            <a:avLst/>
+          </a:prstGeom>
+          <a:ln w="12700">
+            <a:solidFill>
+              <a:schemeClr val="tx1"/>
+            </a:solidFill>
+            <a:prstDash val="dash"/>
+          </a:ln>
+        </p:spPr>
+        <p:style>
+          <a:lnRef idx="1">
+            <a:schemeClr val="accent1"/>
+          </a:lnRef>
+          <a:fillRef idx="0">
+            <a:schemeClr val="accent1"/>
+          </a:fillRef>
+          <a:effectRef idx="0">
+            <a:schemeClr val="accent1"/>
+          </a:effectRef>
+          <a:fontRef idx="minor">
+            <a:schemeClr val="tx1"/>
+          </a:fontRef>
+        </p:style>
+      </p:cxnSp>
+      <p:cxnSp>
+        <p:nvCxnSpPr>
+          <p:cNvPr id="29" name="Straight Connector 28">
+            <a:extLst>
+              <a:ext uri="{FF2B5EF4-FFF2-40B4-BE49-F238E27FC236}">
+                <a16:creationId xmlns:a16="http://schemas.microsoft.com/office/drawing/2014/main" id="{E2BEF2D9-9CCC-4D39-942D-7572C3B73EAD}"/>
+              </a:ext>
+            </a:extLst>
+          </p:cNvPr>
+          <p:cNvCxnSpPr>
+            <a:cxnSpLocks/>
+            <a:endCxn id="7" idx="3"/>
+          </p:cNvCxnSpPr>
+          <p:nvPr/>
+        </p:nvCxnSpPr>
+        <p:spPr>
+          <a:xfrm flipH="1">
+            <a:off x="961328" y="2905787"/>
+            <a:ext cx="1036621" cy="1419428"/>
+          </a:xfrm>
+          <a:prstGeom prst="line">
+            <a:avLst/>
+          </a:prstGeom>
+          <a:ln w="12700">
+            <a:solidFill>
+              <a:schemeClr val="tx1"/>
+            </a:solidFill>
+            <a:prstDash val="dash"/>
+          </a:ln>
+        </p:spPr>
+        <p:style>
+          <a:lnRef idx="1">
+            <a:schemeClr val="accent1"/>
+          </a:lnRef>
+          <a:fillRef idx="0">
+            <a:schemeClr val="accent1"/>
+          </a:fillRef>
+          <a:effectRef idx="0">
+            <a:schemeClr val="accent1"/>
+          </a:effectRef>
+          <a:fontRef idx="minor">
+            <a:schemeClr val="tx1"/>
+          </a:fontRef>
+        </p:style>
+      </p:cxnSp>
+      <p:cxnSp>
+        <p:nvCxnSpPr>
+          <p:cNvPr id="34" name="Straight Arrow Connector 33">
+            <a:extLst>
+              <a:ext uri="{FF2B5EF4-FFF2-40B4-BE49-F238E27FC236}">
+                <a16:creationId xmlns:a16="http://schemas.microsoft.com/office/drawing/2014/main" id="{52316A3A-29C7-4DA0-9B24-D173C30F7EFC}"/>
+              </a:ext>
+            </a:extLst>
+          </p:cNvPr>
+          <p:cNvCxnSpPr>
+            <a:cxnSpLocks/>
+            <a:stCxn id="25" idx="3"/>
+            <a:endCxn id="2" idx="1"/>
+          </p:cNvCxnSpPr>
+          <p:nvPr/>
+        </p:nvCxnSpPr>
+        <p:spPr>
+          <a:xfrm flipV="1">
+            <a:off x="2474516" y="2229810"/>
+            <a:ext cx="2004845" cy="541392"/>
+          </a:xfrm>
+          <a:prstGeom prst="straightConnector1">
+            <a:avLst/>
+          </a:prstGeom>
+          <a:ln>
+            <a:headEnd type="triangle"/>
+            <a:tailEnd type="triangle"/>
+          </a:ln>
+        </p:spPr>
+        <p:style>
+          <a:lnRef idx="1">
+            <a:schemeClr val="accent1"/>
+          </a:lnRef>
+          <a:fillRef idx="0">
+            <a:schemeClr val="accent1"/>
+          </a:fillRef>
+          <a:effectRef idx="0">
+            <a:schemeClr val="accent1"/>
+          </a:effectRef>
+          <a:fontRef idx="minor">
+            <a:schemeClr val="tx1"/>
+          </a:fontRef>
+        </p:style>
+      </p:cxnSp>
+      <p:cxnSp>
+        <p:nvCxnSpPr>
+          <p:cNvPr id="37" name="Straight Arrow Connector 36">
+            <a:extLst>
+              <a:ext uri="{FF2B5EF4-FFF2-40B4-BE49-F238E27FC236}">
+                <a16:creationId xmlns:a16="http://schemas.microsoft.com/office/drawing/2014/main" id="{FABEB68F-565B-43E1-8F6D-F1012A4383A2}"/>
+              </a:ext>
+            </a:extLst>
+          </p:cNvPr>
+          <p:cNvCxnSpPr>
+            <a:cxnSpLocks/>
+            <a:stCxn id="53" idx="1"/>
+            <a:endCxn id="2" idx="3"/>
+          </p:cNvCxnSpPr>
+          <p:nvPr/>
+        </p:nvCxnSpPr>
+        <p:spPr>
+          <a:xfrm flipH="1" flipV="1">
+            <a:off x="5528257" y="2229810"/>
+            <a:ext cx="327105" cy="4394"/>
+          </a:xfrm>
+          <a:prstGeom prst="straightConnector1">
+            <a:avLst/>
+          </a:prstGeom>
+          <a:ln>
+            <a:headEnd type="triangle"/>
+            <a:tailEnd type="triangle"/>
+          </a:ln>
+        </p:spPr>
+        <p:style>
+          <a:lnRef idx="1">
+            <a:schemeClr val="accent1"/>
+          </a:lnRef>
+          <a:fillRef idx="0">
+            <a:schemeClr val="accent1"/>
+          </a:fillRef>
+          <a:effectRef idx="0">
+            <a:schemeClr val="accent1"/>
+          </a:effectRef>
+          <a:fontRef idx="minor">
+            <a:schemeClr val="tx1"/>
+          </a:fontRef>
+        </p:style>
+      </p:cxnSp>
+      <p:sp>
+        <p:nvSpPr>
+          <p:cNvPr id="40" name="Rectangle 39">
+            <a:extLst>
+              <a:ext uri="{FF2B5EF4-FFF2-40B4-BE49-F238E27FC236}">
+                <a16:creationId xmlns:a16="http://schemas.microsoft.com/office/drawing/2014/main" id="{AFF472E3-89AA-49D2-9F5F-88EE91230ED7}"/>
+              </a:ext>
+            </a:extLst>
+          </p:cNvPr>
+          <p:cNvSpPr/>
+          <p:nvPr/>
+        </p:nvSpPr>
+        <p:spPr>
+          <a:xfrm>
+            <a:off x="4489349" y="2653137"/>
+            <a:ext cx="1048896" cy="223085"/>
+          </a:xfrm>
+          <a:prstGeom prst="rect">
+            <a:avLst/>
+          </a:prstGeom>
+          <a:solidFill>
+            <a:schemeClr val="bg1"/>
+          </a:solidFill>
+        </p:spPr>
+        <p:style>
+          <a:lnRef idx="2">
+            <a:schemeClr val="accent1">
+              <a:shade val="50000"/>
+            </a:schemeClr>
+          </a:lnRef>
+          <a:fillRef idx="1">
+            <a:schemeClr val="accent1"/>
+          </a:fillRef>
+          <a:effectRef idx="0">
+            <a:schemeClr val="accent1"/>
+          </a:effectRef>
+          <a:fontRef idx="minor">
+            <a:schemeClr val="lt1"/>
+          </a:fontRef>
+        </p:style>
+        <p:txBody>
+          <a:bodyPr rtlCol="0" anchor="t" anchorCtr="0"/>
+          <a:lstStyle/>
+          <a:p>
+            <a:pPr algn="ctr"/>
+            <a:r>
+              <a:rPr lang="fi-FI" sz="900" dirty="0" err="1">
+                <a:solidFill>
+                  <a:schemeClr val="accent1">
+                    <a:lumMod val="75000"/>
+                  </a:schemeClr>
+                </a:solidFill>
+              </a:rPr>
+              <a:t>Admin</a:t>
+            </a:r>
+            <a:r>
+              <a:rPr lang="fi-FI" sz="900" dirty="0">
+                <a:solidFill>
+                  <a:schemeClr val="accent1">
+                    <a:lumMod val="75000"/>
+                  </a:schemeClr>
+                </a:solidFill>
+              </a:rPr>
+              <a:t> feature 1</a:t>
+            </a:r>
+          </a:p>
+        </p:txBody>
+      </p:sp>
+      <p:sp>
+        <p:nvSpPr>
+          <p:cNvPr id="41" name="Rectangle 40">
+            <a:extLst>
+              <a:ext uri="{FF2B5EF4-FFF2-40B4-BE49-F238E27FC236}">
+                <a16:creationId xmlns:a16="http://schemas.microsoft.com/office/drawing/2014/main" id="{807A762E-4FB3-491F-913E-841DDB33C34F}"/>
+              </a:ext>
+            </a:extLst>
+          </p:cNvPr>
+          <p:cNvSpPr/>
+          <p:nvPr/>
+        </p:nvSpPr>
+        <p:spPr>
+          <a:xfrm>
+            <a:off x="4489349" y="3138309"/>
+            <a:ext cx="1048896" cy="223085"/>
+          </a:xfrm>
+          <a:prstGeom prst="rect">
+            <a:avLst/>
+          </a:prstGeom>
+          <a:solidFill>
+            <a:schemeClr val="bg1"/>
+          </a:solidFill>
+        </p:spPr>
+        <p:style>
+          <a:lnRef idx="2">
+            <a:schemeClr val="accent1">
+              <a:shade val="50000"/>
+            </a:schemeClr>
+          </a:lnRef>
+          <a:fillRef idx="1">
+            <a:schemeClr val="accent1"/>
+          </a:fillRef>
+          <a:effectRef idx="0">
+            <a:schemeClr val="accent1"/>
+          </a:effectRef>
+          <a:fontRef idx="minor">
+            <a:schemeClr val="lt1"/>
+          </a:fontRef>
+        </p:style>
+        <p:txBody>
+          <a:bodyPr rtlCol="0" anchor="t" anchorCtr="0"/>
+          <a:lstStyle/>
+          <a:p>
+            <a:pPr algn="ctr"/>
+            <a:r>
+              <a:rPr lang="fi-FI" sz="900" dirty="0" err="1">
+                <a:solidFill>
+                  <a:schemeClr val="accent1">
+                    <a:lumMod val="75000"/>
+                  </a:schemeClr>
+                </a:solidFill>
+              </a:rPr>
+              <a:t>Admin</a:t>
+            </a:r>
+            <a:r>
+              <a:rPr lang="fi-FI" sz="900" dirty="0">
+                <a:solidFill>
+                  <a:schemeClr val="accent1">
+                    <a:lumMod val="75000"/>
+                  </a:schemeClr>
+                </a:solidFill>
+              </a:rPr>
+              <a:t> feature 2</a:t>
+            </a:r>
+          </a:p>
+        </p:txBody>
+      </p:sp>
+      <p:sp>
+        <p:nvSpPr>
+          <p:cNvPr id="42" name="Rectangle 41">
+            <a:extLst>
+              <a:ext uri="{FF2B5EF4-FFF2-40B4-BE49-F238E27FC236}">
+                <a16:creationId xmlns:a16="http://schemas.microsoft.com/office/drawing/2014/main" id="{E284ABC6-24FC-4E07-A44A-42E45E5D453F}"/>
+              </a:ext>
+            </a:extLst>
+          </p:cNvPr>
+          <p:cNvSpPr/>
+          <p:nvPr/>
+        </p:nvSpPr>
+        <p:spPr>
+          <a:xfrm>
+            <a:off x="4491639" y="3646610"/>
+            <a:ext cx="1048896" cy="223085"/>
+          </a:xfrm>
+          <a:prstGeom prst="rect">
+            <a:avLst/>
+          </a:prstGeom>
+          <a:solidFill>
+            <a:schemeClr val="bg1"/>
+          </a:solidFill>
+        </p:spPr>
+        <p:style>
+          <a:lnRef idx="2">
+            <a:schemeClr val="accent1">
+              <a:shade val="50000"/>
+            </a:schemeClr>
+          </a:lnRef>
+          <a:fillRef idx="1">
+            <a:schemeClr val="accent1"/>
+          </a:fillRef>
+          <a:effectRef idx="0">
+            <a:schemeClr val="accent1"/>
+          </a:effectRef>
+          <a:fontRef idx="minor">
+            <a:schemeClr val="lt1"/>
+          </a:fontRef>
+        </p:style>
+        <p:txBody>
+          <a:bodyPr rtlCol="0" anchor="t" anchorCtr="0"/>
+          <a:lstStyle/>
+          <a:p>
+            <a:pPr algn="ctr"/>
+            <a:r>
+              <a:rPr lang="fi-FI" sz="900" dirty="0" err="1">
+                <a:solidFill>
+                  <a:schemeClr val="accent1">
+                    <a:lumMod val="75000"/>
+                  </a:schemeClr>
+                </a:solidFill>
+              </a:rPr>
+              <a:t>Worker</a:t>
+            </a:r>
+            <a:r>
+              <a:rPr lang="fi-FI" sz="900" dirty="0">
+                <a:solidFill>
+                  <a:schemeClr val="accent1">
+                    <a:lumMod val="75000"/>
+                  </a:schemeClr>
+                </a:solidFill>
+              </a:rPr>
+              <a:t> feature 1</a:t>
+            </a:r>
+          </a:p>
+        </p:txBody>
+      </p:sp>
+      <p:sp>
+        <p:nvSpPr>
+          <p:cNvPr id="43" name="Rectangle 42">
+            <a:extLst>
+              <a:ext uri="{FF2B5EF4-FFF2-40B4-BE49-F238E27FC236}">
+                <a16:creationId xmlns:a16="http://schemas.microsoft.com/office/drawing/2014/main" id="{B66795E6-B86D-48BD-97A0-F0FF06F19799}"/>
+              </a:ext>
+            </a:extLst>
+          </p:cNvPr>
+          <p:cNvSpPr/>
+          <p:nvPr/>
+        </p:nvSpPr>
+        <p:spPr>
+          <a:xfrm>
+            <a:off x="4489349" y="4131782"/>
+            <a:ext cx="1048896" cy="223085"/>
+          </a:xfrm>
+          <a:prstGeom prst="rect">
+            <a:avLst/>
+          </a:prstGeom>
+          <a:solidFill>
+            <a:schemeClr val="bg1"/>
+          </a:solidFill>
+        </p:spPr>
+        <p:style>
+          <a:lnRef idx="2">
+            <a:schemeClr val="accent1">
+              <a:shade val="50000"/>
+            </a:schemeClr>
+          </a:lnRef>
+          <a:fillRef idx="1">
+            <a:schemeClr val="accent1"/>
+          </a:fillRef>
+          <a:effectRef idx="0">
+            <a:schemeClr val="accent1"/>
+          </a:effectRef>
+          <a:fontRef idx="minor">
+            <a:schemeClr val="lt1"/>
+          </a:fontRef>
+        </p:style>
+        <p:txBody>
+          <a:bodyPr rtlCol="0" anchor="t" anchorCtr="0"/>
+          <a:lstStyle/>
+          <a:p>
+            <a:pPr algn="ctr"/>
+            <a:r>
+              <a:rPr lang="fi-FI" sz="900" dirty="0" err="1">
+                <a:solidFill>
+                  <a:schemeClr val="accent1">
+                    <a:lumMod val="75000"/>
+                  </a:schemeClr>
+                </a:solidFill>
+              </a:rPr>
+              <a:t>Worker</a:t>
+            </a:r>
+            <a:r>
+              <a:rPr lang="fi-FI" sz="900" dirty="0">
+                <a:solidFill>
+                  <a:schemeClr val="accent1">
+                    <a:lumMod val="75000"/>
+                  </a:schemeClr>
+                </a:solidFill>
+              </a:rPr>
+              <a:t> feature 2</a:t>
+            </a:r>
+          </a:p>
+        </p:txBody>
+      </p:sp>
+      <p:sp>
+        <p:nvSpPr>
+          <p:cNvPr id="44" name="Rectangle 43">
+            <a:extLst>
+              <a:ext uri="{FF2B5EF4-FFF2-40B4-BE49-F238E27FC236}">
+                <a16:creationId xmlns:a16="http://schemas.microsoft.com/office/drawing/2014/main" id="{C182E291-D866-4599-8052-F205A467C519}"/>
+              </a:ext>
+            </a:extLst>
+          </p:cNvPr>
+          <p:cNvSpPr/>
+          <p:nvPr/>
+        </p:nvSpPr>
+        <p:spPr>
+          <a:xfrm>
+            <a:off x="5461211" y="2649263"/>
+            <a:ext cx="793807" cy="230832"/>
+          </a:xfrm>
+          <a:prstGeom prst="rect">
+            <a:avLst/>
+          </a:prstGeom>
+        </p:spPr>
+        <p:txBody>
+          <a:bodyPr wrap="none">
+            <a:spAutoFit/>
+          </a:bodyPr>
+          <a:lstStyle/>
+          <a:p>
+            <a:pPr algn="ctr"/>
+            <a:r>
+              <a:rPr lang="fi-FI" sz="900" dirty="0">
+                <a:solidFill>
+                  <a:schemeClr val="accent1">
+                    <a:lumMod val="75000"/>
+                  </a:schemeClr>
+                </a:solidFill>
+              </a:rPr>
+              <a:t>[</a:t>
+            </a:r>
+            <a:r>
+              <a:rPr lang="fi-FI" sz="900" dirty="0" err="1">
+                <a:solidFill>
+                  <a:schemeClr val="accent1">
+                    <a:lumMod val="75000"/>
+                  </a:schemeClr>
+                </a:solidFill>
+              </a:rPr>
+              <a:t>role</a:t>
+            </a:r>
+            <a:r>
+              <a:rPr lang="fi-FI" sz="900" dirty="0">
+                <a:solidFill>
+                  <a:schemeClr val="accent1">
+                    <a:lumMod val="75000"/>
+                  </a:schemeClr>
+                </a:solidFill>
+              </a:rPr>
+              <a:t>: </a:t>
+            </a:r>
+            <a:r>
+              <a:rPr lang="fi-FI" sz="900" dirty="0" err="1">
+                <a:solidFill>
+                  <a:schemeClr val="accent1">
+                    <a:lumMod val="75000"/>
+                  </a:schemeClr>
+                </a:solidFill>
+              </a:rPr>
+              <a:t>admin</a:t>
+            </a:r>
+            <a:r>
+              <a:rPr lang="fi-FI" sz="900" dirty="0">
+                <a:solidFill>
+                  <a:schemeClr val="accent1">
+                    <a:lumMod val="75000"/>
+                  </a:schemeClr>
+                </a:solidFill>
+              </a:rPr>
+              <a:t>]</a:t>
+            </a:r>
+          </a:p>
+        </p:txBody>
+      </p:sp>
+      <p:sp>
+        <p:nvSpPr>
+          <p:cNvPr id="46" name="Rectangle 45">
+            <a:extLst>
+              <a:ext uri="{FF2B5EF4-FFF2-40B4-BE49-F238E27FC236}">
+                <a16:creationId xmlns:a16="http://schemas.microsoft.com/office/drawing/2014/main" id="{00A5586F-6915-4AA7-AD2A-45E69C1F0403}"/>
+              </a:ext>
+            </a:extLst>
+          </p:cNvPr>
+          <p:cNvSpPr/>
+          <p:nvPr/>
+        </p:nvSpPr>
+        <p:spPr>
+          <a:xfrm>
+            <a:off x="5448720" y="3124270"/>
+            <a:ext cx="793807" cy="230832"/>
+          </a:xfrm>
+          <a:prstGeom prst="rect">
+            <a:avLst/>
+          </a:prstGeom>
+        </p:spPr>
+        <p:txBody>
+          <a:bodyPr wrap="none">
+            <a:spAutoFit/>
+          </a:bodyPr>
+          <a:lstStyle/>
+          <a:p>
+            <a:pPr algn="ctr"/>
+            <a:r>
+              <a:rPr lang="fi-FI" sz="900" dirty="0">
+                <a:solidFill>
+                  <a:schemeClr val="accent1">
+                    <a:lumMod val="75000"/>
+                  </a:schemeClr>
+                </a:solidFill>
+              </a:rPr>
+              <a:t>[</a:t>
+            </a:r>
+            <a:r>
+              <a:rPr lang="fi-FI" sz="900" dirty="0" err="1">
+                <a:solidFill>
+                  <a:schemeClr val="accent1">
+                    <a:lumMod val="75000"/>
+                  </a:schemeClr>
+                </a:solidFill>
+              </a:rPr>
+              <a:t>role</a:t>
+            </a:r>
+            <a:r>
+              <a:rPr lang="fi-FI" sz="900" dirty="0">
+                <a:solidFill>
+                  <a:schemeClr val="accent1">
+                    <a:lumMod val="75000"/>
+                  </a:schemeClr>
+                </a:solidFill>
+              </a:rPr>
+              <a:t>: </a:t>
+            </a:r>
+            <a:r>
+              <a:rPr lang="fi-FI" sz="900" dirty="0" err="1">
+                <a:solidFill>
+                  <a:schemeClr val="accent1">
+                    <a:lumMod val="75000"/>
+                  </a:schemeClr>
+                </a:solidFill>
+              </a:rPr>
+              <a:t>admin</a:t>
+            </a:r>
+            <a:r>
+              <a:rPr lang="fi-FI" sz="900" dirty="0">
+                <a:solidFill>
+                  <a:schemeClr val="accent1">
+                    <a:lumMod val="75000"/>
+                  </a:schemeClr>
+                </a:solidFill>
+              </a:rPr>
+              <a:t>]</a:t>
+            </a:r>
+          </a:p>
+        </p:txBody>
+      </p:sp>
+      <p:sp>
+        <p:nvSpPr>
+          <p:cNvPr id="47" name="Rectangle 46">
+            <a:extLst>
+              <a:ext uri="{FF2B5EF4-FFF2-40B4-BE49-F238E27FC236}">
+                <a16:creationId xmlns:a16="http://schemas.microsoft.com/office/drawing/2014/main" id="{AFE2BAF2-BF2A-439F-8AEB-7D16FE034482}"/>
+              </a:ext>
+            </a:extLst>
+          </p:cNvPr>
+          <p:cNvSpPr/>
+          <p:nvPr/>
+        </p:nvSpPr>
+        <p:spPr>
+          <a:xfrm>
+            <a:off x="5480290" y="3632996"/>
+            <a:ext cx="859531" cy="230832"/>
+          </a:xfrm>
+          <a:prstGeom prst="rect">
+            <a:avLst/>
+          </a:prstGeom>
+        </p:spPr>
+        <p:txBody>
+          <a:bodyPr wrap="none">
+            <a:spAutoFit/>
+          </a:bodyPr>
+          <a:lstStyle/>
+          <a:p>
+            <a:pPr algn="ctr"/>
+            <a:r>
+              <a:rPr lang="fi-FI" sz="900" dirty="0">
+                <a:solidFill>
+                  <a:schemeClr val="accent1">
+                    <a:lumMod val="75000"/>
+                  </a:schemeClr>
+                </a:solidFill>
+              </a:rPr>
+              <a:t>[</a:t>
+            </a:r>
+            <a:r>
+              <a:rPr lang="fi-FI" sz="900" dirty="0" err="1">
+                <a:solidFill>
+                  <a:schemeClr val="accent1">
+                    <a:lumMod val="75000"/>
+                  </a:schemeClr>
+                </a:solidFill>
+              </a:rPr>
+              <a:t>role</a:t>
+            </a:r>
+            <a:r>
+              <a:rPr lang="fi-FI" sz="900" dirty="0">
+                <a:solidFill>
+                  <a:schemeClr val="accent1">
+                    <a:lumMod val="75000"/>
+                  </a:schemeClr>
+                </a:solidFill>
+              </a:rPr>
+              <a:t>: </a:t>
+            </a:r>
+            <a:r>
+              <a:rPr lang="fi-FI" sz="900" dirty="0" err="1">
+                <a:solidFill>
+                  <a:schemeClr val="accent1">
+                    <a:lumMod val="75000"/>
+                  </a:schemeClr>
+                </a:solidFill>
+              </a:rPr>
+              <a:t>planner</a:t>
+            </a:r>
+            <a:r>
+              <a:rPr lang="fi-FI" sz="900" dirty="0">
+                <a:solidFill>
+                  <a:schemeClr val="accent1">
+                    <a:lumMod val="75000"/>
+                  </a:schemeClr>
+                </a:solidFill>
+              </a:rPr>
+              <a:t>]</a:t>
+            </a:r>
+          </a:p>
+        </p:txBody>
+      </p:sp>
+      <p:sp>
+        <p:nvSpPr>
+          <p:cNvPr id="48" name="Rectangle 47">
+            <a:extLst>
+              <a:ext uri="{FF2B5EF4-FFF2-40B4-BE49-F238E27FC236}">
+                <a16:creationId xmlns:a16="http://schemas.microsoft.com/office/drawing/2014/main" id="{0FA0D65E-F727-450E-9810-0681E257DB49}"/>
+              </a:ext>
+            </a:extLst>
+          </p:cNvPr>
+          <p:cNvSpPr/>
+          <p:nvPr/>
+        </p:nvSpPr>
+        <p:spPr>
+          <a:xfrm>
+            <a:off x="5461947" y="4117743"/>
+            <a:ext cx="859531" cy="230832"/>
+          </a:xfrm>
+          <a:prstGeom prst="rect">
+            <a:avLst/>
+          </a:prstGeom>
+        </p:spPr>
+        <p:txBody>
+          <a:bodyPr wrap="none">
+            <a:spAutoFit/>
+          </a:bodyPr>
+          <a:lstStyle/>
+          <a:p>
+            <a:pPr algn="ctr"/>
+            <a:r>
+              <a:rPr lang="fi-FI" sz="900" dirty="0">
+                <a:solidFill>
+                  <a:schemeClr val="accent1">
+                    <a:lumMod val="75000"/>
+                  </a:schemeClr>
+                </a:solidFill>
+              </a:rPr>
+              <a:t>[</a:t>
+            </a:r>
+            <a:r>
+              <a:rPr lang="fi-FI" sz="900" dirty="0" err="1">
+                <a:solidFill>
+                  <a:schemeClr val="accent1">
+                    <a:lumMod val="75000"/>
+                  </a:schemeClr>
+                </a:solidFill>
+              </a:rPr>
+              <a:t>role</a:t>
+            </a:r>
+            <a:r>
+              <a:rPr lang="fi-FI" sz="900" dirty="0">
+                <a:solidFill>
+                  <a:schemeClr val="accent1">
+                    <a:lumMod val="75000"/>
+                  </a:schemeClr>
+                </a:solidFill>
+              </a:rPr>
+              <a:t>: </a:t>
+            </a:r>
+            <a:r>
+              <a:rPr lang="fi-FI" sz="900" dirty="0" err="1">
+                <a:solidFill>
+                  <a:schemeClr val="accent1">
+                    <a:lumMod val="75000"/>
+                  </a:schemeClr>
+                </a:solidFill>
+              </a:rPr>
+              <a:t>planner</a:t>
+            </a:r>
+            <a:r>
+              <a:rPr lang="fi-FI" sz="900" dirty="0">
+                <a:solidFill>
+                  <a:schemeClr val="accent1">
+                    <a:lumMod val="75000"/>
+                  </a:schemeClr>
+                </a:solidFill>
+              </a:rPr>
+              <a:t>]</a:t>
+            </a:r>
+          </a:p>
+        </p:txBody>
+      </p:sp>
+      <p:sp>
+        <p:nvSpPr>
+          <p:cNvPr id="53" name="Rectangle 52">
+            <a:extLst>
+              <a:ext uri="{FF2B5EF4-FFF2-40B4-BE49-F238E27FC236}">
+                <a16:creationId xmlns:a16="http://schemas.microsoft.com/office/drawing/2014/main" id="{EED697E5-9D28-4F17-9D1F-A72D93450E01}"/>
+              </a:ext>
+            </a:extLst>
+          </p:cNvPr>
+          <p:cNvSpPr/>
+          <p:nvPr/>
+        </p:nvSpPr>
+        <p:spPr>
+          <a:xfrm>
+            <a:off x="5855362" y="1980288"/>
+            <a:ext cx="1153431" cy="507831"/>
+          </a:xfrm>
+          <a:prstGeom prst="rect">
+            <a:avLst/>
+          </a:prstGeom>
+          <a:solidFill>
+            <a:schemeClr val="bg1"/>
+          </a:solidFill>
+          <a:ln>
+            <a:solidFill>
+              <a:schemeClr val="accent1"/>
+            </a:solidFill>
+          </a:ln>
+        </p:spPr>
+        <p:txBody>
+          <a:bodyPr wrap="square">
+            <a:spAutoFit/>
+          </a:bodyPr>
+          <a:lstStyle/>
+          <a:p>
+            <a:r>
+              <a:rPr lang="fi-FI" sz="900" dirty="0">
+                <a:solidFill>
+                  <a:schemeClr val="accent1">
+                    <a:lumMod val="75000"/>
+                  </a:schemeClr>
+                </a:solidFill>
+              </a:rPr>
+              <a:t>Library </a:t>
+            </a:r>
+            <a:r>
+              <a:rPr lang="fi-FI" sz="900" dirty="0" err="1">
+                <a:solidFill>
+                  <a:schemeClr val="accent1">
+                    <a:lumMod val="75000"/>
+                  </a:schemeClr>
+                </a:solidFill>
+              </a:rPr>
+              <a:t>module</a:t>
+            </a:r>
+            <a:r>
+              <a:rPr lang="fi-FI" sz="900" dirty="0">
+                <a:solidFill>
+                  <a:schemeClr val="accent1">
+                    <a:lumMod val="75000"/>
+                  </a:schemeClr>
+                </a:solidFill>
+              </a:rPr>
+              <a:t> for </a:t>
+            </a:r>
+            <a:r>
+              <a:rPr lang="fi-FI" sz="900" dirty="0" err="1">
+                <a:solidFill>
+                  <a:schemeClr val="accent1">
+                    <a:lumMod val="75000"/>
+                  </a:schemeClr>
+                </a:solidFill>
+              </a:rPr>
+              <a:t>generating</a:t>
+            </a:r>
+            <a:r>
+              <a:rPr lang="fi-FI" sz="900" dirty="0">
+                <a:solidFill>
+                  <a:schemeClr val="accent1">
+                    <a:lumMod val="75000"/>
+                  </a:schemeClr>
+                </a:solidFill>
+              </a:rPr>
+              <a:t>/</a:t>
+            </a:r>
+            <a:r>
+              <a:rPr lang="fi-FI" sz="900" dirty="0" err="1">
+                <a:solidFill>
+                  <a:schemeClr val="accent1">
+                    <a:lumMod val="75000"/>
+                  </a:schemeClr>
+                </a:solidFill>
+              </a:rPr>
+              <a:t>checking</a:t>
+            </a:r>
+            <a:r>
+              <a:rPr lang="fi-FI" sz="900" dirty="0">
+                <a:solidFill>
+                  <a:schemeClr val="accent1">
+                    <a:lumMod val="75000"/>
+                  </a:schemeClr>
+                </a:solidFill>
+              </a:rPr>
+              <a:t> </a:t>
+            </a:r>
+            <a:r>
+              <a:rPr lang="fi-FI" sz="900" dirty="0" err="1">
+                <a:solidFill>
+                  <a:schemeClr val="accent1">
+                    <a:lumMod val="75000"/>
+                  </a:schemeClr>
+                </a:solidFill>
+              </a:rPr>
+              <a:t>the</a:t>
+            </a:r>
+            <a:r>
+              <a:rPr lang="fi-FI" sz="900" dirty="0">
+                <a:solidFill>
+                  <a:schemeClr val="accent1">
+                    <a:lumMod val="75000"/>
+                  </a:schemeClr>
+                </a:solidFill>
+              </a:rPr>
+              <a:t> </a:t>
+            </a:r>
+            <a:r>
+              <a:rPr lang="fi-FI" sz="900" dirty="0" err="1">
+                <a:solidFill>
+                  <a:schemeClr val="accent1">
+                    <a:lumMod val="75000"/>
+                  </a:schemeClr>
+                </a:solidFill>
+              </a:rPr>
+              <a:t>auth</a:t>
+            </a:r>
+            <a:r>
+              <a:rPr lang="fi-FI" sz="900" dirty="0">
+                <a:solidFill>
+                  <a:schemeClr val="accent1">
+                    <a:lumMod val="75000"/>
+                  </a:schemeClr>
+                </a:solidFill>
+              </a:rPr>
+              <a:t> </a:t>
+            </a:r>
+            <a:r>
+              <a:rPr lang="fi-FI" sz="900" dirty="0" err="1">
+                <a:solidFill>
+                  <a:schemeClr val="accent1">
+                    <a:lumMod val="75000"/>
+                  </a:schemeClr>
+                </a:solidFill>
+              </a:rPr>
+              <a:t>token</a:t>
+            </a:r>
+            <a:endParaRPr lang="fi-FI" sz="900" dirty="0"/>
+          </a:p>
+        </p:txBody>
+      </p:sp>
+      <p:sp>
+        <p:nvSpPr>
+          <p:cNvPr id="55" name="Rectangle 54">
+            <a:extLst>
+              <a:ext uri="{FF2B5EF4-FFF2-40B4-BE49-F238E27FC236}">
+                <a16:creationId xmlns:a16="http://schemas.microsoft.com/office/drawing/2014/main" id="{2BF9DD62-58AB-46CB-B016-4B26AB47C6DC}"/>
+              </a:ext>
+            </a:extLst>
+          </p:cNvPr>
+          <p:cNvSpPr/>
+          <p:nvPr/>
+        </p:nvSpPr>
+        <p:spPr>
+          <a:xfrm rot="20733921">
+            <a:off x="2727886" y="2276242"/>
+            <a:ext cx="1276311" cy="230832"/>
+          </a:xfrm>
+          <a:prstGeom prst="rect">
+            <a:avLst/>
+          </a:prstGeom>
+        </p:spPr>
+        <p:txBody>
+          <a:bodyPr wrap="square">
+            <a:spAutoFit/>
+          </a:bodyPr>
+          <a:lstStyle/>
+          <a:p>
+            <a:pPr algn="ctr"/>
+            <a:r>
+              <a:rPr lang="fi-FI" sz="900" dirty="0" err="1">
+                <a:solidFill>
+                  <a:schemeClr val="accent1">
+                    <a:lumMod val="75000"/>
+                  </a:schemeClr>
+                </a:solidFill>
+              </a:rPr>
+              <a:t>username</a:t>
+            </a:r>
+            <a:r>
+              <a:rPr lang="fi-FI" sz="900" dirty="0">
+                <a:solidFill>
+                  <a:schemeClr val="accent1">
+                    <a:lumMod val="75000"/>
+                  </a:schemeClr>
+                </a:solidFill>
+              </a:rPr>
+              <a:t>, </a:t>
+            </a:r>
+            <a:r>
+              <a:rPr lang="fi-FI" sz="900" dirty="0" err="1">
+                <a:solidFill>
+                  <a:schemeClr val="accent1">
+                    <a:lumMod val="75000"/>
+                  </a:schemeClr>
+                </a:solidFill>
+              </a:rPr>
+              <a:t>password</a:t>
+            </a:r>
+            <a:r>
+              <a:rPr lang="fi-FI" sz="900" dirty="0">
+                <a:solidFill>
+                  <a:schemeClr val="accent1">
+                    <a:lumMod val="75000"/>
+                  </a:schemeClr>
+                </a:solidFill>
+              </a:rPr>
+              <a:t> -&gt;</a:t>
+            </a:r>
+          </a:p>
+        </p:txBody>
+      </p:sp>
+      <p:cxnSp>
+        <p:nvCxnSpPr>
+          <p:cNvPr id="60" name="Straight Arrow Connector 59">
+            <a:extLst>
+              <a:ext uri="{FF2B5EF4-FFF2-40B4-BE49-F238E27FC236}">
+                <a16:creationId xmlns:a16="http://schemas.microsoft.com/office/drawing/2014/main" id="{2D5EA501-2E6D-4BA4-ACD5-D5C0371D1B06}"/>
+              </a:ext>
+            </a:extLst>
+          </p:cNvPr>
+          <p:cNvCxnSpPr>
+            <a:cxnSpLocks/>
+            <a:stCxn id="40" idx="1"/>
+            <a:endCxn id="58" idx="3"/>
+          </p:cNvCxnSpPr>
+          <p:nvPr/>
+        </p:nvCxnSpPr>
+        <p:spPr>
+          <a:xfrm flipH="1">
+            <a:off x="3660183" y="2764680"/>
+            <a:ext cx="829166" cy="275980"/>
+          </a:xfrm>
+          <a:prstGeom prst="straightConnector1">
+            <a:avLst/>
+          </a:prstGeom>
+          <a:ln>
+            <a:headEnd type="triangle"/>
+            <a:tailEnd type="none"/>
+          </a:ln>
+        </p:spPr>
+        <p:style>
+          <a:lnRef idx="1">
+            <a:schemeClr val="accent1"/>
+          </a:lnRef>
+          <a:fillRef idx="0">
+            <a:schemeClr val="accent1"/>
+          </a:fillRef>
+          <a:effectRef idx="0">
+            <a:schemeClr val="accent1"/>
+          </a:effectRef>
+          <a:fontRef idx="minor">
+            <a:schemeClr val="tx1"/>
+          </a:fontRef>
+        </p:style>
+      </p:cxnSp>
+      <p:sp>
+        <p:nvSpPr>
+          <p:cNvPr id="63" name="Rectangle 62">
+            <a:extLst>
+              <a:ext uri="{FF2B5EF4-FFF2-40B4-BE49-F238E27FC236}">
+                <a16:creationId xmlns:a16="http://schemas.microsoft.com/office/drawing/2014/main" id="{526B1860-AB8C-4C0E-A75E-3E0BE5D632D9}"/>
+              </a:ext>
+            </a:extLst>
+          </p:cNvPr>
+          <p:cNvSpPr/>
+          <p:nvPr/>
+        </p:nvSpPr>
+        <p:spPr>
+          <a:xfrm>
+            <a:off x="3670686" y="2971823"/>
+            <a:ext cx="752129" cy="707886"/>
+          </a:xfrm>
+          <a:prstGeom prst="rect">
+            <a:avLst/>
+          </a:prstGeom>
+        </p:spPr>
+        <p:txBody>
+          <a:bodyPr wrap="none">
+            <a:spAutoFit/>
+          </a:bodyPr>
+          <a:lstStyle/>
+          <a:p>
+            <a:r>
+              <a:rPr lang="fi-FI" sz="1000" dirty="0" err="1">
+                <a:solidFill>
+                  <a:schemeClr val="accent1">
+                    <a:lumMod val="75000"/>
+                  </a:schemeClr>
+                </a:solidFill>
+              </a:rPr>
+              <a:t>further</a:t>
+            </a:r>
+            <a:endParaRPr lang="fi-FI" sz="1000" dirty="0">
+              <a:solidFill>
+                <a:schemeClr val="accent1">
+                  <a:lumMod val="75000"/>
+                </a:schemeClr>
+              </a:solidFill>
+            </a:endParaRPr>
+          </a:p>
+          <a:p>
+            <a:r>
+              <a:rPr lang="fi-FI" sz="1000" dirty="0" err="1">
+                <a:solidFill>
+                  <a:schemeClr val="accent1">
+                    <a:lumMod val="75000"/>
+                  </a:schemeClr>
+                </a:solidFill>
+              </a:rPr>
+              <a:t>requests</a:t>
+            </a:r>
+            <a:endParaRPr lang="fi-FI" sz="1000" dirty="0">
+              <a:solidFill>
+                <a:schemeClr val="accent1">
+                  <a:lumMod val="75000"/>
+                </a:schemeClr>
+              </a:solidFill>
+            </a:endParaRPr>
+          </a:p>
+          <a:p>
+            <a:r>
+              <a:rPr lang="fi-FI" sz="1000" u="sng" dirty="0" err="1">
+                <a:solidFill>
+                  <a:schemeClr val="accent1">
+                    <a:lumMod val="75000"/>
+                  </a:schemeClr>
+                </a:solidFill>
+              </a:rPr>
+              <a:t>with</a:t>
+            </a:r>
+            <a:r>
+              <a:rPr lang="fi-FI" sz="1000" dirty="0">
+                <a:solidFill>
+                  <a:schemeClr val="accent1">
+                    <a:lumMod val="75000"/>
+                  </a:schemeClr>
+                </a:solidFill>
+              </a:rPr>
+              <a:t> </a:t>
+            </a:r>
+          </a:p>
+          <a:p>
+            <a:r>
+              <a:rPr lang="fi-FI" sz="1000" dirty="0" err="1">
+                <a:solidFill>
+                  <a:schemeClr val="accent1">
+                    <a:lumMod val="75000"/>
+                  </a:schemeClr>
+                </a:solidFill>
+              </a:rPr>
+              <a:t>auth</a:t>
+            </a:r>
+            <a:r>
+              <a:rPr lang="fi-FI" sz="1000" dirty="0">
+                <a:solidFill>
+                  <a:schemeClr val="accent1">
+                    <a:lumMod val="75000"/>
+                  </a:schemeClr>
+                </a:solidFill>
+              </a:rPr>
+              <a:t> </a:t>
+            </a:r>
+            <a:r>
+              <a:rPr lang="fi-FI" sz="1000" dirty="0" err="1">
+                <a:solidFill>
+                  <a:schemeClr val="accent1">
+                    <a:lumMod val="75000"/>
+                  </a:schemeClr>
+                </a:solidFill>
+              </a:rPr>
+              <a:t>token</a:t>
+            </a:r>
+            <a:endParaRPr lang="fi-FI" sz="1000" dirty="0"/>
+          </a:p>
+        </p:txBody>
+      </p:sp>
+      <p:cxnSp>
+        <p:nvCxnSpPr>
+          <p:cNvPr id="64" name="Straight Connector 63">
+            <a:extLst>
+              <a:ext uri="{FF2B5EF4-FFF2-40B4-BE49-F238E27FC236}">
+                <a16:creationId xmlns:a16="http://schemas.microsoft.com/office/drawing/2014/main" id="{3613D81F-960A-4354-A978-245362C379B4}"/>
+              </a:ext>
+            </a:extLst>
+          </p:cNvPr>
+          <p:cNvCxnSpPr>
+            <a:cxnSpLocks/>
+            <a:endCxn id="7" idx="3"/>
+          </p:cNvCxnSpPr>
+          <p:nvPr/>
+        </p:nvCxnSpPr>
+        <p:spPr>
+          <a:xfrm flipH="1">
+            <a:off x="961328" y="4297379"/>
+            <a:ext cx="1807989" cy="27836"/>
+          </a:xfrm>
+          <a:prstGeom prst="line">
+            <a:avLst/>
+          </a:prstGeom>
+          <a:ln w="12700">
+            <a:solidFill>
+              <a:schemeClr val="tx1"/>
+            </a:solidFill>
+            <a:prstDash val="solid"/>
+          </a:ln>
+        </p:spPr>
+        <p:style>
+          <a:lnRef idx="1">
+            <a:schemeClr val="accent1"/>
+          </a:lnRef>
+          <a:fillRef idx="0">
+            <a:schemeClr val="accent1"/>
+          </a:fillRef>
+          <a:effectRef idx="0">
+            <a:schemeClr val="accent1"/>
+          </a:effectRef>
+          <a:fontRef idx="minor">
+            <a:schemeClr val="tx1"/>
+          </a:fontRef>
+        </p:style>
+      </p:cxnSp>
+      <p:cxnSp>
+        <p:nvCxnSpPr>
+          <p:cNvPr id="67" name="Straight Connector 66">
+            <a:extLst>
+              <a:ext uri="{FF2B5EF4-FFF2-40B4-BE49-F238E27FC236}">
+                <a16:creationId xmlns:a16="http://schemas.microsoft.com/office/drawing/2014/main" id="{0F6259C2-58F7-4048-B3DB-1E21BDD8494D}"/>
+              </a:ext>
+            </a:extLst>
+          </p:cNvPr>
+          <p:cNvCxnSpPr>
+            <a:cxnSpLocks/>
+            <a:stCxn id="58" idx="0"/>
+            <a:endCxn id="5" idx="3"/>
+          </p:cNvCxnSpPr>
+          <p:nvPr/>
+        </p:nvCxnSpPr>
+        <p:spPr>
+          <a:xfrm flipH="1" flipV="1">
+            <a:off x="981857" y="2105766"/>
+            <a:ext cx="2356362" cy="657989"/>
+          </a:xfrm>
+          <a:prstGeom prst="line">
+            <a:avLst/>
+          </a:prstGeom>
+          <a:ln w="12700">
+            <a:solidFill>
+              <a:schemeClr val="tx1"/>
+            </a:solidFill>
+            <a:prstDash val="solid"/>
+          </a:ln>
+        </p:spPr>
+        <p:style>
+          <a:lnRef idx="1">
+            <a:schemeClr val="accent1"/>
+          </a:lnRef>
+          <a:fillRef idx="0">
+            <a:schemeClr val="accent1"/>
+          </a:fillRef>
+          <a:effectRef idx="0">
+            <a:schemeClr val="accent1"/>
+          </a:effectRef>
+          <a:fontRef idx="minor">
+            <a:schemeClr val="tx1"/>
+          </a:fontRef>
+        </p:style>
+      </p:cxnSp>
+      <p:cxnSp>
+        <p:nvCxnSpPr>
+          <p:cNvPr id="72" name="Straight Connector 71">
+            <a:extLst>
+              <a:ext uri="{FF2B5EF4-FFF2-40B4-BE49-F238E27FC236}">
+                <a16:creationId xmlns:a16="http://schemas.microsoft.com/office/drawing/2014/main" id="{7588F726-325B-403F-BEAA-209F8AE577CA}"/>
+              </a:ext>
+            </a:extLst>
+          </p:cNvPr>
+          <p:cNvCxnSpPr>
+            <a:cxnSpLocks/>
+            <a:endCxn id="5" idx="3"/>
+          </p:cNvCxnSpPr>
+          <p:nvPr/>
+        </p:nvCxnSpPr>
+        <p:spPr>
+          <a:xfrm flipH="1" flipV="1">
+            <a:off x="981857" y="2105766"/>
+            <a:ext cx="1821777" cy="1928367"/>
+          </a:xfrm>
+          <a:prstGeom prst="line">
+            <a:avLst/>
+          </a:prstGeom>
+          <a:ln w="12700">
+            <a:solidFill>
+              <a:schemeClr val="tx1"/>
+            </a:solidFill>
+            <a:prstDash val="solid"/>
+          </a:ln>
+        </p:spPr>
+        <p:style>
+          <a:lnRef idx="1">
+            <a:schemeClr val="accent1"/>
+          </a:lnRef>
+          <a:fillRef idx="0">
+            <a:schemeClr val="accent1"/>
+          </a:fillRef>
+          <a:effectRef idx="0">
+            <a:schemeClr val="accent1"/>
+          </a:effectRef>
+          <a:fontRef idx="minor">
+            <a:schemeClr val="tx1"/>
+          </a:fontRef>
+        </p:style>
+      </p:cxnSp>
+      <p:cxnSp>
+        <p:nvCxnSpPr>
+          <p:cNvPr id="76" name="Straight Arrow Connector 75">
+            <a:extLst>
+              <a:ext uri="{FF2B5EF4-FFF2-40B4-BE49-F238E27FC236}">
+                <a16:creationId xmlns:a16="http://schemas.microsoft.com/office/drawing/2014/main" id="{E602D8CD-0AEE-48AA-A899-D5442D06B4FD}"/>
+              </a:ext>
+            </a:extLst>
+          </p:cNvPr>
+          <p:cNvCxnSpPr>
+            <a:cxnSpLocks/>
+            <a:stCxn id="41" idx="1"/>
+            <a:endCxn id="87" idx="3"/>
+          </p:cNvCxnSpPr>
+          <p:nvPr/>
+        </p:nvCxnSpPr>
+        <p:spPr>
+          <a:xfrm flipH="1" flipV="1">
+            <a:off x="3716469" y="3122815"/>
+            <a:ext cx="772880" cy="127037"/>
+          </a:xfrm>
+          <a:prstGeom prst="straightConnector1">
+            <a:avLst/>
+          </a:prstGeom>
+          <a:ln>
+            <a:headEnd type="triangle"/>
+            <a:tailEnd type="none"/>
+          </a:ln>
+        </p:spPr>
+        <p:style>
+          <a:lnRef idx="1">
+            <a:schemeClr val="accent1"/>
+          </a:lnRef>
+          <a:fillRef idx="0">
+            <a:schemeClr val="accent1"/>
+          </a:fillRef>
+          <a:effectRef idx="0">
+            <a:schemeClr val="accent1"/>
+          </a:effectRef>
+          <a:fontRef idx="minor">
+            <a:schemeClr val="tx1"/>
+          </a:fontRef>
+        </p:style>
+      </p:cxnSp>
+      <p:cxnSp>
+        <p:nvCxnSpPr>
+          <p:cNvPr id="79" name="Straight Arrow Connector 78">
+            <a:extLst>
+              <a:ext uri="{FF2B5EF4-FFF2-40B4-BE49-F238E27FC236}">
+                <a16:creationId xmlns:a16="http://schemas.microsoft.com/office/drawing/2014/main" id="{582B6E4F-B1A8-4920-B2DC-2415B055A9C3}"/>
+              </a:ext>
+            </a:extLst>
+          </p:cNvPr>
+          <p:cNvCxnSpPr>
+            <a:cxnSpLocks/>
+            <a:stCxn id="42" idx="1"/>
+            <a:endCxn id="59" idx="3"/>
+          </p:cNvCxnSpPr>
+          <p:nvPr/>
+        </p:nvCxnSpPr>
+        <p:spPr>
+          <a:xfrm flipH="1">
+            <a:off x="3450536" y="3758153"/>
+            <a:ext cx="1041103" cy="428380"/>
+          </a:xfrm>
+          <a:prstGeom prst="straightConnector1">
+            <a:avLst/>
+          </a:prstGeom>
+          <a:ln>
+            <a:headEnd type="triangle"/>
+            <a:tailEnd type="none"/>
+          </a:ln>
+        </p:spPr>
+        <p:style>
+          <a:lnRef idx="1">
+            <a:schemeClr val="accent1"/>
+          </a:lnRef>
+          <a:fillRef idx="0">
+            <a:schemeClr val="accent1"/>
+          </a:fillRef>
+          <a:effectRef idx="0">
+            <a:schemeClr val="accent1"/>
+          </a:effectRef>
+          <a:fontRef idx="minor">
+            <a:schemeClr val="tx1"/>
+          </a:fontRef>
+        </p:style>
+      </p:cxnSp>
+      <p:cxnSp>
+        <p:nvCxnSpPr>
+          <p:cNvPr id="82" name="Straight Arrow Connector 81">
+            <a:extLst>
+              <a:ext uri="{FF2B5EF4-FFF2-40B4-BE49-F238E27FC236}">
+                <a16:creationId xmlns:a16="http://schemas.microsoft.com/office/drawing/2014/main" id="{9FDFFCF0-593D-4DCC-A433-B9103666E46E}"/>
+              </a:ext>
+            </a:extLst>
+          </p:cNvPr>
+          <p:cNvCxnSpPr>
+            <a:cxnSpLocks/>
+            <a:stCxn id="43" idx="1"/>
+            <a:endCxn id="86" idx="3"/>
+          </p:cNvCxnSpPr>
+          <p:nvPr/>
+        </p:nvCxnSpPr>
+        <p:spPr>
+          <a:xfrm flipH="1">
+            <a:off x="3517151" y="4243325"/>
+            <a:ext cx="972198" cy="26218"/>
+          </a:xfrm>
+          <a:prstGeom prst="straightConnector1">
+            <a:avLst/>
+          </a:prstGeom>
+          <a:ln>
+            <a:headEnd type="triangle"/>
+            <a:tailEnd type="none"/>
+          </a:ln>
+        </p:spPr>
+        <p:style>
+          <a:lnRef idx="1">
+            <a:schemeClr val="accent1"/>
+          </a:lnRef>
+          <a:fillRef idx="0">
+            <a:schemeClr val="accent1"/>
+          </a:fillRef>
+          <a:effectRef idx="0">
+            <a:schemeClr val="accent1"/>
+          </a:effectRef>
+          <a:fontRef idx="minor">
+            <a:schemeClr val="tx1"/>
+          </a:fontRef>
+        </p:style>
+      </p:cxnSp>
+      <p:sp>
+        <p:nvSpPr>
+          <p:cNvPr id="86" name="Rectangle 85">
+            <a:extLst>
+              <a:ext uri="{FF2B5EF4-FFF2-40B4-BE49-F238E27FC236}">
+                <a16:creationId xmlns:a16="http://schemas.microsoft.com/office/drawing/2014/main" id="{9B9EAF8A-F823-455C-902C-038FD937A0C0}"/>
+              </a:ext>
+            </a:extLst>
+          </p:cNvPr>
+          <p:cNvSpPr/>
+          <p:nvPr/>
+        </p:nvSpPr>
+        <p:spPr>
+          <a:xfrm>
+            <a:off x="2873222" y="3992638"/>
+            <a:ext cx="643929" cy="553810"/>
+          </a:xfrm>
+          <a:prstGeom prst="rect">
+            <a:avLst/>
+          </a:prstGeom>
+          <a:noFill/>
+        </p:spPr>
+        <p:style>
+          <a:lnRef idx="2">
+            <a:schemeClr val="accent1">
+              <a:shade val="50000"/>
+            </a:schemeClr>
+          </a:lnRef>
+          <a:fillRef idx="1">
+            <a:schemeClr val="accent1"/>
+          </a:fillRef>
+          <a:effectRef idx="0">
+            <a:schemeClr val="accent1"/>
+          </a:effectRef>
+          <a:fontRef idx="minor">
+            <a:schemeClr val="lt1"/>
+          </a:fontRef>
+        </p:style>
+        <p:txBody>
+          <a:bodyPr rtlCol="0" anchor="t" anchorCtr="0"/>
+          <a:lstStyle/>
+          <a:p>
+            <a:pPr algn="ctr"/>
+            <a:endParaRPr lang="fi-FI" sz="900" dirty="0">
+              <a:solidFill>
+                <a:schemeClr val="accent1">
+                  <a:lumMod val="75000"/>
+                </a:schemeClr>
+              </a:solidFill>
+            </a:endParaRPr>
+          </a:p>
+        </p:txBody>
+      </p:sp>
+      <p:sp>
+        <p:nvSpPr>
+          <p:cNvPr id="59" name="Rectangle 58">
+            <a:extLst>
+              <a:ext uri="{FF2B5EF4-FFF2-40B4-BE49-F238E27FC236}">
+                <a16:creationId xmlns:a16="http://schemas.microsoft.com/office/drawing/2014/main" id="{0643F229-2AE8-41A8-8F98-AB5ED6C2C3E0}"/>
+              </a:ext>
+            </a:extLst>
+          </p:cNvPr>
+          <p:cNvSpPr/>
+          <p:nvPr/>
+        </p:nvSpPr>
+        <p:spPr>
+          <a:xfrm>
+            <a:off x="2806607" y="3909628"/>
+            <a:ext cx="643929" cy="553810"/>
+          </a:xfrm>
+          <a:prstGeom prst="rect">
+            <a:avLst/>
+          </a:prstGeom>
+          <a:solidFill>
+            <a:schemeClr val="bg1"/>
+          </a:solidFill>
+        </p:spPr>
+        <p:style>
+          <a:lnRef idx="2">
+            <a:schemeClr val="accent1">
+              <a:shade val="50000"/>
+            </a:schemeClr>
+          </a:lnRef>
+          <a:fillRef idx="1">
+            <a:schemeClr val="accent1"/>
+          </a:fillRef>
+          <a:effectRef idx="0">
+            <a:schemeClr val="accent1"/>
+          </a:effectRef>
+          <a:fontRef idx="minor">
+            <a:schemeClr val="lt1"/>
+          </a:fontRef>
+        </p:style>
+        <p:txBody>
+          <a:bodyPr rtlCol="0" anchor="t" anchorCtr="0"/>
+          <a:lstStyle/>
+          <a:p>
+            <a:pPr algn="ctr"/>
+            <a:r>
+              <a:rPr lang="fi-FI" sz="900" dirty="0" err="1">
+                <a:solidFill>
+                  <a:schemeClr val="accent1">
+                    <a:lumMod val="75000"/>
+                  </a:schemeClr>
+                </a:solidFill>
+              </a:rPr>
+              <a:t>Worker</a:t>
+            </a:r>
+            <a:r>
+              <a:rPr lang="fi-FI" sz="900" dirty="0">
+                <a:solidFill>
+                  <a:schemeClr val="accent1">
+                    <a:lumMod val="75000"/>
+                  </a:schemeClr>
+                </a:solidFill>
+              </a:rPr>
+              <a:t> </a:t>
+            </a:r>
+            <a:r>
+              <a:rPr lang="fi-FI" sz="900" dirty="0" err="1">
+                <a:solidFill>
+                  <a:schemeClr val="accent1">
+                    <a:lumMod val="75000"/>
+                  </a:schemeClr>
+                </a:solidFill>
+              </a:rPr>
+              <a:t>views</a:t>
+            </a:r>
+            <a:endParaRPr lang="fi-FI" sz="900" dirty="0">
+              <a:solidFill>
+                <a:schemeClr val="accent1">
+                  <a:lumMod val="75000"/>
+                </a:schemeClr>
+              </a:solidFill>
+            </a:endParaRPr>
+          </a:p>
+        </p:txBody>
+      </p:sp>
+      <p:sp>
+        <p:nvSpPr>
+          <p:cNvPr id="87" name="Rectangle 86">
+            <a:extLst>
+              <a:ext uri="{FF2B5EF4-FFF2-40B4-BE49-F238E27FC236}">
+                <a16:creationId xmlns:a16="http://schemas.microsoft.com/office/drawing/2014/main" id="{42C8987B-52DB-4548-8D7F-B607B062E96B}"/>
+              </a:ext>
+            </a:extLst>
+          </p:cNvPr>
+          <p:cNvSpPr/>
+          <p:nvPr/>
+        </p:nvSpPr>
+        <p:spPr>
+          <a:xfrm>
+            <a:off x="3072540" y="2845910"/>
+            <a:ext cx="643929" cy="553810"/>
+          </a:xfrm>
+          <a:prstGeom prst="rect">
+            <a:avLst/>
+          </a:prstGeom>
+          <a:noFill/>
+        </p:spPr>
+        <p:style>
+          <a:lnRef idx="2">
+            <a:schemeClr val="accent1">
+              <a:shade val="50000"/>
+            </a:schemeClr>
+          </a:lnRef>
+          <a:fillRef idx="1">
+            <a:schemeClr val="accent1"/>
+          </a:fillRef>
+          <a:effectRef idx="0">
+            <a:schemeClr val="accent1"/>
+          </a:effectRef>
+          <a:fontRef idx="minor">
+            <a:schemeClr val="lt1"/>
+          </a:fontRef>
+        </p:style>
+        <p:txBody>
+          <a:bodyPr rtlCol="0" anchor="t" anchorCtr="0"/>
+          <a:lstStyle/>
+          <a:p>
+            <a:pPr algn="ctr"/>
+            <a:endParaRPr lang="fi-FI" sz="900" dirty="0">
+              <a:solidFill>
+                <a:schemeClr val="accent1">
+                  <a:lumMod val="75000"/>
+                </a:schemeClr>
+              </a:solidFill>
+            </a:endParaRPr>
+          </a:p>
+        </p:txBody>
+      </p:sp>
+      <p:sp>
+        <p:nvSpPr>
+          <p:cNvPr id="58" name="Rectangle 57">
+            <a:extLst>
+              <a:ext uri="{FF2B5EF4-FFF2-40B4-BE49-F238E27FC236}">
+                <a16:creationId xmlns:a16="http://schemas.microsoft.com/office/drawing/2014/main" id="{AC56DDB2-D7B8-494B-828F-1977388FC8F1}"/>
+              </a:ext>
+            </a:extLst>
+          </p:cNvPr>
+          <p:cNvSpPr/>
+          <p:nvPr/>
+        </p:nvSpPr>
+        <p:spPr>
+          <a:xfrm>
+            <a:off x="3016254" y="2763755"/>
+            <a:ext cx="643929" cy="553810"/>
+          </a:xfrm>
+          <a:prstGeom prst="rect">
+            <a:avLst/>
+          </a:prstGeom>
+          <a:solidFill>
+            <a:schemeClr val="bg1"/>
+          </a:solidFill>
+        </p:spPr>
+        <p:style>
+          <a:lnRef idx="2">
+            <a:schemeClr val="accent1">
+              <a:shade val="50000"/>
+            </a:schemeClr>
+          </a:lnRef>
+          <a:fillRef idx="1">
+            <a:schemeClr val="accent1"/>
+          </a:fillRef>
+          <a:effectRef idx="0">
+            <a:schemeClr val="accent1"/>
+          </a:effectRef>
+          <a:fontRef idx="minor">
+            <a:schemeClr val="lt1"/>
+          </a:fontRef>
+        </p:style>
+        <p:txBody>
+          <a:bodyPr rtlCol="0" anchor="t" anchorCtr="0"/>
+          <a:lstStyle/>
+          <a:p>
+            <a:pPr algn="ctr"/>
+            <a:r>
+              <a:rPr lang="fi-FI" sz="900" dirty="0" err="1">
+                <a:solidFill>
+                  <a:schemeClr val="accent1">
+                    <a:lumMod val="75000"/>
+                  </a:schemeClr>
+                </a:solidFill>
+              </a:rPr>
+              <a:t>Admin</a:t>
+            </a:r>
+            <a:r>
+              <a:rPr lang="fi-FI" sz="900" dirty="0">
+                <a:solidFill>
+                  <a:schemeClr val="accent1">
+                    <a:lumMod val="75000"/>
+                  </a:schemeClr>
+                </a:solidFill>
+              </a:rPr>
+              <a:t> </a:t>
+            </a:r>
+            <a:r>
+              <a:rPr lang="fi-FI" sz="900" dirty="0" err="1">
+                <a:solidFill>
+                  <a:schemeClr val="accent1">
+                    <a:lumMod val="75000"/>
+                  </a:schemeClr>
+                </a:solidFill>
+              </a:rPr>
+              <a:t>views</a:t>
+            </a:r>
+            <a:endParaRPr lang="fi-FI" sz="900" dirty="0">
+              <a:solidFill>
+                <a:schemeClr val="accent1">
+                  <a:lumMod val="75000"/>
+                </a:schemeClr>
+              </a:solidFill>
+            </a:endParaRPr>
+          </a:p>
+        </p:txBody>
+      </p:sp>
+      <p:cxnSp>
+        <p:nvCxnSpPr>
+          <p:cNvPr id="88" name="Straight Arrow Connector 87">
+            <a:extLst>
+              <a:ext uri="{FF2B5EF4-FFF2-40B4-BE49-F238E27FC236}">
+                <a16:creationId xmlns:a16="http://schemas.microsoft.com/office/drawing/2014/main" id="{09C65857-3425-467D-B14C-221D52AA5FA5}"/>
+              </a:ext>
+            </a:extLst>
+          </p:cNvPr>
+          <p:cNvCxnSpPr>
+            <a:cxnSpLocks/>
+            <a:endCxn id="53" idx="2"/>
+          </p:cNvCxnSpPr>
+          <p:nvPr/>
+        </p:nvCxnSpPr>
+        <p:spPr>
+          <a:xfrm flipH="1" flipV="1">
+            <a:off x="6432078" y="2488119"/>
+            <a:ext cx="1056592" cy="609692"/>
+          </a:xfrm>
+          <a:prstGeom prst="straightConnector1">
+            <a:avLst/>
+          </a:prstGeom>
+          <a:ln>
+            <a:headEnd type="triangle"/>
+            <a:tailEnd type="none"/>
+          </a:ln>
+        </p:spPr>
+        <p:style>
+          <a:lnRef idx="1">
+            <a:schemeClr val="accent1"/>
+          </a:lnRef>
+          <a:fillRef idx="0">
+            <a:schemeClr val="accent1"/>
+          </a:fillRef>
+          <a:effectRef idx="0">
+            <a:schemeClr val="accent1"/>
+          </a:effectRef>
+          <a:fontRef idx="minor">
+            <a:schemeClr val="tx1"/>
+          </a:fontRef>
+        </p:style>
+      </p:cxnSp>
+      <p:cxnSp>
+        <p:nvCxnSpPr>
+          <p:cNvPr id="91" name="Straight Arrow Connector 90">
+            <a:extLst>
+              <a:ext uri="{FF2B5EF4-FFF2-40B4-BE49-F238E27FC236}">
+                <a16:creationId xmlns:a16="http://schemas.microsoft.com/office/drawing/2014/main" id="{16C9B961-2172-4D23-A17C-F881D1FF6224}"/>
+              </a:ext>
+            </a:extLst>
+          </p:cNvPr>
+          <p:cNvCxnSpPr>
+            <a:cxnSpLocks/>
+          </p:cNvCxnSpPr>
+          <p:nvPr/>
+        </p:nvCxnSpPr>
+        <p:spPr>
+          <a:xfrm flipH="1" flipV="1">
+            <a:off x="6574487" y="3045621"/>
+            <a:ext cx="895182" cy="166679"/>
+          </a:xfrm>
+          <a:prstGeom prst="straightConnector1">
+            <a:avLst/>
+          </a:prstGeom>
+          <a:ln>
+            <a:headEnd type="triangle"/>
+            <a:tailEnd type="none"/>
+          </a:ln>
+        </p:spPr>
+        <p:style>
+          <a:lnRef idx="1">
+            <a:schemeClr val="accent1"/>
+          </a:lnRef>
+          <a:fillRef idx="0">
+            <a:schemeClr val="accent1"/>
+          </a:fillRef>
+          <a:effectRef idx="0">
+            <a:schemeClr val="accent1"/>
+          </a:effectRef>
+          <a:fontRef idx="minor">
+            <a:schemeClr val="tx1"/>
+          </a:fontRef>
+        </p:style>
+      </p:cxnSp>
+      <p:sp>
+        <p:nvSpPr>
+          <p:cNvPr id="112" name="Rectangle 111">
+            <a:extLst>
+              <a:ext uri="{FF2B5EF4-FFF2-40B4-BE49-F238E27FC236}">
+                <a16:creationId xmlns:a16="http://schemas.microsoft.com/office/drawing/2014/main" id="{14368FEE-80CF-4A97-ADEA-6B0A418646A9}"/>
+              </a:ext>
+            </a:extLst>
+          </p:cNvPr>
+          <p:cNvSpPr/>
+          <p:nvPr/>
+        </p:nvSpPr>
+        <p:spPr>
+          <a:xfrm>
+            <a:off x="8374875" y="1767525"/>
+            <a:ext cx="744113" cy="507831"/>
+          </a:xfrm>
+          <a:prstGeom prst="rect">
+            <a:avLst/>
+          </a:prstGeom>
+        </p:spPr>
+        <p:txBody>
+          <a:bodyPr wrap="none">
+            <a:spAutoFit/>
+          </a:bodyPr>
+          <a:lstStyle/>
+          <a:p>
+            <a:pPr algn="ctr"/>
+            <a:r>
+              <a:rPr lang="fi-FI" sz="900" dirty="0">
+                <a:solidFill>
+                  <a:schemeClr val="accent1">
+                    <a:lumMod val="75000"/>
+                  </a:schemeClr>
+                </a:solidFill>
+              </a:rPr>
+              <a:t>DB </a:t>
+            </a:r>
+            <a:r>
+              <a:rPr lang="fi-FI" sz="900" dirty="0" err="1">
+                <a:solidFill>
+                  <a:schemeClr val="accent1">
+                    <a:lumMod val="75000"/>
+                  </a:schemeClr>
+                </a:solidFill>
+              </a:rPr>
+              <a:t>roles</a:t>
+            </a:r>
+            <a:endParaRPr lang="fi-FI" sz="900" dirty="0">
+              <a:solidFill>
+                <a:schemeClr val="accent1">
+                  <a:lumMod val="75000"/>
+                </a:schemeClr>
+              </a:solidFill>
+            </a:endParaRPr>
+          </a:p>
+          <a:p>
+            <a:pPr algn="ctr"/>
+            <a:r>
+              <a:rPr lang="fi-FI" sz="900" dirty="0">
+                <a:solidFill>
+                  <a:schemeClr val="accent1">
+                    <a:lumMod val="75000"/>
+                  </a:schemeClr>
+                </a:solidFill>
+              </a:rPr>
+              <a:t>(</a:t>
+            </a:r>
+            <a:r>
+              <a:rPr lang="fi-FI" sz="900" dirty="0" err="1">
+                <a:solidFill>
+                  <a:schemeClr val="accent1">
+                    <a:lumMod val="75000"/>
+                  </a:schemeClr>
+                </a:solidFill>
+              </a:rPr>
+              <a:t>not</a:t>
+            </a:r>
+            <a:r>
+              <a:rPr lang="fi-FI" sz="900" dirty="0">
+                <a:solidFill>
+                  <a:schemeClr val="accent1">
+                    <a:lumMod val="75000"/>
+                  </a:schemeClr>
+                </a:solidFill>
+              </a:rPr>
+              <a:t> </a:t>
+            </a:r>
+            <a:r>
+              <a:rPr lang="fi-FI" sz="900" dirty="0" err="1">
+                <a:solidFill>
+                  <a:schemeClr val="accent1">
+                    <a:lumMod val="75000"/>
+                  </a:schemeClr>
+                </a:solidFill>
+              </a:rPr>
+              <a:t>used</a:t>
+            </a:r>
+            <a:r>
+              <a:rPr lang="fi-FI" sz="900" dirty="0">
+                <a:solidFill>
+                  <a:schemeClr val="accent1">
+                    <a:lumMod val="75000"/>
+                  </a:schemeClr>
+                </a:solidFill>
+              </a:rPr>
+              <a:t> in</a:t>
+            </a:r>
+          </a:p>
+          <a:p>
+            <a:pPr algn="ctr"/>
+            <a:r>
+              <a:rPr lang="fi-FI" sz="900" dirty="0" err="1">
+                <a:solidFill>
+                  <a:schemeClr val="accent1">
+                    <a:lumMod val="75000"/>
+                  </a:schemeClr>
+                </a:solidFill>
+              </a:rPr>
+              <a:t>this</a:t>
+            </a:r>
+            <a:r>
+              <a:rPr lang="fi-FI" sz="900" dirty="0">
+                <a:solidFill>
+                  <a:schemeClr val="accent1">
+                    <a:lumMod val="75000"/>
+                  </a:schemeClr>
+                </a:solidFill>
+              </a:rPr>
+              <a:t> case)</a:t>
+            </a:r>
+          </a:p>
+        </p:txBody>
+      </p:sp>
+      <p:sp>
+        <p:nvSpPr>
+          <p:cNvPr id="113" name="Rectangle 112">
+            <a:extLst>
+              <a:ext uri="{FF2B5EF4-FFF2-40B4-BE49-F238E27FC236}">
+                <a16:creationId xmlns:a16="http://schemas.microsoft.com/office/drawing/2014/main" id="{45E293EA-EBAE-482D-B7C8-9FE88174BC11}"/>
+              </a:ext>
+            </a:extLst>
+          </p:cNvPr>
+          <p:cNvSpPr/>
+          <p:nvPr/>
+        </p:nvSpPr>
+        <p:spPr>
+          <a:xfrm>
+            <a:off x="9714180" y="1679915"/>
+            <a:ext cx="744114" cy="507831"/>
+          </a:xfrm>
+          <a:prstGeom prst="rect">
+            <a:avLst/>
+          </a:prstGeom>
+        </p:spPr>
+        <p:txBody>
+          <a:bodyPr wrap="none">
+            <a:spAutoFit/>
+          </a:bodyPr>
+          <a:lstStyle/>
+          <a:p>
+            <a:pPr algn="ctr"/>
+            <a:r>
+              <a:rPr lang="fi-FI" sz="900" dirty="0">
+                <a:solidFill>
+                  <a:schemeClr val="accent1">
+                    <a:lumMod val="75000"/>
+                  </a:schemeClr>
+                </a:solidFill>
+              </a:rPr>
+              <a:t>DB </a:t>
+            </a:r>
+            <a:r>
+              <a:rPr lang="fi-FI" sz="900" dirty="0" err="1">
+                <a:solidFill>
+                  <a:schemeClr val="accent1">
+                    <a:lumMod val="75000"/>
+                  </a:schemeClr>
+                </a:solidFill>
+              </a:rPr>
+              <a:t>views</a:t>
+            </a:r>
+            <a:endParaRPr lang="fi-FI" sz="900" dirty="0">
+              <a:solidFill>
+                <a:schemeClr val="accent1">
+                  <a:lumMod val="75000"/>
+                </a:schemeClr>
+              </a:solidFill>
+            </a:endParaRPr>
+          </a:p>
+          <a:p>
+            <a:pPr algn="ctr"/>
+            <a:r>
+              <a:rPr lang="fi-FI" sz="900" dirty="0">
+                <a:solidFill>
+                  <a:schemeClr val="accent1">
+                    <a:lumMod val="75000"/>
+                  </a:schemeClr>
+                </a:solidFill>
+              </a:rPr>
+              <a:t>(</a:t>
+            </a:r>
+            <a:r>
+              <a:rPr lang="fi-FI" sz="900" dirty="0" err="1">
+                <a:solidFill>
+                  <a:schemeClr val="accent1">
+                    <a:lumMod val="75000"/>
+                  </a:schemeClr>
+                </a:solidFill>
+              </a:rPr>
+              <a:t>not</a:t>
+            </a:r>
+            <a:r>
+              <a:rPr lang="fi-FI" sz="900" dirty="0">
+                <a:solidFill>
+                  <a:schemeClr val="accent1">
+                    <a:lumMod val="75000"/>
+                  </a:schemeClr>
+                </a:solidFill>
+              </a:rPr>
+              <a:t> </a:t>
+            </a:r>
+            <a:r>
+              <a:rPr lang="fi-FI" sz="900" dirty="0" err="1">
+                <a:solidFill>
+                  <a:schemeClr val="accent1">
+                    <a:lumMod val="75000"/>
+                  </a:schemeClr>
+                </a:solidFill>
+              </a:rPr>
+              <a:t>used</a:t>
+            </a:r>
+            <a:r>
+              <a:rPr lang="fi-FI" sz="900" dirty="0">
+                <a:solidFill>
+                  <a:schemeClr val="accent1">
+                    <a:lumMod val="75000"/>
+                  </a:schemeClr>
+                </a:solidFill>
+              </a:rPr>
+              <a:t> in</a:t>
+            </a:r>
+          </a:p>
+          <a:p>
+            <a:pPr algn="ctr"/>
+            <a:r>
+              <a:rPr lang="fi-FI" sz="900" dirty="0" err="1">
+                <a:solidFill>
+                  <a:schemeClr val="accent1">
+                    <a:lumMod val="75000"/>
+                  </a:schemeClr>
+                </a:solidFill>
+              </a:rPr>
+              <a:t>this</a:t>
+            </a:r>
+            <a:r>
+              <a:rPr lang="fi-FI" sz="900" dirty="0">
+                <a:solidFill>
+                  <a:schemeClr val="accent1">
+                    <a:lumMod val="75000"/>
+                  </a:schemeClr>
+                </a:solidFill>
+              </a:rPr>
+              <a:t> case)</a:t>
+            </a:r>
+          </a:p>
+        </p:txBody>
+      </p:sp>
+      <p:sp>
+        <p:nvSpPr>
+          <p:cNvPr id="114" name="Rectangle 113">
+            <a:extLst>
+              <a:ext uri="{FF2B5EF4-FFF2-40B4-BE49-F238E27FC236}">
+                <a16:creationId xmlns:a16="http://schemas.microsoft.com/office/drawing/2014/main" id="{B5BA75AE-A5AB-4CD2-B0FD-B8B7D522A30A}"/>
+              </a:ext>
+            </a:extLst>
+          </p:cNvPr>
+          <p:cNvSpPr/>
+          <p:nvPr/>
+        </p:nvSpPr>
+        <p:spPr>
+          <a:xfrm>
+            <a:off x="10881665" y="1665416"/>
+            <a:ext cx="627095" cy="230832"/>
+          </a:xfrm>
+          <a:prstGeom prst="rect">
+            <a:avLst/>
+          </a:prstGeom>
+        </p:spPr>
+        <p:txBody>
+          <a:bodyPr wrap="none">
+            <a:spAutoFit/>
+          </a:bodyPr>
+          <a:lstStyle/>
+          <a:p>
+            <a:pPr algn="ctr"/>
+            <a:r>
+              <a:rPr lang="fi-FI" sz="900" dirty="0">
+                <a:solidFill>
+                  <a:schemeClr val="accent1">
+                    <a:lumMod val="75000"/>
+                  </a:schemeClr>
+                </a:solidFill>
+              </a:rPr>
+              <a:t>DB </a:t>
+            </a:r>
+            <a:r>
+              <a:rPr lang="fi-FI" sz="900" dirty="0" err="1">
+                <a:solidFill>
+                  <a:schemeClr val="accent1">
+                    <a:lumMod val="75000"/>
+                  </a:schemeClr>
+                </a:solidFill>
+              </a:rPr>
+              <a:t>tables</a:t>
+            </a:r>
+            <a:endParaRPr lang="fi-FI" sz="900" dirty="0">
+              <a:solidFill>
+                <a:schemeClr val="accent1">
+                  <a:lumMod val="75000"/>
+                </a:schemeClr>
+              </a:solidFill>
+            </a:endParaRPr>
+          </a:p>
+        </p:txBody>
+      </p:sp>
+      <p:sp>
+        <p:nvSpPr>
+          <p:cNvPr id="138" name="Rectangle 137">
+            <a:extLst>
+              <a:ext uri="{FF2B5EF4-FFF2-40B4-BE49-F238E27FC236}">
+                <a16:creationId xmlns:a16="http://schemas.microsoft.com/office/drawing/2014/main" id="{AFF915AB-E5C1-4BD6-89EA-103F944B8298}"/>
+              </a:ext>
+            </a:extLst>
+          </p:cNvPr>
+          <p:cNvSpPr/>
+          <p:nvPr/>
+        </p:nvSpPr>
+        <p:spPr>
+          <a:xfrm>
+            <a:off x="10931652" y="2386436"/>
+            <a:ext cx="643929" cy="349483"/>
+          </a:xfrm>
+          <a:prstGeom prst="rect">
+            <a:avLst/>
+          </a:prstGeom>
+          <a:solidFill>
+            <a:schemeClr val="bg1"/>
+          </a:solidFill>
+        </p:spPr>
+        <p:style>
+          <a:lnRef idx="2">
+            <a:schemeClr val="accent1">
+              <a:shade val="50000"/>
+            </a:schemeClr>
+          </a:lnRef>
+          <a:fillRef idx="1">
+            <a:schemeClr val="accent1"/>
+          </a:fillRef>
+          <a:effectRef idx="0">
+            <a:schemeClr val="accent1"/>
+          </a:effectRef>
+          <a:fontRef idx="minor">
+            <a:schemeClr val="lt1"/>
+          </a:fontRef>
+        </p:style>
+        <p:txBody>
+          <a:bodyPr rtlCol="0" anchor="t" anchorCtr="0"/>
+          <a:lstStyle/>
+          <a:p>
+            <a:pPr algn="ctr"/>
+            <a:r>
+              <a:rPr lang="fi-FI" sz="900" dirty="0">
+                <a:solidFill>
+                  <a:schemeClr val="accent1">
+                    <a:lumMod val="75000"/>
+                  </a:schemeClr>
+                </a:solidFill>
+              </a:rPr>
+              <a:t>SQL data </a:t>
+            </a:r>
+            <a:r>
+              <a:rPr lang="fi-FI" sz="900" dirty="0" err="1">
+                <a:solidFill>
+                  <a:schemeClr val="accent1">
+                    <a:lumMod val="75000"/>
+                  </a:schemeClr>
+                </a:solidFill>
+              </a:rPr>
+              <a:t>table</a:t>
+            </a:r>
+            <a:endParaRPr lang="fi-FI" sz="900" dirty="0">
+              <a:solidFill>
+                <a:schemeClr val="accent1">
+                  <a:lumMod val="75000"/>
+                </a:schemeClr>
+              </a:solidFill>
+            </a:endParaRPr>
+          </a:p>
+        </p:txBody>
+      </p:sp>
+      <p:cxnSp>
+        <p:nvCxnSpPr>
+          <p:cNvPr id="139" name="Straight Connector 138">
+            <a:extLst>
+              <a:ext uri="{FF2B5EF4-FFF2-40B4-BE49-F238E27FC236}">
+                <a16:creationId xmlns:a16="http://schemas.microsoft.com/office/drawing/2014/main" id="{B3F427B5-7934-42F6-A2D2-89E7C898C536}"/>
+              </a:ext>
+            </a:extLst>
+          </p:cNvPr>
+          <p:cNvCxnSpPr>
+            <a:cxnSpLocks/>
+            <a:stCxn id="138" idx="1"/>
+            <a:endCxn id="22" idx="3"/>
+          </p:cNvCxnSpPr>
+          <p:nvPr/>
+        </p:nvCxnSpPr>
+        <p:spPr>
+          <a:xfrm flipH="1">
+            <a:off x="8609592" y="2561178"/>
+            <a:ext cx="2322060" cy="654537"/>
+          </a:xfrm>
+          <a:prstGeom prst="line">
+            <a:avLst/>
+          </a:prstGeom>
+          <a:ln w="12700">
+            <a:solidFill>
+              <a:schemeClr val="tx1"/>
+            </a:solidFill>
+          </a:ln>
+        </p:spPr>
+        <p:style>
+          <a:lnRef idx="1">
+            <a:schemeClr val="accent1"/>
+          </a:lnRef>
+          <a:fillRef idx="0">
+            <a:schemeClr val="accent1"/>
+          </a:fillRef>
+          <a:effectRef idx="0">
+            <a:schemeClr val="accent1"/>
+          </a:effectRef>
+          <a:fontRef idx="minor">
+            <a:schemeClr val="tx1"/>
+          </a:fontRef>
+        </p:style>
+      </p:cxnSp>
+      <p:sp>
+        <p:nvSpPr>
+          <p:cNvPr id="151" name="Rectangle 150">
+            <a:extLst>
+              <a:ext uri="{FF2B5EF4-FFF2-40B4-BE49-F238E27FC236}">
+                <a16:creationId xmlns:a16="http://schemas.microsoft.com/office/drawing/2014/main" id="{F7BD0289-C7EA-4854-A629-E60CF357FF92}"/>
+              </a:ext>
+            </a:extLst>
+          </p:cNvPr>
+          <p:cNvSpPr/>
+          <p:nvPr/>
+        </p:nvSpPr>
+        <p:spPr>
+          <a:xfrm rot="20393708">
+            <a:off x="9945518" y="2548130"/>
+            <a:ext cx="452368" cy="230832"/>
+          </a:xfrm>
+          <a:prstGeom prst="rect">
+            <a:avLst/>
+          </a:prstGeom>
+        </p:spPr>
+        <p:txBody>
+          <a:bodyPr wrap="square">
+            <a:spAutoFit/>
+          </a:bodyPr>
+          <a:lstStyle/>
+          <a:p>
+            <a:pPr algn="ctr"/>
+            <a:r>
+              <a:rPr lang="fi-FI" sz="900" dirty="0">
+                <a:solidFill>
+                  <a:schemeClr val="accent1">
+                    <a:lumMod val="75000"/>
+                  </a:schemeClr>
+                </a:solidFill>
+              </a:rPr>
+              <a:t>CRUD</a:t>
+            </a:r>
+          </a:p>
+        </p:txBody>
+      </p:sp>
+      <p:pic>
+        <p:nvPicPr>
+          <p:cNvPr id="157" name="Graphic 156" descr="Tools">
+            <a:extLst>
+              <a:ext uri="{FF2B5EF4-FFF2-40B4-BE49-F238E27FC236}">
+                <a16:creationId xmlns:a16="http://schemas.microsoft.com/office/drawing/2014/main" id="{B4AE128E-33C6-414C-A7A0-0AFEFBD643B3}"/>
+              </a:ext>
+            </a:extLst>
+          </p:cNvPr>
+          <p:cNvPicPr>
+            <a:picLocks noChangeAspect="1"/>
+          </p:cNvPicPr>
+          <p:nvPr/>
+        </p:nvPicPr>
+        <p:blipFill>
+          <a:blip r:embed="rId6">
+            <a:extLst>
+              <a:ext uri="{28A0092B-C50C-407E-A947-70E740481C1C}">
+                <a14:useLocalDpi xmlns:a14="http://schemas.microsoft.com/office/drawing/2010/main" val="0"/>
+              </a:ext>
+              <a:ext uri="{96DAC541-7B7A-43D3-8B79-37D633B846F1}">
+                <asvg:svgBlip xmlns:asvg="http://schemas.microsoft.com/office/drawing/2016/SVG/main" r:embed="rId7"/>
+              </a:ext>
+            </a:extLst>
+          </a:blip>
+          <a:stretch>
+            <a:fillRect/>
+          </a:stretch>
+        </p:blipFill>
+        <p:spPr>
+          <a:xfrm>
+            <a:off x="6393564" y="5685020"/>
+            <a:ext cx="632580" cy="632580"/>
+          </a:xfrm>
+          <a:prstGeom prst="rect">
+            <a:avLst/>
+          </a:prstGeom>
+        </p:spPr>
+      </p:pic>
+      <p:sp>
+        <p:nvSpPr>
+          <p:cNvPr id="158" name="Rectangle 157">
+            <a:extLst>
+              <a:ext uri="{FF2B5EF4-FFF2-40B4-BE49-F238E27FC236}">
+                <a16:creationId xmlns:a16="http://schemas.microsoft.com/office/drawing/2014/main" id="{D5FCC5C8-1931-43C3-96C7-D0C46EFD3130}"/>
+              </a:ext>
+            </a:extLst>
+          </p:cNvPr>
+          <p:cNvSpPr/>
+          <p:nvPr/>
+        </p:nvSpPr>
+        <p:spPr>
+          <a:xfrm>
+            <a:off x="3929143" y="6296267"/>
+            <a:ext cx="6128665" cy="369332"/>
+          </a:xfrm>
+          <a:prstGeom prst="rect">
+            <a:avLst/>
+          </a:prstGeom>
+        </p:spPr>
+        <p:txBody>
+          <a:bodyPr wrap="none">
+            <a:spAutoFit/>
+          </a:bodyPr>
+          <a:lstStyle/>
+          <a:p>
+            <a:r>
+              <a:rPr lang="fi-FI" dirty="0">
+                <a:solidFill>
+                  <a:schemeClr val="accent1">
+                    <a:lumMod val="75000"/>
+                  </a:schemeClr>
+                </a:solidFill>
+              </a:rPr>
+              <a:t>Some </a:t>
+            </a:r>
+            <a:r>
+              <a:rPr lang="fi-FI" dirty="0" err="1">
+                <a:solidFill>
+                  <a:schemeClr val="accent1">
+                    <a:lumMod val="75000"/>
+                  </a:schemeClr>
+                </a:solidFill>
+              </a:rPr>
+              <a:t>developer</a:t>
+            </a:r>
+            <a:r>
+              <a:rPr lang="fi-FI" dirty="0">
+                <a:solidFill>
+                  <a:schemeClr val="accent1">
+                    <a:lumMod val="75000"/>
+                  </a:schemeClr>
+                </a:solidFill>
+              </a:rPr>
+              <a:t> </a:t>
+            </a:r>
+            <a:r>
+              <a:rPr lang="fi-FI" dirty="0" err="1">
+                <a:solidFill>
+                  <a:schemeClr val="accent1">
+                    <a:lumMod val="75000"/>
+                  </a:schemeClr>
+                </a:solidFill>
+              </a:rPr>
+              <a:t>building</a:t>
+            </a:r>
+            <a:r>
+              <a:rPr lang="fi-FI" dirty="0">
+                <a:solidFill>
+                  <a:schemeClr val="accent1">
+                    <a:lumMod val="75000"/>
+                  </a:schemeClr>
+                </a:solidFill>
+              </a:rPr>
+              <a:t>/</a:t>
+            </a:r>
+            <a:r>
+              <a:rPr lang="fi-FI" dirty="0" err="1">
+                <a:solidFill>
+                  <a:schemeClr val="accent1">
+                    <a:lumMod val="75000"/>
+                  </a:schemeClr>
+                </a:solidFill>
+              </a:rPr>
+              <a:t>maintaining</a:t>
+            </a:r>
+            <a:r>
+              <a:rPr lang="fi-FI" dirty="0">
+                <a:solidFill>
+                  <a:schemeClr val="accent1">
+                    <a:lumMod val="75000"/>
+                  </a:schemeClr>
+                </a:solidFill>
+              </a:rPr>
+              <a:t> DB and DB </a:t>
+            </a:r>
+            <a:r>
+              <a:rPr lang="fi-FI" dirty="0" err="1">
+                <a:solidFill>
+                  <a:schemeClr val="accent1">
+                    <a:lumMod val="75000"/>
+                  </a:schemeClr>
+                </a:solidFill>
+              </a:rPr>
+              <a:t>logins</a:t>
+            </a:r>
+            <a:r>
+              <a:rPr lang="fi-FI" dirty="0">
+                <a:solidFill>
+                  <a:schemeClr val="accent1">
+                    <a:lumMod val="75000"/>
+                  </a:schemeClr>
+                </a:solidFill>
+              </a:rPr>
+              <a:t> </a:t>
+            </a:r>
+            <a:r>
+              <a:rPr lang="fi-FI" dirty="0" err="1">
+                <a:solidFill>
+                  <a:schemeClr val="accent1">
+                    <a:lumMod val="75000"/>
+                  </a:schemeClr>
+                </a:solidFill>
+              </a:rPr>
+              <a:t>directly</a:t>
+            </a:r>
+            <a:endParaRPr lang="fi-FI" dirty="0"/>
+          </a:p>
+        </p:txBody>
+      </p:sp>
+      <p:cxnSp>
+        <p:nvCxnSpPr>
+          <p:cNvPr id="159" name="Straight Arrow Connector 158">
+            <a:extLst>
+              <a:ext uri="{FF2B5EF4-FFF2-40B4-BE49-F238E27FC236}">
+                <a16:creationId xmlns:a16="http://schemas.microsoft.com/office/drawing/2014/main" id="{7CD999BF-1604-4D29-8CF2-FA5AADB79720}"/>
+              </a:ext>
+            </a:extLst>
+          </p:cNvPr>
+          <p:cNvCxnSpPr>
+            <a:cxnSpLocks/>
+            <a:stCxn id="24" idx="1"/>
+            <a:endCxn id="157" idx="3"/>
+          </p:cNvCxnSpPr>
+          <p:nvPr/>
+        </p:nvCxnSpPr>
+        <p:spPr>
+          <a:xfrm flipH="1">
+            <a:off x="7026144" y="5562592"/>
+            <a:ext cx="479143" cy="438718"/>
+          </a:xfrm>
+          <a:prstGeom prst="straightConnector1">
+            <a:avLst/>
+          </a:prstGeom>
+          <a:ln>
+            <a:headEnd type="triangle"/>
+            <a:tailEnd type="none"/>
+          </a:ln>
+        </p:spPr>
+        <p:style>
+          <a:lnRef idx="1">
+            <a:schemeClr val="accent1"/>
+          </a:lnRef>
+          <a:fillRef idx="0">
+            <a:schemeClr val="accent1"/>
+          </a:fillRef>
+          <a:effectRef idx="0">
+            <a:schemeClr val="accent1"/>
+          </a:effectRef>
+          <a:fontRef idx="minor">
+            <a:schemeClr val="tx1"/>
+          </a:fontRef>
+        </p:style>
+      </p:cxnSp>
+      <p:graphicFrame>
+        <p:nvGraphicFramePr>
+          <p:cNvPr id="162" name="Table 161">
+            <a:extLst>
+              <a:ext uri="{FF2B5EF4-FFF2-40B4-BE49-F238E27FC236}">
+                <a16:creationId xmlns:a16="http://schemas.microsoft.com/office/drawing/2014/main" id="{BCD6990A-5C9A-495B-BFAF-EED094E8A7F1}"/>
+              </a:ext>
+            </a:extLst>
+          </p:cNvPr>
+          <p:cNvGraphicFramePr>
+            <a:graphicFrameLocks noGrp="1"/>
+          </p:cNvGraphicFramePr>
+          <p:nvPr/>
+        </p:nvGraphicFramePr>
+        <p:xfrm>
+          <a:off x="8229600" y="4445877"/>
+          <a:ext cx="3438207" cy="655862"/>
+        </p:xfrm>
+        <a:graphic>
+          <a:graphicData uri="http://schemas.openxmlformats.org/drawingml/2006/table">
+            <a:tbl>
+              <a:tblPr firstRow="1" bandRow="1">
+                <a:tableStyleId>{5940675A-B579-460E-94D1-54222C63F5DA}</a:tableStyleId>
+              </a:tblPr>
+              <a:tblGrid>
+                <a:gridCol w="441643">
+                  <a:extLst>
+                    <a:ext uri="{9D8B030D-6E8A-4147-A177-3AD203B41FA5}">
+                      <a16:colId xmlns:a16="http://schemas.microsoft.com/office/drawing/2014/main" val="2390664011"/>
+                    </a:ext>
+                  </a:extLst>
+                </a:gridCol>
+                <a:gridCol w="711791">
+                  <a:extLst>
+                    <a:ext uri="{9D8B030D-6E8A-4147-A177-3AD203B41FA5}">
+                      <a16:colId xmlns:a16="http://schemas.microsoft.com/office/drawing/2014/main" val="2860169357"/>
+                    </a:ext>
+                  </a:extLst>
+                </a:gridCol>
+                <a:gridCol w="504627">
+                  <a:extLst>
+                    <a:ext uri="{9D8B030D-6E8A-4147-A177-3AD203B41FA5}">
+                      <a16:colId xmlns:a16="http://schemas.microsoft.com/office/drawing/2014/main" val="3382898931"/>
+                    </a:ext>
+                  </a:extLst>
+                </a:gridCol>
+                <a:gridCol w="493245">
+                  <a:extLst>
+                    <a:ext uri="{9D8B030D-6E8A-4147-A177-3AD203B41FA5}">
+                      <a16:colId xmlns:a16="http://schemas.microsoft.com/office/drawing/2014/main" val="486045570"/>
+                    </a:ext>
+                  </a:extLst>
+                </a:gridCol>
+                <a:gridCol w="1286901">
+                  <a:extLst>
+                    <a:ext uri="{9D8B030D-6E8A-4147-A177-3AD203B41FA5}">
+                      <a16:colId xmlns:a16="http://schemas.microsoft.com/office/drawing/2014/main" val="4235470484"/>
+                    </a:ext>
+                  </a:extLst>
+                </a:gridCol>
+              </a:tblGrid>
+              <a:tr h="0">
+                <a:tc>
+                  <a:txBody>
+                    <a:bodyPr/>
+                    <a:lstStyle/>
+                    <a:p>
+                      <a:r>
+                        <a:rPr lang="fi-FI" sz="600" b="1" dirty="0"/>
+                        <a:t>id</a:t>
+                      </a:r>
+                    </a:p>
+                  </a:txBody>
+                  <a:tcPr/>
+                </a:tc>
+                <a:tc>
+                  <a:txBody>
+                    <a:bodyPr/>
+                    <a:lstStyle/>
+                    <a:p>
+                      <a:r>
+                        <a:rPr lang="fi-FI" sz="600" b="1" dirty="0" err="1"/>
+                        <a:t>name</a:t>
+                      </a:r>
+                      <a:r>
+                        <a:rPr lang="fi-FI" sz="600" b="1" dirty="0"/>
+                        <a:t> </a:t>
+                      </a:r>
+                    </a:p>
+                  </a:txBody>
+                  <a:tcPr/>
+                </a:tc>
+                <a:tc>
+                  <a:txBody>
+                    <a:bodyPr/>
+                    <a:lstStyle/>
+                    <a:p>
+                      <a:r>
+                        <a:rPr lang="fi-FI" sz="600" b="1" dirty="0" err="1"/>
+                        <a:t>ownerId</a:t>
+                      </a:r>
+                      <a:endParaRPr lang="fi-FI" sz="600" b="1" dirty="0"/>
+                    </a:p>
+                  </a:txBody>
+                  <a:tcPr/>
+                </a:tc>
+                <a:tc>
+                  <a:txBody>
+                    <a:bodyPr/>
+                    <a:lstStyle/>
+                    <a:p>
+                      <a:r>
+                        <a:rPr lang="fi-FI" sz="600" b="1" dirty="0" err="1"/>
+                        <a:t>date</a:t>
+                      </a:r>
+                      <a:endParaRPr lang="fi-FI" sz="600" b="1" dirty="0"/>
+                    </a:p>
+                  </a:txBody>
+                  <a:tcPr/>
+                </a:tc>
+                <a:tc>
+                  <a:txBody>
+                    <a:bodyPr/>
+                    <a:lstStyle/>
+                    <a:p>
+                      <a:r>
+                        <a:rPr lang="fi-FI" sz="600" b="1" dirty="0" err="1"/>
+                        <a:t>description</a:t>
+                      </a:r>
+                      <a:endParaRPr lang="fi-FI" sz="600" b="1" dirty="0"/>
+                    </a:p>
+                  </a:txBody>
+                  <a:tcPr/>
+                </a:tc>
+                <a:extLst>
+                  <a:ext uri="{0D108BD9-81ED-4DB2-BD59-A6C34878D82A}">
+                    <a16:rowId xmlns:a16="http://schemas.microsoft.com/office/drawing/2014/main" val="193527178"/>
+                  </a:ext>
+                </a:extLst>
+              </a:tr>
+              <a:tr h="236491">
+                <a:tc>
+                  <a:txBody>
+                    <a:bodyPr/>
+                    <a:lstStyle/>
+                    <a:p>
+                      <a:r>
+                        <a:rPr lang="fi-FI" sz="600" dirty="0"/>
+                        <a:t>301</a:t>
+                      </a:r>
+                    </a:p>
+                  </a:txBody>
+                  <a:tcPr/>
+                </a:tc>
+                <a:tc>
+                  <a:txBody>
+                    <a:bodyPr/>
+                    <a:lstStyle/>
+                    <a:p>
+                      <a:r>
+                        <a:rPr lang="fi-FI" sz="600" dirty="0" err="1"/>
+                        <a:t>Mercurion</a:t>
+                      </a:r>
+                      <a:endParaRPr lang="fi-FI" sz="600" dirty="0"/>
+                    </a:p>
+                  </a:txBody>
+                  <a:tcPr/>
+                </a:tc>
+                <a:tc>
+                  <a:txBody>
+                    <a:bodyPr/>
+                    <a:lstStyle/>
+                    <a:p>
+                      <a:r>
+                        <a:rPr lang="fi-FI" sz="600" b="1" dirty="0">
+                          <a:solidFill>
+                            <a:srgbClr val="FF0000"/>
+                          </a:solidFill>
+                        </a:rPr>
+                        <a:t>matti86</a:t>
+                      </a:r>
+                    </a:p>
+                  </a:txBody>
+                  <a:tcPr/>
+                </a:tc>
+                <a:tc>
+                  <a:txBody>
+                    <a:bodyPr/>
+                    <a:lstStyle/>
+                    <a:p>
+                      <a:r>
+                        <a:rPr lang="fi-FI" sz="600" dirty="0" err="1"/>
+                        <a:t>mmmm</a:t>
+                      </a:r>
+                      <a:endParaRPr lang="fi-FI" sz="600" dirty="0"/>
+                    </a:p>
+                  </a:txBody>
+                  <a:tcPr/>
+                </a:tc>
+                <a:tc>
+                  <a:txBody>
+                    <a:bodyPr/>
+                    <a:lstStyle/>
+                    <a:p>
+                      <a:r>
+                        <a:rPr lang="fi-FI" sz="600" dirty="0" err="1"/>
+                        <a:t>Xxxxx</a:t>
+                      </a:r>
+                      <a:r>
+                        <a:rPr lang="fi-FI" sz="600" dirty="0"/>
+                        <a:t> xxxx </a:t>
+                      </a:r>
+                      <a:r>
+                        <a:rPr lang="fi-FI" sz="600" dirty="0" err="1"/>
+                        <a:t>xxxxxxx</a:t>
+                      </a:r>
+                      <a:r>
+                        <a:rPr lang="fi-FI" sz="600" dirty="0"/>
+                        <a:t> xxxx</a:t>
+                      </a:r>
+                    </a:p>
+                  </a:txBody>
+                  <a:tcPr/>
+                </a:tc>
+                <a:extLst>
+                  <a:ext uri="{0D108BD9-81ED-4DB2-BD59-A6C34878D82A}">
+                    <a16:rowId xmlns:a16="http://schemas.microsoft.com/office/drawing/2014/main" val="3408023490"/>
+                  </a:ext>
+                </a:extLst>
+              </a:tr>
+              <a:tr h="236491">
+                <a:tc>
+                  <a:txBody>
+                    <a:bodyPr/>
+                    <a:lstStyle/>
+                    <a:p>
+                      <a:r>
+                        <a:rPr lang="fi-FI" sz="600" dirty="0"/>
+                        <a:t>302</a:t>
+                      </a:r>
+                    </a:p>
+                  </a:txBody>
+                  <a:tcPr/>
+                </a:tc>
+                <a:tc>
+                  <a:txBody>
+                    <a:bodyPr/>
+                    <a:lstStyle/>
+                    <a:p>
+                      <a:r>
+                        <a:rPr lang="fi-FI" sz="600" dirty="0" err="1"/>
+                        <a:t>Lonavala</a:t>
+                      </a:r>
+                      <a:endParaRPr lang="fi-FI" sz="600" dirty="0"/>
+                    </a:p>
+                  </a:txBody>
+                  <a:tcPr/>
+                </a:tc>
+                <a:tc>
+                  <a:txBody>
+                    <a:bodyPr/>
+                    <a:lstStyle/>
+                    <a:p>
+                      <a:r>
+                        <a:rPr lang="fi-FI" sz="600" b="1" dirty="0">
+                          <a:solidFill>
+                            <a:srgbClr val="FF0000"/>
+                          </a:solidFill>
+                        </a:rPr>
+                        <a:t>matti86</a:t>
+                      </a:r>
+                    </a:p>
+                  </a:txBody>
+                  <a:tcPr/>
+                </a:tc>
+                <a:tc>
+                  <a:txBody>
+                    <a:bodyPr/>
+                    <a:lstStyle/>
+                    <a:p>
+                      <a:r>
+                        <a:rPr lang="fi-FI" sz="600" dirty="0" err="1"/>
+                        <a:t>nnnnnn</a:t>
+                      </a:r>
+                      <a:endParaRPr lang="fi-FI" sz="600" dirty="0"/>
+                    </a:p>
+                  </a:txBody>
+                  <a:tcPr/>
+                </a:tc>
+                <a:tc>
+                  <a:txBody>
+                    <a:bodyPr/>
+                    <a:lstStyle/>
+                    <a:p>
+                      <a:r>
+                        <a:rPr lang="fi-FI" sz="600" dirty="0"/>
+                        <a:t>Xxxx xxxx </a:t>
+                      </a:r>
+                      <a:r>
+                        <a:rPr lang="fi-FI" sz="600" dirty="0" err="1"/>
+                        <a:t>xxxxx</a:t>
+                      </a:r>
+                      <a:r>
+                        <a:rPr lang="fi-FI" sz="600" dirty="0"/>
+                        <a:t> </a:t>
+                      </a:r>
+                      <a:r>
+                        <a:rPr lang="fi-FI" sz="600" dirty="0" err="1"/>
+                        <a:t>xxxxx</a:t>
+                      </a:r>
+                      <a:endParaRPr lang="fi-FI" sz="600" dirty="0"/>
+                    </a:p>
+                  </a:txBody>
+                  <a:tcPr/>
+                </a:tc>
+                <a:extLst>
+                  <a:ext uri="{0D108BD9-81ED-4DB2-BD59-A6C34878D82A}">
+                    <a16:rowId xmlns:a16="http://schemas.microsoft.com/office/drawing/2014/main" val="877780958"/>
+                  </a:ext>
+                </a:extLst>
+              </a:tr>
+            </a:tbl>
+          </a:graphicData>
+        </a:graphic>
+      </p:graphicFrame>
+      <p:sp>
+        <p:nvSpPr>
+          <p:cNvPr id="163" name="Rectangle 162">
+            <a:extLst>
+              <a:ext uri="{FF2B5EF4-FFF2-40B4-BE49-F238E27FC236}">
+                <a16:creationId xmlns:a16="http://schemas.microsoft.com/office/drawing/2014/main" id="{4FA99FF1-F3F2-476B-BFED-19683A658489}"/>
+              </a:ext>
+            </a:extLst>
+          </p:cNvPr>
+          <p:cNvSpPr/>
+          <p:nvPr/>
+        </p:nvSpPr>
+        <p:spPr>
+          <a:xfrm>
+            <a:off x="8188949" y="4203961"/>
+            <a:ext cx="3150221" cy="230832"/>
+          </a:xfrm>
+          <a:prstGeom prst="rect">
+            <a:avLst/>
+          </a:prstGeom>
+        </p:spPr>
+        <p:txBody>
+          <a:bodyPr wrap="none">
+            <a:spAutoFit/>
+          </a:bodyPr>
+          <a:lstStyle/>
+          <a:p>
+            <a:r>
+              <a:rPr lang="fi-FI" sz="900" dirty="0">
+                <a:solidFill>
+                  <a:schemeClr val="accent1">
+                    <a:lumMod val="75000"/>
+                  </a:schemeClr>
+                </a:solidFill>
+              </a:rPr>
+              <a:t>Project </a:t>
+            </a:r>
+            <a:r>
+              <a:rPr lang="fi-FI" sz="900" dirty="0" err="1">
+                <a:solidFill>
+                  <a:schemeClr val="accent1">
+                    <a:lumMod val="75000"/>
+                  </a:schemeClr>
+                </a:solidFill>
+              </a:rPr>
+              <a:t>table</a:t>
+            </a:r>
+            <a:r>
+              <a:rPr lang="fi-FI" sz="900" dirty="0">
+                <a:solidFill>
+                  <a:schemeClr val="accent1">
+                    <a:lumMod val="75000"/>
+                  </a:schemeClr>
+                </a:solidFill>
+              </a:rPr>
+              <a:t> (</a:t>
+            </a:r>
+            <a:r>
+              <a:rPr lang="fi-FI" sz="900" dirty="0" err="1">
+                <a:solidFill>
+                  <a:schemeClr val="accent1">
+                    <a:lumMod val="75000"/>
+                  </a:schemeClr>
+                </a:solidFill>
+              </a:rPr>
+              <a:t>Also</a:t>
+            </a:r>
+            <a:r>
+              <a:rPr lang="fi-FI" sz="900" dirty="0">
+                <a:solidFill>
+                  <a:schemeClr val="accent1">
+                    <a:lumMod val="75000"/>
+                  </a:schemeClr>
+                </a:solidFill>
+              </a:rPr>
+              <a:t> data </a:t>
+            </a:r>
+            <a:r>
+              <a:rPr lang="fi-FI" sz="900" dirty="0" err="1">
+                <a:solidFill>
+                  <a:schemeClr val="accent1">
+                    <a:lumMod val="75000"/>
+                  </a:schemeClr>
+                </a:solidFill>
+              </a:rPr>
+              <a:t>can</a:t>
+            </a:r>
+            <a:r>
+              <a:rPr lang="fi-FI" sz="900" dirty="0">
+                <a:solidFill>
+                  <a:schemeClr val="accent1">
+                    <a:lumMod val="75000"/>
+                  </a:schemeClr>
+                </a:solidFill>
+              </a:rPr>
+              <a:t> </a:t>
+            </a:r>
+            <a:r>
+              <a:rPr lang="fi-FI" sz="900" dirty="0" err="1">
+                <a:solidFill>
+                  <a:schemeClr val="accent1">
+                    <a:lumMod val="75000"/>
+                  </a:schemeClr>
+                </a:solidFill>
+              </a:rPr>
+              <a:t>be</a:t>
+            </a:r>
+            <a:r>
+              <a:rPr lang="fi-FI" sz="900" dirty="0">
+                <a:solidFill>
+                  <a:schemeClr val="accent1">
+                    <a:lumMod val="75000"/>
+                  </a:schemeClr>
+                </a:solidFill>
+              </a:rPr>
+              <a:t> </a:t>
+            </a:r>
+            <a:r>
+              <a:rPr lang="fi-FI" sz="900" dirty="0" err="1">
+                <a:solidFill>
+                  <a:schemeClr val="accent1">
+                    <a:lumMod val="75000"/>
+                  </a:schemeClr>
+                </a:solidFill>
+              </a:rPr>
+              <a:t>used</a:t>
+            </a:r>
+            <a:r>
+              <a:rPr lang="fi-FI" sz="900" dirty="0">
+                <a:solidFill>
+                  <a:schemeClr val="accent1">
+                    <a:lumMod val="75000"/>
+                  </a:schemeClr>
+                </a:solidFill>
+              </a:rPr>
+              <a:t> for per </a:t>
+            </a:r>
+            <a:r>
+              <a:rPr lang="fi-FI" sz="900" dirty="0" err="1">
+                <a:solidFill>
+                  <a:schemeClr val="accent1">
+                    <a:lumMod val="75000"/>
+                  </a:schemeClr>
+                </a:solidFill>
+              </a:rPr>
+              <a:t>item</a:t>
+            </a:r>
+            <a:r>
+              <a:rPr lang="fi-FI" sz="900" dirty="0">
+                <a:solidFill>
+                  <a:schemeClr val="accent1">
+                    <a:lumMod val="75000"/>
+                  </a:schemeClr>
+                </a:solidFill>
+              </a:rPr>
+              <a:t> </a:t>
+            </a:r>
+            <a:r>
+              <a:rPr lang="fi-FI" sz="900" dirty="0" err="1">
+                <a:solidFill>
+                  <a:schemeClr val="accent1">
+                    <a:lumMod val="75000"/>
+                  </a:schemeClr>
+                </a:solidFill>
+              </a:rPr>
+              <a:t>authorization</a:t>
+            </a:r>
+            <a:r>
+              <a:rPr lang="fi-FI" sz="900" dirty="0">
+                <a:solidFill>
+                  <a:schemeClr val="accent1">
+                    <a:lumMod val="75000"/>
+                  </a:schemeClr>
+                </a:solidFill>
+              </a:rPr>
+              <a:t>!)</a:t>
+            </a:r>
+            <a:endParaRPr lang="fi-FI" sz="900" dirty="0"/>
+          </a:p>
+        </p:txBody>
+      </p:sp>
+      <p:sp>
+        <p:nvSpPr>
+          <p:cNvPr id="164" name="Rectangle 163">
+            <a:extLst>
+              <a:ext uri="{FF2B5EF4-FFF2-40B4-BE49-F238E27FC236}">
+                <a16:creationId xmlns:a16="http://schemas.microsoft.com/office/drawing/2014/main" id="{68461B90-4C61-410D-A026-0E5859C69712}"/>
+              </a:ext>
+            </a:extLst>
+          </p:cNvPr>
+          <p:cNvSpPr/>
+          <p:nvPr/>
+        </p:nvSpPr>
+        <p:spPr>
+          <a:xfrm>
+            <a:off x="9677488" y="3592755"/>
+            <a:ext cx="1878713" cy="392321"/>
+          </a:xfrm>
+          <a:prstGeom prst="rect">
+            <a:avLst/>
+          </a:prstGeom>
+          <a:solidFill>
+            <a:schemeClr val="bg1"/>
+          </a:solidFill>
+          <a:ln>
+            <a:prstDash val="dash"/>
+          </a:ln>
+        </p:spPr>
+        <p:style>
+          <a:lnRef idx="2">
+            <a:schemeClr val="accent1">
+              <a:shade val="50000"/>
+            </a:schemeClr>
+          </a:lnRef>
+          <a:fillRef idx="1">
+            <a:schemeClr val="accent1"/>
+          </a:fillRef>
+          <a:effectRef idx="0">
+            <a:schemeClr val="accent1"/>
+          </a:effectRef>
+          <a:fontRef idx="minor">
+            <a:schemeClr val="lt1"/>
+          </a:fontRef>
+        </p:style>
+        <p:txBody>
+          <a:bodyPr rtlCol="0" anchor="t" anchorCtr="0"/>
+          <a:lstStyle/>
+          <a:p>
+            <a:pPr algn="ctr"/>
+            <a:r>
+              <a:rPr lang="fi-FI" sz="900" dirty="0" err="1">
+                <a:solidFill>
+                  <a:schemeClr val="accent1">
+                    <a:lumMod val="75000"/>
+                  </a:schemeClr>
+                </a:solidFill>
+              </a:rPr>
+              <a:t>Triggers</a:t>
+            </a:r>
+            <a:r>
+              <a:rPr lang="fi-FI" sz="900" dirty="0">
+                <a:solidFill>
+                  <a:schemeClr val="accent1">
+                    <a:lumMod val="75000"/>
+                  </a:schemeClr>
+                </a:solidFill>
+              </a:rPr>
+              <a:t>, </a:t>
+            </a:r>
+            <a:r>
+              <a:rPr lang="fi-FI" sz="900" dirty="0" err="1">
+                <a:solidFill>
+                  <a:schemeClr val="accent1">
+                    <a:lumMod val="75000"/>
+                  </a:schemeClr>
+                </a:solidFill>
+              </a:rPr>
+              <a:t>stored</a:t>
+            </a:r>
+            <a:r>
+              <a:rPr lang="fi-FI" sz="900" dirty="0">
+                <a:solidFill>
+                  <a:schemeClr val="accent1">
+                    <a:lumMod val="75000"/>
+                  </a:schemeClr>
+                </a:solidFill>
+              </a:rPr>
+              <a:t> </a:t>
+            </a:r>
+            <a:r>
+              <a:rPr lang="fi-FI" sz="900" dirty="0" err="1">
+                <a:solidFill>
+                  <a:schemeClr val="accent1">
+                    <a:lumMod val="75000"/>
+                  </a:schemeClr>
+                </a:solidFill>
+              </a:rPr>
+              <a:t>procedures</a:t>
+            </a:r>
+            <a:r>
+              <a:rPr lang="fi-FI" sz="900" dirty="0">
+                <a:solidFill>
+                  <a:schemeClr val="accent1">
+                    <a:lumMod val="75000"/>
+                  </a:schemeClr>
+                </a:solidFill>
+              </a:rPr>
+              <a:t>, </a:t>
+            </a:r>
+            <a:r>
+              <a:rPr lang="fi-FI" sz="900" dirty="0" err="1">
+                <a:solidFill>
+                  <a:schemeClr val="accent1">
+                    <a:lumMod val="75000"/>
+                  </a:schemeClr>
+                </a:solidFill>
+              </a:rPr>
+              <a:t>functions</a:t>
+            </a:r>
+            <a:r>
+              <a:rPr lang="fi-FI" sz="900" dirty="0">
+                <a:solidFill>
+                  <a:schemeClr val="accent1">
+                    <a:lumMod val="75000"/>
+                  </a:schemeClr>
+                </a:solidFill>
+              </a:rPr>
+              <a:t>, </a:t>
+            </a:r>
+            <a:r>
+              <a:rPr lang="fi-FI" sz="900" dirty="0" err="1">
+                <a:solidFill>
+                  <a:schemeClr val="accent1">
+                    <a:lumMod val="75000"/>
+                  </a:schemeClr>
+                </a:solidFill>
+              </a:rPr>
+              <a:t>domains</a:t>
+            </a:r>
+            <a:r>
+              <a:rPr lang="fi-FI" sz="900" dirty="0">
+                <a:solidFill>
+                  <a:schemeClr val="accent1">
+                    <a:lumMod val="75000"/>
+                  </a:schemeClr>
+                </a:solidFill>
+              </a:rPr>
+              <a:t> etc.</a:t>
+            </a:r>
+          </a:p>
+        </p:txBody>
+      </p:sp>
+      <p:sp>
+        <p:nvSpPr>
+          <p:cNvPr id="169" name="Rectangle 168">
+            <a:extLst>
+              <a:ext uri="{FF2B5EF4-FFF2-40B4-BE49-F238E27FC236}">
+                <a16:creationId xmlns:a16="http://schemas.microsoft.com/office/drawing/2014/main" id="{D32A4EF0-9A2C-4E3D-97F2-101D055A6B8B}"/>
+              </a:ext>
+            </a:extLst>
+          </p:cNvPr>
+          <p:cNvSpPr/>
+          <p:nvPr/>
+        </p:nvSpPr>
+        <p:spPr>
+          <a:xfrm rot="20160556">
+            <a:off x="776210" y="5696406"/>
+            <a:ext cx="1567744" cy="646331"/>
+          </a:xfrm>
+          <a:prstGeom prst="rect">
+            <a:avLst/>
+          </a:prstGeom>
+          <a:ln w="19050">
+            <a:solidFill>
+              <a:srgbClr val="C00000"/>
+            </a:solidFill>
+          </a:ln>
+        </p:spPr>
+        <p:txBody>
+          <a:bodyPr wrap="square">
+            <a:spAutoFit/>
+          </a:bodyPr>
+          <a:lstStyle/>
+          <a:p>
+            <a:pPr algn="ctr"/>
+            <a:r>
+              <a:rPr lang="fi-FI" sz="1200" b="1" dirty="0">
+                <a:solidFill>
+                  <a:srgbClr val="FF0000"/>
+                </a:solidFill>
+              </a:rPr>
+              <a:t>TOP SCARED!</a:t>
+            </a:r>
+            <a:br>
+              <a:rPr lang="fi-FI" sz="1200" b="1" dirty="0">
+                <a:solidFill>
+                  <a:srgbClr val="FF0000"/>
+                </a:solidFill>
+              </a:rPr>
+            </a:br>
+            <a:r>
+              <a:rPr lang="fi-FI" sz="1200" dirty="0">
+                <a:solidFill>
+                  <a:srgbClr val="FF0000"/>
+                </a:solidFill>
+              </a:rPr>
+              <a:t>Watch </a:t>
+            </a:r>
+            <a:r>
+              <a:rPr lang="fi-FI" sz="1200" dirty="0" err="1">
+                <a:solidFill>
+                  <a:srgbClr val="FF0000"/>
+                </a:solidFill>
+              </a:rPr>
+              <a:t>the</a:t>
+            </a:r>
+            <a:r>
+              <a:rPr lang="fi-FI" sz="1200" dirty="0">
+                <a:solidFill>
+                  <a:srgbClr val="FF0000"/>
+                </a:solidFill>
+              </a:rPr>
+              <a:t> </a:t>
+            </a:r>
+            <a:r>
+              <a:rPr lang="fi-FI" sz="1200" dirty="0" err="1">
+                <a:solidFill>
+                  <a:srgbClr val="FF0000"/>
+                </a:solidFill>
+              </a:rPr>
+              <a:t>associated</a:t>
+            </a:r>
+            <a:endParaRPr lang="fi-FI" sz="1200" dirty="0">
+              <a:solidFill>
+                <a:srgbClr val="FF0000"/>
+              </a:solidFill>
+            </a:endParaRPr>
+          </a:p>
+          <a:p>
+            <a:pPr algn="ctr"/>
+            <a:r>
+              <a:rPr lang="fi-FI" sz="1200" dirty="0">
+                <a:solidFill>
+                  <a:srgbClr val="FF0000"/>
+                </a:solidFill>
+              </a:rPr>
+              <a:t>video </a:t>
+            </a:r>
+            <a:r>
+              <a:rPr lang="fi-FI" sz="1200" dirty="0" err="1">
+                <a:solidFill>
+                  <a:srgbClr val="FF0000"/>
+                </a:solidFill>
+              </a:rPr>
+              <a:t>explanation</a:t>
+            </a:r>
+            <a:r>
+              <a:rPr lang="fi-FI" sz="1200" dirty="0">
+                <a:solidFill>
+                  <a:srgbClr val="FF0000"/>
+                </a:solidFill>
+              </a:rPr>
+              <a:t>!</a:t>
+            </a:r>
+          </a:p>
+        </p:txBody>
+      </p:sp>
+      <p:pic>
+        <p:nvPicPr>
+          <p:cNvPr id="170" name="Graphic 169" descr="Database">
+            <a:extLst>
+              <a:ext uri="{FF2B5EF4-FFF2-40B4-BE49-F238E27FC236}">
+                <a16:creationId xmlns:a16="http://schemas.microsoft.com/office/drawing/2014/main" id="{3C758B97-BE0E-42D1-94E0-6383F7C35AA1}"/>
+              </a:ext>
+            </a:extLst>
+          </p:cNvPr>
+          <p:cNvPicPr>
+            <a:picLocks noChangeAspect="1"/>
+          </p:cNvPicPr>
+          <p:nvPr/>
+        </p:nvPicPr>
+        <p:blipFill>
+          <a:blip r:embed="rId8">
+            <a:extLst>
+              <a:ext uri="{28A0092B-C50C-407E-A947-70E740481C1C}">
+                <a14:useLocalDpi xmlns:a14="http://schemas.microsoft.com/office/drawing/2010/main" val="0"/>
+              </a:ext>
+              <a:ext uri="{96DAC541-7B7A-43D3-8B79-37D633B846F1}">
+                <asvg:svgBlip xmlns:asvg="http://schemas.microsoft.com/office/drawing/2016/SVG/main" r:embed="rId9"/>
+              </a:ext>
+            </a:extLst>
+          </a:blip>
+          <a:stretch>
+            <a:fillRect/>
+          </a:stretch>
+        </p:blipFill>
+        <p:spPr>
+          <a:xfrm>
+            <a:off x="10316825" y="2925244"/>
+            <a:ext cx="572702" cy="572702"/>
+          </a:xfrm>
+          <a:prstGeom prst="rect">
+            <a:avLst/>
+          </a:prstGeom>
+        </p:spPr>
+      </p:pic>
+      <p:sp>
+        <p:nvSpPr>
+          <p:cNvPr id="178" name="Rectangle 177">
+            <a:extLst>
+              <a:ext uri="{FF2B5EF4-FFF2-40B4-BE49-F238E27FC236}">
+                <a16:creationId xmlns:a16="http://schemas.microsoft.com/office/drawing/2014/main" id="{CBA20AF5-D565-40DF-A506-6B9291EBB59E}"/>
+              </a:ext>
+            </a:extLst>
+          </p:cNvPr>
+          <p:cNvSpPr/>
+          <p:nvPr/>
+        </p:nvSpPr>
+        <p:spPr>
+          <a:xfrm>
+            <a:off x="10905297" y="1926293"/>
+            <a:ext cx="643929" cy="349483"/>
+          </a:xfrm>
+          <a:prstGeom prst="rect">
+            <a:avLst/>
+          </a:prstGeom>
+          <a:solidFill>
+            <a:schemeClr val="bg1"/>
+          </a:solidFill>
+        </p:spPr>
+        <p:style>
+          <a:lnRef idx="2">
+            <a:schemeClr val="accent1">
+              <a:shade val="50000"/>
+            </a:schemeClr>
+          </a:lnRef>
+          <a:fillRef idx="1">
+            <a:schemeClr val="accent1"/>
+          </a:fillRef>
+          <a:effectRef idx="0">
+            <a:schemeClr val="accent1"/>
+          </a:effectRef>
+          <a:fontRef idx="minor">
+            <a:schemeClr val="lt1"/>
+          </a:fontRef>
+        </p:style>
+        <p:txBody>
+          <a:bodyPr rtlCol="0" anchor="t" anchorCtr="0"/>
+          <a:lstStyle/>
+          <a:p>
+            <a:pPr algn="ctr"/>
+            <a:r>
+              <a:rPr lang="fi-FI" sz="900" dirty="0">
+                <a:solidFill>
+                  <a:schemeClr val="accent1">
+                    <a:lumMod val="75000"/>
+                  </a:schemeClr>
+                </a:solidFill>
+              </a:rPr>
+              <a:t>SQL data </a:t>
+            </a:r>
+            <a:r>
+              <a:rPr lang="fi-FI" sz="900" dirty="0" err="1">
+                <a:solidFill>
+                  <a:schemeClr val="accent1">
+                    <a:lumMod val="75000"/>
+                  </a:schemeClr>
+                </a:solidFill>
+              </a:rPr>
+              <a:t>table</a:t>
+            </a:r>
+            <a:endParaRPr lang="fi-FI" sz="900" dirty="0">
+              <a:solidFill>
+                <a:schemeClr val="accent1">
+                  <a:lumMod val="75000"/>
+                </a:schemeClr>
+              </a:solidFill>
+            </a:endParaRPr>
+          </a:p>
+        </p:txBody>
+      </p:sp>
+      <p:cxnSp>
+        <p:nvCxnSpPr>
+          <p:cNvPr id="179" name="Straight Connector 178">
+            <a:extLst>
+              <a:ext uri="{FF2B5EF4-FFF2-40B4-BE49-F238E27FC236}">
+                <a16:creationId xmlns:a16="http://schemas.microsoft.com/office/drawing/2014/main" id="{D61D9EDA-45B1-4F4A-991F-027B0DAB488A}"/>
+              </a:ext>
+            </a:extLst>
+          </p:cNvPr>
+          <p:cNvCxnSpPr>
+            <a:cxnSpLocks/>
+            <a:stCxn id="178" idx="1"/>
+            <a:endCxn id="22" idx="3"/>
+          </p:cNvCxnSpPr>
+          <p:nvPr/>
+        </p:nvCxnSpPr>
+        <p:spPr>
+          <a:xfrm flipH="1">
+            <a:off x="8609592" y="2101035"/>
+            <a:ext cx="2295705" cy="1114680"/>
+          </a:xfrm>
+          <a:prstGeom prst="line">
+            <a:avLst/>
+          </a:prstGeom>
+          <a:ln w="12700">
+            <a:solidFill>
+              <a:schemeClr val="tx1"/>
+            </a:solidFill>
+          </a:ln>
+        </p:spPr>
+        <p:style>
+          <a:lnRef idx="1">
+            <a:schemeClr val="accent1"/>
+          </a:lnRef>
+          <a:fillRef idx="0">
+            <a:schemeClr val="accent1"/>
+          </a:fillRef>
+          <a:effectRef idx="0">
+            <a:schemeClr val="accent1"/>
+          </a:effectRef>
+          <a:fontRef idx="minor">
+            <a:schemeClr val="tx1"/>
+          </a:fontRef>
+        </p:style>
+      </p:cxnSp>
+      <p:cxnSp>
+        <p:nvCxnSpPr>
+          <p:cNvPr id="80" name="Straight Arrow Connector 79">
+            <a:extLst>
+              <a:ext uri="{FF2B5EF4-FFF2-40B4-BE49-F238E27FC236}">
+                <a16:creationId xmlns:a16="http://schemas.microsoft.com/office/drawing/2014/main" id="{5C437247-CCBB-47B6-9788-BB654287C28B}"/>
+              </a:ext>
+            </a:extLst>
+          </p:cNvPr>
+          <p:cNvCxnSpPr>
+            <a:cxnSpLocks/>
+          </p:cNvCxnSpPr>
+          <p:nvPr/>
+        </p:nvCxnSpPr>
+        <p:spPr>
+          <a:xfrm flipH="1">
+            <a:off x="6534813" y="3338143"/>
+            <a:ext cx="953857" cy="234721"/>
+          </a:xfrm>
+          <a:prstGeom prst="straightConnector1">
+            <a:avLst/>
+          </a:prstGeom>
+          <a:ln>
+            <a:headEnd type="triangle"/>
+            <a:tailEnd type="none"/>
+          </a:ln>
+        </p:spPr>
+        <p:style>
+          <a:lnRef idx="1">
+            <a:schemeClr val="accent1"/>
+          </a:lnRef>
+          <a:fillRef idx="0">
+            <a:schemeClr val="accent1"/>
+          </a:fillRef>
+          <a:effectRef idx="0">
+            <a:schemeClr val="accent1"/>
+          </a:effectRef>
+          <a:fontRef idx="minor">
+            <a:schemeClr val="tx1"/>
+          </a:fontRef>
+        </p:style>
+      </p:cxnSp>
+      <p:cxnSp>
+        <p:nvCxnSpPr>
+          <p:cNvPr id="84" name="Straight Arrow Connector 83">
+            <a:extLst>
+              <a:ext uri="{FF2B5EF4-FFF2-40B4-BE49-F238E27FC236}">
+                <a16:creationId xmlns:a16="http://schemas.microsoft.com/office/drawing/2014/main" id="{6798D7C7-BA57-479A-9DFE-C3821DB2A6AD}"/>
+              </a:ext>
+            </a:extLst>
+          </p:cNvPr>
+          <p:cNvCxnSpPr>
+            <a:cxnSpLocks/>
+          </p:cNvCxnSpPr>
+          <p:nvPr/>
+        </p:nvCxnSpPr>
+        <p:spPr>
+          <a:xfrm flipH="1">
+            <a:off x="6534813" y="3472192"/>
+            <a:ext cx="953857" cy="481328"/>
+          </a:xfrm>
+          <a:prstGeom prst="straightConnector1">
+            <a:avLst/>
+          </a:prstGeom>
+          <a:ln>
+            <a:headEnd type="triangle"/>
+            <a:tailEnd type="none"/>
+          </a:ln>
+        </p:spPr>
+        <p:style>
+          <a:lnRef idx="1">
+            <a:schemeClr val="accent1"/>
+          </a:lnRef>
+          <a:fillRef idx="0">
+            <a:schemeClr val="accent1"/>
+          </a:fillRef>
+          <a:effectRef idx="0">
+            <a:schemeClr val="accent1"/>
+          </a:effectRef>
+          <a:fontRef idx="minor">
+            <a:schemeClr val="tx1"/>
+          </a:fontRef>
+        </p:style>
+      </p:cxnSp>
+      <p:sp>
+        <p:nvSpPr>
+          <p:cNvPr id="31" name="Rectangle 30">
+            <a:extLst>
+              <a:ext uri="{FF2B5EF4-FFF2-40B4-BE49-F238E27FC236}">
+                <a16:creationId xmlns:a16="http://schemas.microsoft.com/office/drawing/2014/main" id="{6E1FCFAB-D0D2-4967-B161-292B98281937}"/>
+              </a:ext>
+            </a:extLst>
+          </p:cNvPr>
+          <p:cNvSpPr/>
+          <p:nvPr/>
+        </p:nvSpPr>
+        <p:spPr>
+          <a:xfrm>
+            <a:off x="9547646" y="688902"/>
+            <a:ext cx="2662780" cy="646331"/>
+          </a:xfrm>
+          <a:prstGeom prst="rect">
+            <a:avLst/>
+          </a:prstGeom>
+        </p:spPr>
+        <p:txBody>
+          <a:bodyPr wrap="none">
+            <a:spAutoFit/>
+          </a:bodyPr>
+          <a:lstStyle/>
+          <a:p>
+            <a:pPr algn="ctr"/>
+            <a:r>
+              <a:rPr lang="fi-FI" b="1" dirty="0" err="1">
+                <a:solidFill>
+                  <a:srgbClr val="00B050"/>
+                </a:solidFill>
+              </a:rPr>
+              <a:t>Frequent</a:t>
+            </a:r>
+            <a:r>
+              <a:rPr lang="fi-FI" b="1" dirty="0">
+                <a:solidFill>
+                  <a:srgbClr val="00B050"/>
+                </a:solidFill>
+              </a:rPr>
+              <a:t> option, just </a:t>
+            </a:r>
+            <a:r>
+              <a:rPr lang="fi-FI" b="1" dirty="0" err="1">
+                <a:solidFill>
+                  <a:srgbClr val="00B050"/>
+                </a:solidFill>
+              </a:rPr>
+              <a:t>one</a:t>
+            </a:r>
+            <a:r>
+              <a:rPr lang="fi-FI" b="1" dirty="0">
+                <a:solidFill>
+                  <a:srgbClr val="00B050"/>
+                </a:solidFill>
+              </a:rPr>
+              <a:t> </a:t>
+            </a:r>
+          </a:p>
+          <a:p>
+            <a:pPr algn="ctr"/>
+            <a:r>
+              <a:rPr lang="fi-FI" b="1" dirty="0">
+                <a:solidFill>
+                  <a:srgbClr val="00B050"/>
+                </a:solidFill>
+              </a:rPr>
+              <a:t>DB </a:t>
+            </a:r>
+            <a:r>
+              <a:rPr lang="fi-FI" b="1" dirty="0" err="1">
+                <a:solidFill>
+                  <a:srgbClr val="00B050"/>
+                </a:solidFill>
+              </a:rPr>
+              <a:t>user</a:t>
+            </a:r>
+            <a:r>
+              <a:rPr lang="fi-FI" b="1" dirty="0">
+                <a:solidFill>
+                  <a:srgbClr val="00B050"/>
+                </a:solidFill>
+              </a:rPr>
+              <a:t> for </a:t>
+            </a:r>
+            <a:r>
+              <a:rPr lang="fi-FI" b="1" dirty="0" err="1">
+                <a:solidFill>
+                  <a:srgbClr val="00B050"/>
+                </a:solidFill>
+              </a:rPr>
+              <a:t>the</a:t>
+            </a:r>
+            <a:r>
+              <a:rPr lang="fi-FI" b="1" dirty="0">
+                <a:solidFill>
+                  <a:srgbClr val="00B050"/>
+                </a:solidFill>
+              </a:rPr>
+              <a:t> </a:t>
+            </a:r>
+            <a:r>
+              <a:rPr lang="fi-FI" b="1" dirty="0" err="1">
+                <a:solidFill>
+                  <a:srgbClr val="00B050"/>
+                </a:solidFill>
+              </a:rPr>
+              <a:t>webapp</a:t>
+            </a:r>
+            <a:endParaRPr lang="fi-FI" b="1" dirty="0">
+              <a:solidFill>
+                <a:srgbClr val="00B050"/>
+              </a:solidFill>
+            </a:endParaRPr>
+          </a:p>
+        </p:txBody>
+      </p:sp>
+      <p:sp>
+        <p:nvSpPr>
+          <p:cNvPr id="2" name="Rectangle 1">
+            <a:extLst>
+              <a:ext uri="{FF2B5EF4-FFF2-40B4-BE49-F238E27FC236}">
+                <a16:creationId xmlns:a16="http://schemas.microsoft.com/office/drawing/2014/main" id="{33E4FB20-3B27-AB00-5FD4-BC43C6411DF9}"/>
+              </a:ext>
+            </a:extLst>
+          </p:cNvPr>
+          <p:cNvSpPr/>
+          <p:nvPr/>
+        </p:nvSpPr>
+        <p:spPr>
+          <a:xfrm>
+            <a:off x="4479361" y="2118267"/>
+            <a:ext cx="1048896" cy="223085"/>
+          </a:xfrm>
+          <a:prstGeom prst="rect">
+            <a:avLst/>
+          </a:prstGeom>
+          <a:solidFill>
+            <a:schemeClr val="bg1"/>
+          </a:solidFill>
+        </p:spPr>
+        <p:style>
+          <a:lnRef idx="2">
+            <a:schemeClr val="accent1">
+              <a:shade val="50000"/>
+            </a:schemeClr>
+          </a:lnRef>
+          <a:fillRef idx="1">
+            <a:schemeClr val="accent1"/>
+          </a:fillRef>
+          <a:effectRef idx="0">
+            <a:schemeClr val="accent1"/>
+          </a:effectRef>
+          <a:fontRef idx="minor">
+            <a:schemeClr val="lt1"/>
+          </a:fontRef>
+        </p:style>
+        <p:txBody>
+          <a:bodyPr rtlCol="0" anchor="t" anchorCtr="0"/>
+          <a:lstStyle/>
+          <a:p>
+            <a:pPr algn="ctr"/>
+            <a:r>
+              <a:rPr lang="fi-FI" sz="900" dirty="0" err="1">
+                <a:solidFill>
+                  <a:schemeClr val="accent1">
+                    <a:lumMod val="75000"/>
+                  </a:schemeClr>
+                </a:solidFill>
+              </a:rPr>
+              <a:t>Login</a:t>
+            </a:r>
+            <a:r>
+              <a:rPr lang="fi-FI" sz="900" dirty="0">
+                <a:solidFill>
+                  <a:schemeClr val="accent1">
+                    <a:lumMod val="75000"/>
+                  </a:schemeClr>
+                </a:solidFill>
+              </a:rPr>
+              <a:t> feature</a:t>
+            </a:r>
+          </a:p>
+        </p:txBody>
+      </p:sp>
+      <p:sp>
+        <p:nvSpPr>
+          <p:cNvPr id="56" name="Rectangle 55">
+            <a:extLst>
+              <a:ext uri="{FF2B5EF4-FFF2-40B4-BE49-F238E27FC236}">
+                <a16:creationId xmlns:a16="http://schemas.microsoft.com/office/drawing/2014/main" id="{69831D7B-E590-4F97-A2BF-AF29E155821E}"/>
+              </a:ext>
+            </a:extLst>
+          </p:cNvPr>
+          <p:cNvSpPr/>
+          <p:nvPr/>
+        </p:nvSpPr>
+        <p:spPr>
+          <a:xfrm rot="20760802">
+            <a:off x="1995142" y="2489181"/>
+            <a:ext cx="2861950" cy="230832"/>
+          </a:xfrm>
+          <a:prstGeom prst="rect">
+            <a:avLst/>
+          </a:prstGeom>
+        </p:spPr>
+        <p:txBody>
+          <a:bodyPr wrap="square">
+            <a:spAutoFit/>
+          </a:bodyPr>
+          <a:lstStyle/>
+          <a:p>
+            <a:pPr algn="ctr"/>
+            <a:r>
+              <a:rPr lang="fi-FI" sz="900" dirty="0">
+                <a:solidFill>
+                  <a:schemeClr val="accent1">
+                    <a:lumMod val="75000"/>
+                  </a:schemeClr>
+                </a:solidFill>
+              </a:rPr>
+              <a:t>&lt;- </a:t>
+            </a:r>
+            <a:r>
+              <a:rPr lang="fi-FI" sz="900" dirty="0" err="1">
+                <a:solidFill>
+                  <a:schemeClr val="accent1">
+                    <a:lumMod val="75000"/>
+                  </a:schemeClr>
+                </a:solidFill>
+              </a:rPr>
+              <a:t>authentication</a:t>
+            </a:r>
+            <a:r>
+              <a:rPr lang="fi-FI" sz="900" dirty="0">
+                <a:solidFill>
+                  <a:schemeClr val="accent1">
+                    <a:lumMod val="75000"/>
+                  </a:schemeClr>
+                </a:solidFill>
+              </a:rPr>
+              <a:t> </a:t>
+            </a:r>
+            <a:r>
+              <a:rPr lang="fi-FI" sz="900" dirty="0" err="1">
+                <a:solidFill>
+                  <a:schemeClr val="accent1">
+                    <a:lumMod val="75000"/>
+                  </a:schemeClr>
+                </a:solidFill>
+              </a:rPr>
+              <a:t>token</a:t>
+            </a:r>
+            <a:r>
+              <a:rPr lang="fi-FI" sz="900" dirty="0">
+                <a:solidFill>
+                  <a:schemeClr val="accent1">
+                    <a:lumMod val="75000"/>
+                  </a:schemeClr>
+                </a:solidFill>
+              </a:rPr>
+              <a:t> (</a:t>
+            </a:r>
+            <a:r>
+              <a:rPr lang="fi-FI" sz="900" dirty="0" err="1">
+                <a:solidFill>
+                  <a:schemeClr val="accent1">
+                    <a:lumMod val="75000"/>
+                  </a:schemeClr>
+                </a:solidFill>
+              </a:rPr>
+              <a:t>e.g</a:t>
+            </a:r>
+            <a:r>
+              <a:rPr lang="fi-FI" sz="900" dirty="0">
+                <a:solidFill>
+                  <a:schemeClr val="accent1">
+                    <a:lumMod val="75000"/>
+                  </a:schemeClr>
+                </a:solidFill>
+              </a:rPr>
+              <a:t>. w. JWT), </a:t>
+            </a:r>
+            <a:r>
+              <a:rPr lang="fi-FI" sz="900" dirty="0" err="1">
+                <a:solidFill>
+                  <a:schemeClr val="accent1">
+                    <a:lumMod val="75000"/>
+                  </a:schemeClr>
+                </a:solidFill>
+              </a:rPr>
+              <a:t>user+roles</a:t>
+            </a:r>
+            <a:endParaRPr lang="fi-FI" sz="900" dirty="0">
+              <a:solidFill>
+                <a:schemeClr val="accent1">
+                  <a:lumMod val="75000"/>
+                </a:schemeClr>
+              </a:solidFill>
+            </a:endParaRPr>
+          </a:p>
+        </p:txBody>
+      </p:sp>
+      <p:sp>
+        <p:nvSpPr>
+          <p:cNvPr id="17" name="Rectangle 16">
+            <a:extLst>
+              <a:ext uri="{FF2B5EF4-FFF2-40B4-BE49-F238E27FC236}">
+                <a16:creationId xmlns:a16="http://schemas.microsoft.com/office/drawing/2014/main" id="{CD5732BD-37A5-B328-045E-360229AB9757}"/>
+              </a:ext>
+            </a:extLst>
+          </p:cNvPr>
+          <p:cNvSpPr/>
+          <p:nvPr/>
+        </p:nvSpPr>
+        <p:spPr>
+          <a:xfrm rot="20393708">
+            <a:off x="9757695" y="2320116"/>
+            <a:ext cx="452368" cy="230832"/>
+          </a:xfrm>
+          <a:prstGeom prst="rect">
+            <a:avLst/>
+          </a:prstGeom>
+        </p:spPr>
+        <p:txBody>
+          <a:bodyPr wrap="square">
+            <a:spAutoFit/>
+          </a:bodyPr>
+          <a:lstStyle/>
+          <a:p>
+            <a:pPr algn="ctr"/>
+            <a:r>
+              <a:rPr lang="fi-FI" sz="900" dirty="0">
+                <a:solidFill>
+                  <a:schemeClr val="accent1">
+                    <a:lumMod val="75000"/>
+                  </a:schemeClr>
+                </a:solidFill>
+              </a:rPr>
+              <a:t>CRUD</a:t>
+            </a:r>
+          </a:p>
+        </p:txBody>
+      </p:sp>
+      <p:sp>
+        <p:nvSpPr>
+          <p:cNvPr id="28" name="Rectangle 27">
+            <a:extLst>
+              <a:ext uri="{FF2B5EF4-FFF2-40B4-BE49-F238E27FC236}">
+                <a16:creationId xmlns:a16="http://schemas.microsoft.com/office/drawing/2014/main" id="{DCCD6283-F584-EFD8-CCF3-3CA4903AC382}"/>
+              </a:ext>
+            </a:extLst>
+          </p:cNvPr>
+          <p:cNvSpPr/>
+          <p:nvPr/>
+        </p:nvSpPr>
+        <p:spPr>
+          <a:xfrm>
+            <a:off x="10985914" y="2853418"/>
+            <a:ext cx="747898" cy="349483"/>
+          </a:xfrm>
+          <a:prstGeom prst="rect">
+            <a:avLst/>
+          </a:prstGeom>
+          <a:solidFill>
+            <a:schemeClr val="bg1"/>
+          </a:solidFill>
+        </p:spPr>
+        <p:style>
+          <a:lnRef idx="2">
+            <a:schemeClr val="accent1">
+              <a:shade val="50000"/>
+            </a:schemeClr>
+          </a:lnRef>
+          <a:fillRef idx="1">
+            <a:schemeClr val="accent1"/>
+          </a:fillRef>
+          <a:effectRef idx="0">
+            <a:schemeClr val="accent1"/>
+          </a:effectRef>
+          <a:fontRef idx="minor">
+            <a:schemeClr val="lt1"/>
+          </a:fontRef>
+        </p:style>
+        <p:txBody>
+          <a:bodyPr rtlCol="0" anchor="t" anchorCtr="0"/>
+          <a:lstStyle/>
+          <a:p>
+            <a:pPr algn="ctr"/>
+            <a:r>
+              <a:rPr lang="fi-FI" sz="900" dirty="0">
+                <a:solidFill>
+                  <a:schemeClr val="accent1">
+                    <a:lumMod val="75000"/>
+                  </a:schemeClr>
+                </a:solidFill>
+              </a:rPr>
+              <a:t>SQL data </a:t>
+            </a:r>
+            <a:r>
+              <a:rPr lang="fi-FI" sz="900" dirty="0" err="1">
+                <a:solidFill>
+                  <a:schemeClr val="accent1">
+                    <a:lumMod val="75000"/>
+                  </a:schemeClr>
+                </a:solidFill>
+              </a:rPr>
+              <a:t>table</a:t>
+            </a:r>
+            <a:r>
+              <a:rPr lang="fi-FI" sz="900" dirty="0">
+                <a:solidFill>
+                  <a:schemeClr val="accent1">
+                    <a:lumMod val="75000"/>
+                  </a:schemeClr>
+                </a:solidFill>
+              </a:rPr>
+              <a:t> User</a:t>
+            </a:r>
+          </a:p>
+        </p:txBody>
+      </p:sp>
+      <p:sp>
+        <p:nvSpPr>
+          <p:cNvPr id="51" name="Rectangle 50">
+            <a:extLst>
+              <a:ext uri="{FF2B5EF4-FFF2-40B4-BE49-F238E27FC236}">
+                <a16:creationId xmlns:a16="http://schemas.microsoft.com/office/drawing/2014/main" id="{D62310C1-37C8-7283-6374-FA429CBCF4A7}"/>
+              </a:ext>
+            </a:extLst>
+          </p:cNvPr>
+          <p:cNvSpPr/>
+          <p:nvPr/>
+        </p:nvSpPr>
+        <p:spPr>
+          <a:xfrm>
+            <a:off x="10575121" y="6627168"/>
+            <a:ext cx="1616879" cy="230832"/>
+          </a:xfrm>
+          <a:prstGeom prst="rect">
+            <a:avLst/>
+          </a:prstGeom>
+        </p:spPr>
+        <p:txBody>
+          <a:bodyPr wrap="square">
+            <a:spAutoFit/>
+          </a:bodyPr>
+          <a:lstStyle/>
+          <a:p>
+            <a:r>
+              <a:rPr lang="fi-FI" sz="900" dirty="0">
+                <a:solidFill>
+                  <a:schemeClr val="accent1">
+                    <a:lumMod val="75000"/>
+                  </a:schemeClr>
+                </a:solidFill>
+              </a:rPr>
+              <a:t>©2022-2024 Juhani Välimäki</a:t>
+            </a:r>
+            <a:endParaRPr lang="fi-FI" sz="900" dirty="0"/>
+          </a:p>
+        </p:txBody>
+      </p:sp>
+    </p:spTree>
+    <p:extLst>
+      <p:ext uri="{BB962C8B-B14F-4D97-AF65-F5344CB8AC3E}">
+        <p14:creationId xmlns:p14="http://schemas.microsoft.com/office/powerpoint/2010/main" val="1718408022"/>
+      </p:ext>
+    </p:extLst>
+  </p:cSld>
+  <p:clrMapOvr>
+    <a:masterClrMapping/>
+  </p:clrMapOvr>
+</p:sld>
+</file>
+
+<file path=ppt/slides/slide5.xml><?xml version="1.0" encoding="utf-8"?>
+<p:sld xmlns:a="http://schemas.openxmlformats.org/drawingml/2006/main" xmlns:r="http://schemas.openxmlformats.org/officeDocument/2006/relationships" xmlns:p="http://schemas.openxmlformats.org/presentationml/2006/main">
+  <p:cSld>
+    <p:spTree>
+      <p:nvGrpSpPr>
+        <p:cNvPr id="1" name=""/>
+        <p:cNvGrpSpPr/>
+        <p:nvPr/>
+      </p:nvGrpSpPr>
+      <p:grpSpPr>
+        <a:xfrm>
+          <a:off x="0" y="0"/>
+          <a:ext cx="0" cy="0"/>
+          <a:chOff x="0" y="0"/>
+          <a:chExt cx="0" cy="0"/>
+        </a:xfrm>
+      </p:grpSpPr>
       <p:sp>
         <p:nvSpPr>
           <p:cNvPr id="2" name="Rectangle 1">
@@ -16289,10 +21598,10 @@
       </p:sp>
       <p:sp>
         <p:nvSpPr>
-          <p:cNvPr id="3" name="Rectangle 2">
-            <a:extLst>
-              <a:ext uri="{FF2B5EF4-FFF2-40B4-BE49-F238E27FC236}">
-                <a16:creationId xmlns:a16="http://schemas.microsoft.com/office/drawing/2014/main" id="{7611E974-98DE-4BA2-8051-1BFD941E374C}"/>
+          <p:cNvPr id="4" name="Rectangle 3">
+            <a:extLst>
+              <a:ext uri="{FF2B5EF4-FFF2-40B4-BE49-F238E27FC236}">
+                <a16:creationId xmlns:a16="http://schemas.microsoft.com/office/drawing/2014/main" id="{6B626B82-F3D3-20AC-23D8-CA67570BC669}"/>
               </a:ext>
             </a:extLst>
           </p:cNvPr>
@@ -16301,8 +21610,8 @@
         </p:nvSpPr>
         <p:spPr>
           <a:xfrm>
-            <a:off x="10954024" y="6627168"/>
-            <a:ext cx="1293568" cy="230832"/>
+            <a:off x="10575121" y="6627168"/>
+            <a:ext cx="1616879" cy="230832"/>
           </a:xfrm>
           <a:prstGeom prst="rect">
             <a:avLst/>
@@ -16322,7 +21631,7 @@
                   </a:schemeClr>
                 </a:solidFill>
               </a:rPr>
-              <a:t>©2022 Juhani Välimäki</a:t>
+              <a:t>©2022-2024 Juhani Välimäki</a:t>
             </a:r>
             <a:endParaRPr lang="fi-FI" sz="900" dirty="0"/>
           </a:p>

--- a/WhatToDoInFrontBackAndDB_usability_performance_security/naturalpeople_webuserlogins_approles_dbusers_dbroles_owndbitems.pptx
+++ b/WhatToDoInFrontBackAndDB_usability_performance_security/naturalpeople_webuserlogins_approles_dbusers_dbroles_owndbitems.pptx
@@ -265,7 +265,7 @@
           <a:p>
             <a:fld id="{AB466767-0EC2-4146-A188-74EE8EB24694}" type="datetimeFigureOut">
               <a:rPr lang="fi-FI" smtClean="0"/>
-              <a:t>27.2.2024</a:t>
+              <a:t>7.11.2024</a:t>
             </a:fld>
             <a:endParaRPr lang="fi-FI"/>
           </a:p>
@@ -465,7 +465,7 @@
           <a:p>
             <a:fld id="{AB466767-0EC2-4146-A188-74EE8EB24694}" type="datetimeFigureOut">
               <a:rPr lang="fi-FI" smtClean="0"/>
-              <a:t>27.2.2024</a:t>
+              <a:t>7.11.2024</a:t>
             </a:fld>
             <a:endParaRPr lang="fi-FI"/>
           </a:p>
@@ -675,7 +675,7 @@
           <a:p>
             <a:fld id="{AB466767-0EC2-4146-A188-74EE8EB24694}" type="datetimeFigureOut">
               <a:rPr lang="fi-FI" smtClean="0"/>
-              <a:t>27.2.2024</a:t>
+              <a:t>7.11.2024</a:t>
             </a:fld>
             <a:endParaRPr lang="fi-FI"/>
           </a:p>
@@ -875,7 +875,7 @@
           <a:p>
             <a:fld id="{AB466767-0EC2-4146-A188-74EE8EB24694}" type="datetimeFigureOut">
               <a:rPr lang="fi-FI" smtClean="0"/>
-              <a:t>27.2.2024</a:t>
+              <a:t>7.11.2024</a:t>
             </a:fld>
             <a:endParaRPr lang="fi-FI"/>
           </a:p>
@@ -1151,7 +1151,7 @@
           <a:p>
             <a:fld id="{AB466767-0EC2-4146-A188-74EE8EB24694}" type="datetimeFigureOut">
               <a:rPr lang="fi-FI" smtClean="0"/>
-              <a:t>27.2.2024</a:t>
+              <a:t>7.11.2024</a:t>
             </a:fld>
             <a:endParaRPr lang="fi-FI"/>
           </a:p>
@@ -1419,7 +1419,7 @@
           <a:p>
             <a:fld id="{AB466767-0EC2-4146-A188-74EE8EB24694}" type="datetimeFigureOut">
               <a:rPr lang="fi-FI" smtClean="0"/>
-              <a:t>27.2.2024</a:t>
+              <a:t>7.11.2024</a:t>
             </a:fld>
             <a:endParaRPr lang="fi-FI"/>
           </a:p>
@@ -1834,7 +1834,7 @@
           <a:p>
             <a:fld id="{AB466767-0EC2-4146-A188-74EE8EB24694}" type="datetimeFigureOut">
               <a:rPr lang="fi-FI" smtClean="0"/>
-              <a:t>27.2.2024</a:t>
+              <a:t>7.11.2024</a:t>
             </a:fld>
             <a:endParaRPr lang="fi-FI"/>
           </a:p>
@@ -1976,7 +1976,7 @@
           <a:p>
             <a:fld id="{AB466767-0EC2-4146-A188-74EE8EB24694}" type="datetimeFigureOut">
               <a:rPr lang="fi-FI" smtClean="0"/>
-              <a:t>27.2.2024</a:t>
+              <a:t>7.11.2024</a:t>
             </a:fld>
             <a:endParaRPr lang="fi-FI"/>
           </a:p>
@@ -2089,7 +2089,7 @@
           <a:p>
             <a:fld id="{AB466767-0EC2-4146-A188-74EE8EB24694}" type="datetimeFigureOut">
               <a:rPr lang="fi-FI" smtClean="0"/>
-              <a:t>27.2.2024</a:t>
+              <a:t>7.11.2024</a:t>
             </a:fld>
             <a:endParaRPr lang="fi-FI"/>
           </a:p>
@@ -2402,7 +2402,7 @@
           <a:p>
             <a:fld id="{AB466767-0EC2-4146-A188-74EE8EB24694}" type="datetimeFigureOut">
               <a:rPr lang="fi-FI" smtClean="0"/>
-              <a:t>27.2.2024</a:t>
+              <a:t>7.11.2024</a:t>
             </a:fld>
             <a:endParaRPr lang="fi-FI"/>
           </a:p>
@@ -2691,7 +2691,7 @@
           <a:p>
             <a:fld id="{AB466767-0EC2-4146-A188-74EE8EB24694}" type="datetimeFigureOut">
               <a:rPr lang="fi-FI" smtClean="0"/>
-              <a:t>27.2.2024</a:t>
+              <a:t>7.11.2024</a:t>
             </a:fld>
             <a:endParaRPr lang="fi-FI"/>
           </a:p>
@@ -2934,7 +2934,7 @@
           <a:p>
             <a:fld id="{AB466767-0EC2-4146-A188-74EE8EB24694}" type="datetimeFigureOut">
               <a:rPr lang="fi-FI" smtClean="0"/>
-              <a:t>27.2.2024</a:t>
+              <a:t>7.11.2024</a:t>
             </a:fld>
             <a:endParaRPr lang="fi-FI"/>
           </a:p>
@@ -14864,6 +14864,223 @@
           </a:p>
         </p:txBody>
       </p:sp>
+      <p:sp>
+        <p:nvSpPr>
+          <p:cNvPr id="3" name="TextBox 2">
+            <a:extLst>
+              <a:ext uri="{FF2B5EF4-FFF2-40B4-BE49-F238E27FC236}">
+                <a16:creationId xmlns:a16="http://schemas.microsoft.com/office/drawing/2014/main" id="{0190CAD0-FDB5-182D-4B1E-473278BA92C1}"/>
+              </a:ext>
+            </a:extLst>
+          </p:cNvPr>
+          <p:cNvSpPr txBox="1"/>
+          <p:nvPr/>
+        </p:nvSpPr>
+        <p:spPr>
+          <a:xfrm>
+            <a:off x="5754123" y="4684065"/>
+            <a:ext cx="889397" cy="246221"/>
+          </a:xfrm>
+          <a:prstGeom prst="rect">
+            <a:avLst/>
+          </a:prstGeom>
+          <a:noFill/>
+        </p:spPr>
+        <p:txBody>
+          <a:bodyPr wrap="square">
+            <a:spAutoFit/>
+          </a:bodyPr>
+          <a:lstStyle/>
+          <a:p>
+            <a:r>
+              <a:rPr lang="fi-FI" sz="1000" dirty="0" err="1">
+                <a:solidFill>
+                  <a:schemeClr val="accent1">
+                    <a:lumMod val="75000"/>
+                  </a:schemeClr>
+                </a:solidFill>
+              </a:rPr>
+              <a:t>tokenSecret</a:t>
+            </a:r>
+            <a:endParaRPr lang="fi-FI" sz="1000" dirty="0"/>
+          </a:p>
+        </p:txBody>
+      </p:sp>
+      <p:sp>
+        <p:nvSpPr>
+          <p:cNvPr id="4" name="TextBox 3">
+            <a:extLst>
+              <a:ext uri="{FF2B5EF4-FFF2-40B4-BE49-F238E27FC236}">
+                <a16:creationId xmlns:a16="http://schemas.microsoft.com/office/drawing/2014/main" id="{FA697320-34D8-D7B8-40A4-F1EB619CC3B8}"/>
+              </a:ext>
+            </a:extLst>
+          </p:cNvPr>
+          <p:cNvSpPr txBox="1"/>
+          <p:nvPr/>
+        </p:nvSpPr>
+        <p:spPr>
+          <a:xfrm>
+            <a:off x="6127244" y="4438528"/>
+            <a:ext cx="960095" cy="246221"/>
+          </a:xfrm>
+          <a:prstGeom prst="rect">
+            <a:avLst/>
+          </a:prstGeom>
+          <a:noFill/>
+        </p:spPr>
+        <p:txBody>
+          <a:bodyPr wrap="square">
+            <a:spAutoFit/>
+          </a:bodyPr>
+          <a:lstStyle/>
+          <a:p>
+            <a:r>
+              <a:rPr lang="fi-FI" sz="1000" dirty="0"/>
+              <a:t>-&gt; 2. </a:t>
+            </a:r>
+            <a:r>
+              <a:rPr lang="fi-FI" sz="1000" dirty="0" err="1"/>
+              <a:t>verify</a:t>
+            </a:r>
+            <a:endParaRPr lang="fi-FI" sz="1000" dirty="0"/>
+          </a:p>
+        </p:txBody>
+      </p:sp>
+      <p:sp>
+        <p:nvSpPr>
+          <p:cNvPr id="6" name="TextBox 5">
+            <a:extLst>
+              <a:ext uri="{FF2B5EF4-FFF2-40B4-BE49-F238E27FC236}">
+                <a16:creationId xmlns:a16="http://schemas.microsoft.com/office/drawing/2014/main" id="{EE70581C-59F0-3550-18A0-9CB27B974729}"/>
+              </a:ext>
+            </a:extLst>
+          </p:cNvPr>
+          <p:cNvSpPr txBox="1"/>
+          <p:nvPr/>
+        </p:nvSpPr>
+        <p:spPr>
+          <a:xfrm>
+            <a:off x="5480290" y="4438527"/>
+            <a:ext cx="889397" cy="246221"/>
+          </a:xfrm>
+          <a:prstGeom prst="rect">
+            <a:avLst/>
+          </a:prstGeom>
+          <a:noFill/>
+        </p:spPr>
+        <p:txBody>
+          <a:bodyPr wrap="square">
+            <a:spAutoFit/>
+          </a:bodyPr>
+          <a:lstStyle/>
+          <a:p>
+            <a:r>
+              <a:rPr lang="fi-FI" sz="1000" dirty="0"/>
+              <a:t>&lt;- 1. </a:t>
+            </a:r>
+            <a:r>
+              <a:rPr lang="fi-FI" sz="1000" dirty="0" err="1"/>
+              <a:t>sign</a:t>
+            </a:r>
+            <a:r>
+              <a:rPr lang="fi-FI" sz="1000" dirty="0"/>
+              <a:t>, </a:t>
+            </a:r>
+          </a:p>
+        </p:txBody>
+      </p:sp>
+      <p:cxnSp>
+        <p:nvCxnSpPr>
+          <p:cNvPr id="8" name="Straight Arrow Connector 7">
+            <a:extLst>
+              <a:ext uri="{FF2B5EF4-FFF2-40B4-BE49-F238E27FC236}">
+                <a16:creationId xmlns:a16="http://schemas.microsoft.com/office/drawing/2014/main" id="{8763190F-EDD5-329C-E1E9-7CA73B733646}"/>
+              </a:ext>
+            </a:extLst>
+          </p:cNvPr>
+          <p:cNvCxnSpPr>
+            <a:cxnSpLocks/>
+          </p:cNvCxnSpPr>
+          <p:nvPr/>
+        </p:nvCxnSpPr>
+        <p:spPr>
+          <a:xfrm flipH="1">
+            <a:off x="6321478" y="4643532"/>
+            <a:ext cx="123731" cy="97164"/>
+          </a:xfrm>
+          <a:prstGeom prst="straightConnector1">
+            <a:avLst/>
+          </a:prstGeom>
+          <a:ln>
+            <a:solidFill>
+              <a:schemeClr val="accent1"/>
+            </a:solidFill>
+            <a:prstDash val="sysDash"/>
+            <a:headEnd type="none"/>
+            <a:tailEnd type="none"/>
+          </a:ln>
+        </p:spPr>
+        <p:style>
+          <a:lnRef idx="1">
+            <a:schemeClr val="accent1"/>
+          </a:lnRef>
+          <a:fillRef idx="0">
+            <a:schemeClr val="accent1"/>
+          </a:fillRef>
+          <a:effectRef idx="0">
+            <a:schemeClr val="accent1"/>
+          </a:effectRef>
+          <a:fontRef idx="minor">
+            <a:schemeClr val="tx1"/>
+          </a:fontRef>
+        </p:style>
+      </p:cxnSp>
+      <p:cxnSp>
+        <p:nvCxnSpPr>
+          <p:cNvPr id="10" name="Straight Arrow Connector 9">
+            <a:extLst>
+              <a:ext uri="{FF2B5EF4-FFF2-40B4-BE49-F238E27FC236}">
+                <a16:creationId xmlns:a16="http://schemas.microsoft.com/office/drawing/2014/main" id="{E1AAB232-FC8D-767E-92CF-CA502853AA7A}"/>
+              </a:ext>
+            </a:extLst>
+          </p:cNvPr>
+          <p:cNvCxnSpPr>
+            <a:cxnSpLocks/>
+          </p:cNvCxnSpPr>
+          <p:nvPr/>
+        </p:nvCxnSpPr>
+        <p:spPr>
+          <a:xfrm>
+            <a:off x="5795617" y="4642528"/>
+            <a:ext cx="157203" cy="65834"/>
+          </a:xfrm>
+          <a:prstGeom prst="straightConnector1">
+            <a:avLst/>
+          </a:prstGeom>
+          <a:ln>
+            <a:solidFill>
+              <a:schemeClr val="accent1"/>
+            </a:solidFill>
+            <a:prstDash val="sysDash"/>
+            <a:headEnd type="none"/>
+            <a:tailEnd type="none"/>
+          </a:ln>
+        </p:spPr>
+        <p:style>
+          <a:lnRef idx="1">
+            <a:schemeClr val="accent1"/>
+          </a:lnRef>
+          <a:fillRef idx="0">
+            <a:schemeClr val="accent1"/>
+          </a:fillRef>
+          <a:effectRef idx="0">
+            <a:schemeClr val="accent1"/>
+          </a:effectRef>
+          <a:fontRef idx="minor">
+            <a:schemeClr val="tx1"/>
+          </a:fontRef>
+        </p:style>
+      </p:cxnSp>
     </p:spTree>
     <p:extLst>
       <p:ext uri="{BB962C8B-B14F-4D97-AF65-F5344CB8AC3E}">
@@ -20172,6 +20389,223 @@
           </a:p>
         </p:txBody>
       </p:sp>
+      <p:sp>
+        <p:nvSpPr>
+          <p:cNvPr id="4" name="TextBox 3">
+            <a:extLst>
+              <a:ext uri="{FF2B5EF4-FFF2-40B4-BE49-F238E27FC236}">
+                <a16:creationId xmlns:a16="http://schemas.microsoft.com/office/drawing/2014/main" id="{DAA47735-D812-7656-BBFC-0D118E2A73BD}"/>
+              </a:ext>
+            </a:extLst>
+          </p:cNvPr>
+          <p:cNvSpPr txBox="1"/>
+          <p:nvPr/>
+        </p:nvSpPr>
+        <p:spPr>
+          <a:xfrm>
+            <a:off x="5754123" y="4684065"/>
+            <a:ext cx="889397" cy="246221"/>
+          </a:xfrm>
+          <a:prstGeom prst="rect">
+            <a:avLst/>
+          </a:prstGeom>
+          <a:noFill/>
+        </p:spPr>
+        <p:txBody>
+          <a:bodyPr wrap="square">
+            <a:spAutoFit/>
+          </a:bodyPr>
+          <a:lstStyle/>
+          <a:p>
+            <a:r>
+              <a:rPr lang="fi-FI" sz="1000" dirty="0" err="1">
+                <a:solidFill>
+                  <a:schemeClr val="accent1">
+                    <a:lumMod val="75000"/>
+                  </a:schemeClr>
+                </a:solidFill>
+              </a:rPr>
+              <a:t>tokenSecret</a:t>
+            </a:r>
+            <a:endParaRPr lang="fi-FI" sz="1000" dirty="0"/>
+          </a:p>
+        </p:txBody>
+      </p:sp>
+      <p:sp>
+        <p:nvSpPr>
+          <p:cNvPr id="8" name="TextBox 7">
+            <a:extLst>
+              <a:ext uri="{FF2B5EF4-FFF2-40B4-BE49-F238E27FC236}">
+                <a16:creationId xmlns:a16="http://schemas.microsoft.com/office/drawing/2014/main" id="{9848206A-8FF4-6BD7-4A25-44A28A93F02E}"/>
+              </a:ext>
+            </a:extLst>
+          </p:cNvPr>
+          <p:cNvSpPr txBox="1"/>
+          <p:nvPr/>
+        </p:nvSpPr>
+        <p:spPr>
+          <a:xfrm>
+            <a:off x="6127244" y="4438528"/>
+            <a:ext cx="960095" cy="246221"/>
+          </a:xfrm>
+          <a:prstGeom prst="rect">
+            <a:avLst/>
+          </a:prstGeom>
+          <a:noFill/>
+        </p:spPr>
+        <p:txBody>
+          <a:bodyPr wrap="square">
+            <a:spAutoFit/>
+          </a:bodyPr>
+          <a:lstStyle/>
+          <a:p>
+            <a:r>
+              <a:rPr lang="fi-FI" sz="1000" dirty="0"/>
+              <a:t>-&gt; 2. </a:t>
+            </a:r>
+            <a:r>
+              <a:rPr lang="fi-FI" sz="1000" dirty="0" err="1"/>
+              <a:t>verify</a:t>
+            </a:r>
+            <a:endParaRPr lang="fi-FI" sz="1000" dirty="0"/>
+          </a:p>
+        </p:txBody>
+      </p:sp>
+      <p:sp>
+        <p:nvSpPr>
+          <p:cNvPr id="3" name="TextBox 2">
+            <a:extLst>
+              <a:ext uri="{FF2B5EF4-FFF2-40B4-BE49-F238E27FC236}">
+                <a16:creationId xmlns:a16="http://schemas.microsoft.com/office/drawing/2014/main" id="{0894A515-E235-0B99-B667-BCED88D086EC}"/>
+              </a:ext>
+            </a:extLst>
+          </p:cNvPr>
+          <p:cNvSpPr txBox="1"/>
+          <p:nvPr/>
+        </p:nvSpPr>
+        <p:spPr>
+          <a:xfrm>
+            <a:off x="5480290" y="4438527"/>
+            <a:ext cx="889397" cy="246221"/>
+          </a:xfrm>
+          <a:prstGeom prst="rect">
+            <a:avLst/>
+          </a:prstGeom>
+          <a:noFill/>
+        </p:spPr>
+        <p:txBody>
+          <a:bodyPr wrap="square">
+            <a:spAutoFit/>
+          </a:bodyPr>
+          <a:lstStyle/>
+          <a:p>
+            <a:r>
+              <a:rPr lang="fi-FI" sz="1000" dirty="0"/>
+              <a:t>&lt;- 1. </a:t>
+            </a:r>
+            <a:r>
+              <a:rPr lang="fi-FI" sz="1000" dirty="0" err="1"/>
+              <a:t>sign</a:t>
+            </a:r>
+            <a:r>
+              <a:rPr lang="fi-FI" sz="1000" dirty="0"/>
+              <a:t>, </a:t>
+            </a:r>
+          </a:p>
+        </p:txBody>
+      </p:sp>
+      <p:cxnSp>
+        <p:nvCxnSpPr>
+          <p:cNvPr id="6" name="Straight Arrow Connector 5">
+            <a:extLst>
+              <a:ext uri="{FF2B5EF4-FFF2-40B4-BE49-F238E27FC236}">
+                <a16:creationId xmlns:a16="http://schemas.microsoft.com/office/drawing/2014/main" id="{B593DD36-1745-56B8-4091-5B5B2C2790CE}"/>
+              </a:ext>
+            </a:extLst>
+          </p:cNvPr>
+          <p:cNvCxnSpPr>
+            <a:cxnSpLocks/>
+          </p:cNvCxnSpPr>
+          <p:nvPr/>
+        </p:nvCxnSpPr>
+        <p:spPr>
+          <a:xfrm flipH="1">
+            <a:off x="6321478" y="4643532"/>
+            <a:ext cx="123731" cy="97164"/>
+          </a:xfrm>
+          <a:prstGeom prst="straightConnector1">
+            <a:avLst/>
+          </a:prstGeom>
+          <a:ln>
+            <a:solidFill>
+              <a:schemeClr val="accent1"/>
+            </a:solidFill>
+            <a:prstDash val="sysDash"/>
+            <a:headEnd type="none"/>
+            <a:tailEnd type="none"/>
+          </a:ln>
+        </p:spPr>
+        <p:style>
+          <a:lnRef idx="1">
+            <a:schemeClr val="accent1"/>
+          </a:lnRef>
+          <a:fillRef idx="0">
+            <a:schemeClr val="accent1"/>
+          </a:fillRef>
+          <a:effectRef idx="0">
+            <a:schemeClr val="accent1"/>
+          </a:effectRef>
+          <a:fontRef idx="minor">
+            <a:schemeClr val="tx1"/>
+          </a:fontRef>
+        </p:style>
+      </p:cxnSp>
+      <p:cxnSp>
+        <p:nvCxnSpPr>
+          <p:cNvPr id="11" name="Straight Arrow Connector 10">
+            <a:extLst>
+              <a:ext uri="{FF2B5EF4-FFF2-40B4-BE49-F238E27FC236}">
+                <a16:creationId xmlns:a16="http://schemas.microsoft.com/office/drawing/2014/main" id="{E1FD5508-8DC4-6148-26A8-021709329DA0}"/>
+              </a:ext>
+            </a:extLst>
+          </p:cNvPr>
+          <p:cNvCxnSpPr>
+            <a:cxnSpLocks/>
+          </p:cNvCxnSpPr>
+          <p:nvPr/>
+        </p:nvCxnSpPr>
+        <p:spPr>
+          <a:xfrm>
+            <a:off x="5795617" y="4642528"/>
+            <a:ext cx="157203" cy="65834"/>
+          </a:xfrm>
+          <a:prstGeom prst="straightConnector1">
+            <a:avLst/>
+          </a:prstGeom>
+          <a:ln>
+            <a:solidFill>
+              <a:schemeClr val="accent1"/>
+            </a:solidFill>
+            <a:prstDash val="sysDash"/>
+            <a:headEnd type="none"/>
+            <a:tailEnd type="none"/>
+          </a:ln>
+        </p:spPr>
+        <p:style>
+          <a:lnRef idx="1">
+            <a:schemeClr val="accent1"/>
+          </a:lnRef>
+          <a:fillRef idx="0">
+            <a:schemeClr val="accent1"/>
+          </a:fillRef>
+          <a:effectRef idx="0">
+            <a:schemeClr val="accent1"/>
+          </a:effectRef>
+          <a:fontRef idx="minor">
+            <a:schemeClr val="tx1"/>
+          </a:fontRef>
+        </p:style>
+      </p:cxnSp>
     </p:spTree>
     <p:extLst>
       <p:ext uri="{BB962C8B-B14F-4D97-AF65-F5344CB8AC3E}">

--- a/WhatToDoInFrontBackAndDB_usability_performance_security/naturalpeople_webuserlogins_approles_dbusers_dbroles_owndbitems.pptx
+++ b/WhatToDoInFrontBackAndDB_usability_performance_security/naturalpeople_webuserlogins_approles_dbusers_dbroles_owndbitems.pptx
@@ -265,7 +265,7 @@
           <a:p>
             <a:fld id="{AB466767-0EC2-4146-A188-74EE8EB24694}" type="datetimeFigureOut">
               <a:rPr lang="fi-FI" smtClean="0"/>
-              <a:t>7.11.2024</a:t>
+              <a:t>4.3.2025</a:t>
             </a:fld>
             <a:endParaRPr lang="fi-FI"/>
           </a:p>
@@ -465,7 +465,7 @@
           <a:p>
             <a:fld id="{AB466767-0EC2-4146-A188-74EE8EB24694}" type="datetimeFigureOut">
               <a:rPr lang="fi-FI" smtClean="0"/>
-              <a:t>7.11.2024</a:t>
+              <a:t>4.3.2025</a:t>
             </a:fld>
             <a:endParaRPr lang="fi-FI"/>
           </a:p>
@@ -675,7 +675,7 @@
           <a:p>
             <a:fld id="{AB466767-0EC2-4146-A188-74EE8EB24694}" type="datetimeFigureOut">
               <a:rPr lang="fi-FI" smtClean="0"/>
-              <a:t>7.11.2024</a:t>
+              <a:t>4.3.2025</a:t>
             </a:fld>
             <a:endParaRPr lang="fi-FI"/>
           </a:p>
@@ -875,7 +875,7 @@
           <a:p>
             <a:fld id="{AB466767-0EC2-4146-A188-74EE8EB24694}" type="datetimeFigureOut">
               <a:rPr lang="fi-FI" smtClean="0"/>
-              <a:t>7.11.2024</a:t>
+              <a:t>4.3.2025</a:t>
             </a:fld>
             <a:endParaRPr lang="fi-FI"/>
           </a:p>
@@ -1151,7 +1151,7 @@
           <a:p>
             <a:fld id="{AB466767-0EC2-4146-A188-74EE8EB24694}" type="datetimeFigureOut">
               <a:rPr lang="fi-FI" smtClean="0"/>
-              <a:t>7.11.2024</a:t>
+              <a:t>4.3.2025</a:t>
             </a:fld>
             <a:endParaRPr lang="fi-FI"/>
           </a:p>
@@ -1419,7 +1419,7 @@
           <a:p>
             <a:fld id="{AB466767-0EC2-4146-A188-74EE8EB24694}" type="datetimeFigureOut">
               <a:rPr lang="fi-FI" smtClean="0"/>
-              <a:t>7.11.2024</a:t>
+              <a:t>4.3.2025</a:t>
             </a:fld>
             <a:endParaRPr lang="fi-FI"/>
           </a:p>
@@ -1834,7 +1834,7 @@
           <a:p>
             <a:fld id="{AB466767-0EC2-4146-A188-74EE8EB24694}" type="datetimeFigureOut">
               <a:rPr lang="fi-FI" smtClean="0"/>
-              <a:t>7.11.2024</a:t>
+              <a:t>4.3.2025</a:t>
             </a:fld>
             <a:endParaRPr lang="fi-FI"/>
           </a:p>
@@ -1976,7 +1976,7 @@
           <a:p>
             <a:fld id="{AB466767-0EC2-4146-A188-74EE8EB24694}" type="datetimeFigureOut">
               <a:rPr lang="fi-FI" smtClean="0"/>
-              <a:t>7.11.2024</a:t>
+              <a:t>4.3.2025</a:t>
             </a:fld>
             <a:endParaRPr lang="fi-FI"/>
           </a:p>
@@ -2089,7 +2089,7 @@
           <a:p>
             <a:fld id="{AB466767-0EC2-4146-A188-74EE8EB24694}" type="datetimeFigureOut">
               <a:rPr lang="fi-FI" smtClean="0"/>
-              <a:t>7.11.2024</a:t>
+              <a:t>4.3.2025</a:t>
             </a:fld>
             <a:endParaRPr lang="fi-FI"/>
           </a:p>
@@ -2402,7 +2402,7 @@
           <a:p>
             <a:fld id="{AB466767-0EC2-4146-A188-74EE8EB24694}" type="datetimeFigureOut">
               <a:rPr lang="fi-FI" smtClean="0"/>
-              <a:t>7.11.2024</a:t>
+              <a:t>4.3.2025</a:t>
             </a:fld>
             <a:endParaRPr lang="fi-FI"/>
           </a:p>
@@ -2691,7 +2691,7 @@
           <a:p>
             <a:fld id="{AB466767-0EC2-4146-A188-74EE8EB24694}" type="datetimeFigureOut">
               <a:rPr lang="fi-FI" smtClean="0"/>
-              <a:t>7.11.2024</a:t>
+              <a:t>4.3.2025</a:t>
             </a:fld>
             <a:endParaRPr lang="fi-FI"/>
           </a:p>
@@ -2934,7 +2934,7 @@
           <a:p>
             <a:fld id="{AB466767-0EC2-4146-A188-74EE8EB24694}" type="datetimeFigureOut">
               <a:rPr lang="fi-FI" smtClean="0"/>
-              <a:t>7.11.2024</a:t>
+              <a:t>4.3.2025</a:t>
             </a:fld>
             <a:endParaRPr lang="fi-FI"/>
           </a:p>
@@ -5294,7 +5294,7 @@
             <a:avLst/>
           </a:prstGeom>
           <a:ln>
-            <a:headEnd type="triangle"/>
+            <a:headEnd type="none"/>
             <a:tailEnd type="triangle"/>
           </a:ln>
         </p:spPr>
@@ -10803,7 +10803,7 @@
             <a:avLst/>
           </a:prstGeom>
           <a:ln>
-            <a:headEnd type="triangle"/>
+            <a:headEnd type="none"/>
             <a:tailEnd type="triangle"/>
           </a:ln>
         </p:spPr>
@@ -11726,7 +11726,7 @@
                   </a:schemeClr>
                 </a:solidFill>
               </a:rPr>
-              <a:t>authentication</a:t>
+              <a:t>auth</a:t>
             </a:r>
             <a:r>
               <a:rPr lang="fi-FI" sz="900" dirty="0">
@@ -11736,6 +11736,26 @@
                   </a:schemeClr>
                 </a:solidFill>
               </a:rPr>
+              <a:t>/</a:t>
+            </a:r>
+            <a:r>
+              <a:rPr lang="fi-FI" sz="900" dirty="0" err="1">
+                <a:solidFill>
+                  <a:schemeClr val="accent1">
+                    <a:lumMod val="75000"/>
+                  </a:schemeClr>
+                </a:solidFill>
+              </a:rPr>
+              <a:t>authorization</a:t>
+            </a:r>
+            <a:r>
+              <a:rPr lang="fi-FI" sz="900" dirty="0">
+                <a:solidFill>
+                  <a:schemeClr val="accent1">
+                    <a:lumMod val="75000"/>
+                  </a:schemeClr>
+                </a:solidFill>
+              </a:rPr>
               <a:t> </a:t>
             </a:r>
             <a:r>
@@ -11756,27 +11776,7 @@
                   </a:schemeClr>
                 </a:solidFill>
               </a:rPr>
-              <a:t> (</a:t>
-            </a:r>
-            <a:r>
-              <a:rPr lang="fi-FI" sz="900" dirty="0" err="1">
-                <a:solidFill>
-                  <a:schemeClr val="accent1">
-                    <a:lumMod val="75000"/>
-                  </a:schemeClr>
-                </a:solidFill>
-              </a:rPr>
-              <a:t>e.g</a:t>
-            </a:r>
-            <a:r>
-              <a:rPr lang="fi-FI" sz="900" dirty="0">
-                <a:solidFill>
-                  <a:schemeClr val="accent1">
-                    <a:lumMod val="75000"/>
-                  </a:schemeClr>
-                </a:solidFill>
-              </a:rPr>
-              <a:t>. w. JWT), </a:t>
+              <a:t> (e.g. w. JWT), </a:t>
             </a:r>
             <a:r>
               <a:rPr lang="fi-FI" sz="900" dirty="0" err="1">
@@ -16525,7 +16525,7 @@
             <a:avLst/>
           </a:prstGeom>
           <a:ln>
-            <a:headEnd type="triangle"/>
+            <a:headEnd type="none"/>
             <a:tailEnd type="triangle"/>
           </a:ln>
         </p:spPr>
@@ -20157,7 +20157,7 @@
                   </a:schemeClr>
                 </a:solidFill>
               </a:rPr>
-              <a:t>authentication</a:t>
+              <a:t>authorization</a:t>
             </a:r>
             <a:r>
               <a:rPr lang="fi-FI" sz="900" dirty="0">
@@ -20187,27 +20187,7 @@
                   </a:schemeClr>
                 </a:solidFill>
               </a:rPr>
-              <a:t> (</a:t>
-            </a:r>
-            <a:r>
-              <a:rPr lang="fi-FI" sz="900" dirty="0" err="1">
-                <a:solidFill>
-                  <a:schemeClr val="accent1">
-                    <a:lumMod val="75000"/>
-                  </a:schemeClr>
-                </a:solidFill>
-              </a:rPr>
-              <a:t>e.g</a:t>
-            </a:r>
-            <a:r>
-              <a:rPr lang="fi-FI" sz="900" dirty="0">
-                <a:solidFill>
-                  <a:schemeClr val="accent1">
-                    <a:lumMod val="75000"/>
-                  </a:schemeClr>
-                </a:solidFill>
-              </a:rPr>
-              <a:t>. w. JWT), </a:t>
+              <a:t> (e.g. w. JWT), </a:t>
             </a:r>
             <a:r>
               <a:rPr lang="fi-FI" sz="900" dirty="0" err="1">
